--- a/docs/Presentations/SRS_Presentation/Kiran Singh - SRS Presentation - Image Feature Correspondences.pptx
+++ b/docs/Presentations/SRS_Presentation/Kiran Singh - SRS Presentation - Image Feature Correspondences.pptx
@@ -7,25 +7,26 @@
     <p:sldMasterId id="2147483706" r:id="rId6"/>
   </p:sldMasterIdLst>
   <p:notesMasterIdLst>
-    <p:notesMasterId r:id="rId20"/>
+    <p:notesMasterId r:id="rId21"/>
   </p:notesMasterIdLst>
   <p:handoutMasterIdLst>
-    <p:handoutMasterId r:id="rId21"/>
+    <p:handoutMasterId r:id="rId22"/>
   </p:handoutMasterIdLst>
   <p:sldIdLst>
     <p:sldId id="383" r:id="rId7"/>
     <p:sldId id="395" r:id="rId8"/>
-    <p:sldId id="396" r:id="rId9"/>
-    <p:sldId id="397" r:id="rId10"/>
-    <p:sldId id="398" r:id="rId11"/>
-    <p:sldId id="400" r:id="rId12"/>
-    <p:sldId id="405" r:id="rId13"/>
-    <p:sldId id="406" r:id="rId14"/>
-    <p:sldId id="407" r:id="rId15"/>
-    <p:sldId id="399" r:id="rId16"/>
-    <p:sldId id="401" r:id="rId17"/>
-    <p:sldId id="408" r:id="rId18"/>
-    <p:sldId id="403" r:id="rId19"/>
+    <p:sldId id="409" r:id="rId9"/>
+    <p:sldId id="396" r:id="rId10"/>
+    <p:sldId id="397" r:id="rId11"/>
+    <p:sldId id="398" r:id="rId12"/>
+    <p:sldId id="400" r:id="rId13"/>
+    <p:sldId id="405" r:id="rId14"/>
+    <p:sldId id="406" r:id="rId15"/>
+    <p:sldId id="407" r:id="rId16"/>
+    <p:sldId id="399" r:id="rId17"/>
+    <p:sldId id="401" r:id="rId18"/>
+    <p:sldId id="408" r:id="rId19"/>
+    <p:sldId id="403" r:id="rId20"/>
   </p:sldIdLst>
   <p:sldSz cx="20318413" cy="11430000"/>
   <p:notesSz cx="6858000" cy="9144000"/>
@@ -138,7 +139,7 @@
 <file path=ppt/revisionInfo.xml><?xml version="1.0" encoding="utf-8"?>
 <p1510:revInfo xmlns:a="http://schemas.openxmlformats.org/drawingml/2006/main" xmlns:r="http://schemas.openxmlformats.org/officeDocument/2006/relationships" xmlns:p1510="http://schemas.microsoft.com/office/powerpoint/2015/10/main">
   <p1510:revLst>
-    <p1510:client id="{3F4033DF-89CA-4A35-9A6E-B7EBBB5A71F7}" v="77" dt="2025-01-24T15:41:14.348"/>
+    <p1510:client id="{3F4033DF-89CA-4A35-9A6E-B7EBBB5A71F7}" v="268" dt="2025-01-24T16:59:05.854"/>
   </p1510:revLst>
 </p1510:revInfo>
 </file>
@@ -237,7 +238,7 @@
           <a:p>
             <a:fld id="{F491241E-95D8-EC4C-8EC7-76F38C602C68}" type="datetimeFigureOut">
               <a:rPr lang="en-US" smtClean="0"/>
-              <a:t>1/23/2025</a:t>
+              <a:t>1/24/2025</a:t>
             </a:fld>
             <a:endParaRPr lang="en-US"/>
           </a:p>
@@ -415,7 +416,7 @@
           <a:p>
             <a:fld id="{1EDABD9C-0A3D-664C-AB0E-EE362BB8958A}" type="datetimeFigureOut">
               <a:rPr lang="en-US" smtClean="0"/>
-              <a:t>1/23/2025</a:t>
+              <a:t>1/24/2025</a:t>
             </a:fld>
             <a:endParaRPr lang="en-US"/>
           </a:p>
@@ -1607,7 +1608,7 @@
           <a:p>
             <a:fld id="{D2792E9C-7E5E-F14F-B049-5BFE22D713B7}" type="datetime4">
               <a:rPr lang="en-CA" smtClean="0"/>
-              <a:t>January 23, 2025</a:t>
+              <a:t>January 24, 2025</a:t>
             </a:fld>
             <a:endParaRPr lang="en-US"/>
           </a:p>
@@ -2074,7 +2075,7 @@
           <a:p>
             <a:fld id="{D2792E9C-7E5E-F14F-B049-5BFE22D713B7}" type="datetime4">
               <a:rPr lang="en-CA" smtClean="0"/>
-              <a:t>January 23, 2025</a:t>
+              <a:t>January 24, 2025</a:t>
             </a:fld>
             <a:endParaRPr lang="en-US"/>
           </a:p>
@@ -2541,7 +2542,7 @@
           <a:p>
             <a:fld id="{D2792E9C-7E5E-F14F-B049-5BFE22D713B7}" type="datetime4">
               <a:rPr lang="en-CA" smtClean="0"/>
-              <a:t>January 23, 2025</a:t>
+              <a:t>January 24, 2025</a:t>
             </a:fld>
             <a:endParaRPr lang="en-US"/>
           </a:p>
@@ -3154,7 +3155,7 @@
           <a:p>
             <a:fld id="{D2792E9C-7E5E-F14F-B049-5BFE22D713B7}" type="datetime4">
               <a:rPr lang="en-CA" smtClean="0"/>
-              <a:t>January 23, 2025</a:t>
+              <a:t>January 24, 2025</a:t>
             </a:fld>
             <a:endParaRPr lang="en-US"/>
           </a:p>
@@ -3907,7 +3908,7 @@
           <a:p>
             <a:fld id="{D2792E9C-7E5E-F14F-B049-5BFE22D713B7}" type="datetime4">
               <a:rPr lang="en-CA" smtClean="0"/>
-              <a:t>January 23, 2025</a:t>
+              <a:t>January 24, 2025</a:t>
             </a:fld>
             <a:endParaRPr lang="en-US"/>
           </a:p>
@@ -4195,7 +4196,7 @@
           <a:p>
             <a:fld id="{D2792E9C-7E5E-F14F-B049-5BFE22D713B7}" type="datetime4">
               <a:rPr lang="en-CA" smtClean="0"/>
-              <a:t>January 23, 2025</a:t>
+              <a:t>January 24, 2025</a:t>
             </a:fld>
             <a:endParaRPr lang="en-US"/>
           </a:p>
@@ -4662,7 +4663,7 @@
           <a:p>
             <a:fld id="{D2792E9C-7E5E-F14F-B049-5BFE22D713B7}" type="datetime4">
               <a:rPr lang="en-CA" smtClean="0"/>
-              <a:t>January 23, 2025</a:t>
+              <a:t>January 24, 2025</a:t>
             </a:fld>
             <a:endParaRPr lang="en-US"/>
           </a:p>
@@ -5196,7 +5197,7 @@
           <a:p>
             <a:fld id="{D2792E9C-7E5E-F14F-B049-5BFE22D713B7}" type="datetime4">
               <a:rPr lang="en-CA" smtClean="0"/>
-              <a:t>January 23, 2025</a:t>
+              <a:t>January 24, 2025</a:t>
             </a:fld>
             <a:endParaRPr lang="en-US"/>
           </a:p>
@@ -5491,7 +5492,7 @@
           <a:p>
             <a:fld id="{D2792E9C-7E5E-F14F-B049-5BFE22D713B7}" type="datetime4">
               <a:rPr lang="en-CA" smtClean="0"/>
-              <a:t>January 23, 2025</a:t>
+              <a:t>January 24, 2025</a:t>
             </a:fld>
             <a:endParaRPr lang="en-US"/>
           </a:p>
@@ -5757,7 +5758,7 @@
           <a:p>
             <a:fld id="{D2792E9C-7E5E-F14F-B049-5BFE22D713B7}" type="datetime4">
               <a:rPr lang="en-CA" smtClean="0"/>
-              <a:t>January 23, 2025</a:t>
+              <a:t>January 24, 2025</a:t>
             </a:fld>
             <a:endParaRPr lang="en-US"/>
           </a:p>
@@ -7622,7 +7623,7 @@
           <a:p>
             <a:fld id="{D2792E9C-7E5E-F14F-B049-5BFE22D713B7}" type="datetime4">
               <a:rPr lang="en-CA" smtClean="0"/>
-              <a:t>January 23, 2025</a:t>
+              <a:t>January 24, 2025</a:t>
             </a:fld>
             <a:endParaRPr lang="en-US"/>
           </a:p>
@@ -9104,7 +9105,7 @@
           <a:p>
             <a:fld id="{D2792E9C-7E5E-F14F-B049-5BFE22D713B7}" type="datetime4">
               <a:rPr lang="en-CA" smtClean="0"/>
-              <a:t>January 23, 2025</a:t>
+              <a:t>January 24, 2025</a:t>
             </a:fld>
             <a:endParaRPr lang="en-US"/>
           </a:p>
@@ -17142,7 +17143,7 @@
           <a:p>
             <a:fld id="{D2792E9C-7E5E-F14F-B049-5BFE22D713B7}" type="datetime4">
               <a:rPr lang="en-CA" smtClean="0"/>
-              <a:t>January 23, 2025</a:t>
+              <a:t>January 24, 2025</a:t>
             </a:fld>
             <a:endParaRPr lang="en-US"/>
           </a:p>
@@ -17563,7 +17564,7 @@
           <a:p>
             <a:fld id="{D2792E9C-7E5E-F14F-B049-5BFE22D713B7}" type="datetime4">
               <a:rPr lang="en-CA" smtClean="0"/>
-              <a:t>January 23, 2025</a:t>
+              <a:t>January 24, 2025</a:t>
             </a:fld>
             <a:endParaRPr lang="en-US"/>
           </a:p>
@@ -17652,7 +17653,7 @@
           <a:p>
             <a:fld id="{D2792E9C-7E5E-F14F-B049-5BFE22D713B7}" type="datetime4">
               <a:rPr lang="en-CA" smtClean="0"/>
-              <a:t>January 23, 2025</a:t>
+              <a:t>January 24, 2025</a:t>
             </a:fld>
             <a:endParaRPr lang="en-US"/>
           </a:p>
@@ -19831,7 +19832,7 @@
             <a:fld id="{D2792E9C-7E5E-F14F-B049-5BFE22D713B7}" type="datetime4">
               <a:rPr lang="en-CA" smtClean="0"/>
               <a:pPr/>
-              <a:t>January 23, 2025</a:t>
+              <a:t>January 24, 2025</a:t>
             </a:fld>
             <a:endParaRPr lang="en-US"/>
           </a:p>
@@ -20309,7 +20310,7 @@
             <a:fld id="{D2792E9C-7E5E-F14F-B049-5BFE22D713B7}" type="datetime4">
               <a:rPr lang="en-CA" smtClean="0"/>
               <a:pPr/>
-              <a:t>January 23, 2025</a:t>
+              <a:t>January 24, 2025</a:t>
             </a:fld>
             <a:endParaRPr lang="en-US"/>
           </a:p>
@@ -20641,7 +20642,7 @@
             <a:fld id="{D2792E9C-7E5E-F14F-B049-5BFE22D713B7}" type="datetime4">
               <a:rPr lang="en-CA" smtClean="0"/>
               <a:pPr/>
-              <a:t>January 23, 2025</a:t>
+              <a:t>January 24, 2025</a:t>
             </a:fld>
             <a:endParaRPr lang="en-US"/>
           </a:p>
@@ -21225,7 +21226,7 @@
           <a:p>
             <a:fld id="{D2792E9C-7E5E-F14F-B049-5BFE22D713B7}" type="datetime4">
               <a:rPr lang="en-CA" smtClean="0"/>
-              <a:t>January 23, 2025</a:t>
+              <a:t>January 24, 2025</a:t>
             </a:fld>
             <a:endParaRPr lang="en-US"/>
           </a:p>
@@ -21704,7 +21705,7 @@
           <a:p>
             <a:fld id="{D2792E9C-7E5E-F14F-B049-5BFE22D713B7}" type="datetime4">
               <a:rPr lang="en-CA" smtClean="0"/>
-              <a:t>January 23, 2025</a:t>
+              <a:t>January 24, 2025</a:t>
             </a:fld>
             <a:endParaRPr lang="en-US"/>
           </a:p>
@@ -22183,7 +22184,7 @@
           <a:p>
             <a:fld id="{D2792E9C-7E5E-F14F-B049-5BFE22D713B7}" type="datetime4">
               <a:rPr lang="en-CA" smtClean="0"/>
-              <a:t>January 23, 2025</a:t>
+              <a:t>January 24, 2025</a:t>
             </a:fld>
             <a:endParaRPr lang="en-US"/>
           </a:p>
@@ -22808,7 +22809,7 @@
           <a:p>
             <a:fld id="{D2792E9C-7E5E-F14F-B049-5BFE22D713B7}" type="datetime4">
               <a:rPr lang="en-CA" smtClean="0"/>
-              <a:t>January 23, 2025</a:t>
+              <a:t>January 24, 2025</a:t>
             </a:fld>
             <a:endParaRPr lang="en-US"/>
           </a:p>
@@ -23620,7 +23621,7 @@
           <a:p>
             <a:fld id="{D2792E9C-7E5E-F14F-B049-5BFE22D713B7}" type="datetime4">
               <a:rPr lang="en-CA" smtClean="0"/>
-              <a:t>January 23, 2025</a:t>
+              <a:t>January 24, 2025</a:t>
             </a:fld>
             <a:endParaRPr lang="en-US"/>
           </a:p>
@@ -24377,7 +24378,7 @@
           <a:p>
             <a:fld id="{D2792E9C-7E5E-F14F-B049-5BFE22D713B7}" type="datetime4">
               <a:rPr lang="en-CA" smtClean="0"/>
-              <a:t>January 23, 2025</a:t>
+              <a:t>January 24, 2025</a:t>
             </a:fld>
             <a:endParaRPr lang="en-US"/>
           </a:p>
@@ -24904,7 +24905,7 @@
           <a:p>
             <a:fld id="{D2792E9C-7E5E-F14F-B049-5BFE22D713B7}" type="datetime4">
               <a:rPr lang="en-CA" smtClean="0"/>
-              <a:t>January 23, 2025</a:t>
+              <a:t>January 24, 2025</a:t>
             </a:fld>
             <a:endParaRPr lang="en-US"/>
           </a:p>
@@ -25909,7 +25910,7 @@
           <a:p>
             <a:fld id="{D2792E9C-7E5E-F14F-B049-5BFE22D713B7}" type="datetime4">
               <a:rPr lang="en-CA" smtClean="0"/>
-              <a:t>January 23, 2025</a:t>
+              <a:t>January 24, 2025</a:t>
             </a:fld>
             <a:endParaRPr lang="en-US"/>
           </a:p>
@@ -26218,7 +26219,7 @@
             <a:fld id="{D2792E9C-7E5E-F14F-B049-5BFE22D713B7}" type="datetime4">
               <a:rPr lang="en-CA" smtClean="0"/>
               <a:pPr/>
-              <a:t>January 23, 2025</a:t>
+              <a:t>January 24, 2025</a:t>
             </a:fld>
             <a:endParaRPr lang="en-US" dirty="0"/>
           </a:p>
@@ -26450,7 +26451,7 @@
             <a:fld id="{D2792E9C-7E5E-F14F-B049-5BFE22D713B7}" type="datetime4">
               <a:rPr lang="en-CA" smtClean="0"/>
               <a:pPr/>
-              <a:t>January 23, 2025</a:t>
+              <a:t>January 24, 2025</a:t>
             </a:fld>
             <a:endParaRPr lang="en-US" dirty="0"/>
           </a:p>
@@ -26784,7 +26785,7 @@
             <a:fld id="{D2792E9C-7E5E-F14F-B049-5BFE22D713B7}" type="datetime4">
               <a:rPr lang="en-CA" smtClean="0"/>
               <a:pPr/>
-              <a:t>January 23, 2025</a:t>
+              <a:t>January 24, 2025</a:t>
             </a:fld>
             <a:endParaRPr lang="en-US" dirty="0"/>
           </a:p>
@@ -27398,7 +27399,7 @@
           <a:p>
             <a:fld id="{D2792E9C-7E5E-F14F-B049-5BFE22D713B7}" type="datetime4">
               <a:rPr lang="en-CA" smtClean="0"/>
-              <a:t>January 23, 2025</a:t>
+              <a:t>January 24, 2025</a:t>
             </a:fld>
             <a:endParaRPr lang="en-US"/>
           </a:p>
@@ -27888,7 +27889,7 @@
           <a:p>
             <a:fld id="{D2792E9C-7E5E-F14F-B049-5BFE22D713B7}" type="datetime4">
               <a:rPr lang="en-CA" smtClean="0"/>
-              <a:t>January 23, 2025</a:t>
+              <a:t>January 24, 2025</a:t>
             </a:fld>
             <a:endParaRPr lang="en-US"/>
           </a:p>
@@ -28192,7 +28193,7 @@
             <a:fld id="{D2792E9C-7E5E-F14F-B049-5BFE22D713B7}" type="datetime4">
               <a:rPr lang="en-CA" smtClean="0"/>
               <a:pPr/>
-              <a:t>January 23, 2025</a:t>
+              <a:t>January 24, 2025</a:t>
             </a:fld>
             <a:endParaRPr lang="en-US"/>
           </a:p>
@@ -28496,7 +28497,7 @@
             <a:fld id="{D2792E9C-7E5E-F14F-B049-5BFE22D713B7}" type="datetime4">
               <a:rPr lang="en-CA" smtClean="0"/>
               <a:pPr/>
-              <a:t>January 23, 2025</a:t>
+              <a:t>January 24, 2025</a:t>
             </a:fld>
             <a:endParaRPr lang="en-US"/>
           </a:p>
@@ -28759,7 +28760,7 @@
             <a:fld id="{D2792E9C-7E5E-F14F-B049-5BFE22D713B7}" type="datetime4">
               <a:rPr lang="en-CA" smtClean="0"/>
               <a:pPr/>
-              <a:t>January 23, 2025</a:t>
+              <a:t>January 24, 2025</a:t>
             </a:fld>
             <a:endParaRPr lang="en-US"/>
           </a:p>
@@ -29047,7 +29048,7 @@
           <a:p>
             <a:fld id="{D2792E9C-7E5E-F14F-B049-5BFE22D713B7}" type="datetime4">
               <a:rPr lang="en-CA" smtClean="0"/>
-              <a:t>January 23, 2025</a:t>
+              <a:t>January 24, 2025</a:t>
             </a:fld>
             <a:endParaRPr lang="en-US"/>
           </a:p>
@@ -29482,7 +29483,7 @@
           <a:p>
             <a:fld id="{D2792E9C-7E5E-F14F-B049-5BFE22D713B7}" type="datetime4">
               <a:rPr lang="en-CA" smtClean="0"/>
-              <a:t>January 23, 2025</a:t>
+              <a:t>January 24, 2025</a:t>
             </a:fld>
             <a:endParaRPr lang="en-US"/>
           </a:p>
@@ -32193,7 +32194,7 @@
           <a:p>
             <a:fld id="{D2792E9C-7E5E-F14F-B049-5BFE22D713B7}" type="datetime4">
               <a:rPr lang="en-CA" smtClean="0"/>
-              <a:t>January 23, 2025</a:t>
+              <a:t>January 24, 2025</a:t>
             </a:fld>
             <a:endParaRPr lang="en-US"/>
           </a:p>
@@ -32646,7 +32647,7 @@
           <a:p>
             <a:fld id="{D2792E9C-7E5E-F14F-B049-5BFE22D713B7}" type="datetime4">
               <a:rPr lang="en-CA" smtClean="0"/>
-              <a:t>January 23, 2025</a:t>
+              <a:t>January 24, 2025</a:t>
             </a:fld>
             <a:endParaRPr lang="en-US"/>
           </a:p>
@@ -33312,7 +33313,7 @@
           <a:p>
             <a:fld id="{D2792E9C-7E5E-F14F-B049-5BFE22D713B7}" type="datetime4">
               <a:rPr lang="en-CA" smtClean="0"/>
-              <a:t>January 23, 2025</a:t>
+              <a:t>January 24, 2025</a:t>
             </a:fld>
             <a:endParaRPr lang="en-US"/>
           </a:p>
@@ -33943,7 +33944,7 @@
             <a:fld id="{D2792E9C-7E5E-F14F-B049-5BFE22D713B7}" type="datetime4">
               <a:rPr lang="en-CA" smtClean="0"/>
               <a:pPr/>
-              <a:t>January 23, 2025</a:t>
+              <a:t>January 24, 2025</a:t>
             </a:fld>
             <a:endParaRPr lang="en-US"/>
           </a:p>
@@ -34739,6 +34740,693 @@
         <p:cNvPr id="1" name="">
           <a:extLst>
             <a:ext uri="{FF2B5EF4-FFF2-40B4-BE49-F238E27FC236}">
+              <a16:creationId xmlns:a16="http://schemas.microsoft.com/office/drawing/2014/main" id="{EDFD9FD0-5CB3-293F-0D03-0BD991DC930A}"/>
+            </a:ext>
+          </a:extLst>
+        </p:cNvPr>
+        <p:cNvGrpSpPr/>
+        <p:nvPr/>
+      </p:nvGrpSpPr>
+      <p:grpSpPr>
+        <a:xfrm>
+          <a:off x="0" y="0"/>
+          <a:ext cx="0" cy="0"/>
+          <a:chOff x="0" y="0"/>
+          <a:chExt cx="0" cy="0"/>
+        </a:xfrm>
+      </p:grpSpPr>
+      <p:sp>
+        <p:nvSpPr>
+          <p:cNvPr id="2" name="Title 1">
+            <a:extLst>
+              <a:ext uri="{FF2B5EF4-FFF2-40B4-BE49-F238E27FC236}">
+                <a16:creationId xmlns:a16="http://schemas.microsoft.com/office/drawing/2014/main" id="{6C1A1D92-68AF-C9DF-9116-594715B3EB39}"/>
+              </a:ext>
+            </a:extLst>
+          </p:cNvPr>
+          <p:cNvSpPr>
+            <a:spLocks noGrp="1"/>
+          </p:cNvSpPr>
+          <p:nvPr>
+            <p:ph type="ctrTitle"/>
+          </p:nvPr>
+        </p:nvSpPr>
+        <p:spPr/>
+        <p:txBody>
+          <a:bodyPr/>
+          <a:lstStyle/>
+          <a:p>
+            <a:r>
+              <a:rPr lang="en-US" dirty="0"/>
+              <a:t>Theoretical Models – TM03 [LC02]</a:t>
+            </a:r>
+            <a:endParaRPr lang="en-CA" dirty="0"/>
+          </a:p>
+        </p:txBody>
+      </p:sp>
+      <p:sp>
+        <p:nvSpPr>
+          <p:cNvPr id="4" name="Date Placeholder 3">
+            <a:extLst>
+              <a:ext uri="{FF2B5EF4-FFF2-40B4-BE49-F238E27FC236}">
+                <a16:creationId xmlns:a16="http://schemas.microsoft.com/office/drawing/2014/main" id="{EB281BDC-C6EC-1E63-9C36-E476919B9685}"/>
+              </a:ext>
+            </a:extLst>
+          </p:cNvPr>
+          <p:cNvSpPr>
+            <a:spLocks noGrp="1"/>
+          </p:cNvSpPr>
+          <p:nvPr>
+            <p:ph type="dt" sz="half" idx="2"/>
+          </p:nvPr>
+        </p:nvSpPr>
+        <p:spPr/>
+        <p:txBody>
+          <a:bodyPr/>
+          <a:lstStyle/>
+          <a:p>
+            <a:fld id="{D2792E9C-7E5E-F14F-B049-5BFE22D713B7}" type="datetime4">
+              <a:rPr lang="en-CA" smtClean="0"/>
+              <a:pPr/>
+              <a:t>January 24, 2025</a:t>
+            </a:fld>
+            <a:endParaRPr lang="en-US" dirty="0"/>
+          </a:p>
+        </p:txBody>
+      </p:sp>
+      <p:sp>
+        <p:nvSpPr>
+          <p:cNvPr id="5" name="Slide Number Placeholder 4">
+            <a:extLst>
+              <a:ext uri="{FF2B5EF4-FFF2-40B4-BE49-F238E27FC236}">
+                <a16:creationId xmlns:a16="http://schemas.microsoft.com/office/drawing/2014/main" id="{FED2F44A-1C41-6106-DF3D-C6D5AB5B0AD2}"/>
+              </a:ext>
+            </a:extLst>
+          </p:cNvPr>
+          <p:cNvSpPr>
+            <a:spLocks noGrp="1"/>
+          </p:cNvSpPr>
+          <p:nvPr>
+            <p:ph type="sldNum" sz="quarter" idx="12"/>
+          </p:nvPr>
+        </p:nvSpPr>
+        <p:spPr/>
+        <p:txBody>
+          <a:bodyPr/>
+          <a:lstStyle/>
+          <a:p>
+            <a:fld id="{991AB9B0-3E43-D847-B073-60FE8FAFFDB7}" type="slidenum">
+              <a:rPr lang="en-US" smtClean="0"/>
+              <a:pPr/>
+              <a:t>10</a:t>
+            </a:fld>
+            <a:endParaRPr lang="en-US"/>
+          </a:p>
+        </p:txBody>
+      </p:sp>
+      <p:sp>
+        <p:nvSpPr>
+          <p:cNvPr id="8" name="Text Placeholder 5">
+            <a:extLst>
+              <a:ext uri="{FF2B5EF4-FFF2-40B4-BE49-F238E27FC236}">
+                <a16:creationId xmlns:a16="http://schemas.microsoft.com/office/drawing/2014/main" id="{98850B58-1A3E-A09F-1D47-B880981BD497}"/>
+              </a:ext>
+            </a:extLst>
+          </p:cNvPr>
+          <p:cNvSpPr>
+            <a:spLocks noGrp="1"/>
+          </p:cNvSpPr>
+          <p:nvPr>
+            <p:ph type="body" sz="quarter" idx="13"/>
+          </p:nvPr>
+        </p:nvSpPr>
+        <p:spPr>
+          <a:xfrm>
+            <a:off x="742950" y="1562100"/>
+            <a:ext cx="7620000" cy="7829550"/>
+          </a:xfrm>
+        </p:spPr>
+        <p:txBody>
+          <a:bodyPr/>
+          <a:lstStyle/>
+          <a:p>
+            <a:pPr marL="0" indent="0">
+              <a:buNone/>
+            </a:pPr>
+            <a:r>
+              <a:rPr lang="en-US" i="1" dirty="0"/>
+              <a:t>Some variants for feature detection used Hessian-based interest points</a:t>
+            </a:r>
+          </a:p>
+          <a:p>
+            <a:pPr marL="0" indent="0">
+              <a:buNone/>
+            </a:pPr>
+            <a:endParaRPr lang="en-US" dirty="0"/>
+          </a:p>
+          <a:p>
+            <a:pPr marL="0" indent="0">
+              <a:buNone/>
+            </a:pPr>
+            <a:r>
+              <a:rPr lang="en-US" dirty="0"/>
+              <a:t>For a given pixel X = (</a:t>
+            </a:r>
+            <a:r>
+              <a:rPr lang="en-US" dirty="0" err="1"/>
+              <a:t>x,y</a:t>
+            </a:r>
+            <a:r>
+              <a:rPr lang="en-US" dirty="0"/>
+              <a:t>)</a:t>
+            </a:r>
+          </a:p>
+          <a:p>
+            <a:pPr marL="0" indent="0">
+              <a:buNone/>
+            </a:pPr>
+            <a:endParaRPr lang="en-US" sz="2800" dirty="0"/>
+          </a:p>
+          <a:p>
+            <a:endParaRPr lang="en-US" sz="2800" dirty="0"/>
+          </a:p>
+          <a:p>
+            <a:endParaRPr lang="en-US" sz="2800" dirty="0"/>
+          </a:p>
+          <a:p>
+            <a:endParaRPr lang="en-US" sz="2800" dirty="0"/>
+          </a:p>
+          <a:p>
+            <a:r>
+              <a:rPr lang="en-US" sz="2800" dirty="0"/>
+              <a:t>Adaptation to a defined scale, </a:t>
+            </a:r>
+            <a:r>
+              <a:rPr lang="el-GR" sz="2800" dirty="0"/>
+              <a:t>σ</a:t>
+            </a:r>
+            <a:r>
+              <a:rPr lang="en-US" sz="2800" dirty="0"/>
+              <a:t> with a Gaussian Kernel * </a:t>
+            </a:r>
+          </a:p>
+          <a:p>
+            <a:endParaRPr lang="en-US" sz="2800" dirty="0"/>
+          </a:p>
+        </p:txBody>
+      </p:sp>
+      <p:sp>
+        <p:nvSpPr>
+          <p:cNvPr id="21" name="TextBox 20">
+            <a:extLst>
+              <a:ext uri="{FF2B5EF4-FFF2-40B4-BE49-F238E27FC236}">
+                <a16:creationId xmlns:a16="http://schemas.microsoft.com/office/drawing/2014/main" id="{422ED041-FE41-C84E-ED53-94192476A2E2}"/>
+              </a:ext>
+            </a:extLst>
+          </p:cNvPr>
+          <p:cNvSpPr txBox="1"/>
+          <p:nvPr/>
+        </p:nvSpPr>
+        <p:spPr>
+          <a:xfrm>
+            <a:off x="6743948" y="4237672"/>
+            <a:ext cx="6114886" cy="1477328"/>
+          </a:xfrm>
+          <a:prstGeom prst="rect">
+            <a:avLst/>
+          </a:prstGeom>
+          <a:noFill/>
+        </p:spPr>
+        <p:txBody>
+          <a:bodyPr wrap="square">
+            <a:spAutoFit/>
+          </a:bodyPr>
+          <a:lstStyle/>
+          <a:p>
+            <a:r>
+              <a:rPr lang="en-US" dirty="0">
+                <a:solidFill>
+                  <a:schemeClr val="bg1"/>
+                </a:solidFill>
+              </a:rPr>
+              <a:t>D. Tyagi, “Introduction to SURF (Speeded-Up Robust Features),” Medium, Apr. 07, 2020. https://medium.com/@deepanshut041/introduction-to-surf-speeded-up-robust-features-c7396d6e7c4e</a:t>
+            </a:r>
+          </a:p>
+          <a:p>
+            <a:r>
+              <a:rPr lang="en-US" dirty="0">
+                <a:solidFill>
+                  <a:schemeClr val="bg1"/>
+                </a:solidFill>
+              </a:rPr>
+              <a:t>‌‌</a:t>
+            </a:r>
+            <a:endParaRPr lang="en-CA" dirty="0">
+              <a:solidFill>
+                <a:schemeClr val="bg1"/>
+              </a:solidFill>
+            </a:endParaRPr>
+          </a:p>
+        </p:txBody>
+      </p:sp>
+      <p:pic>
+        <p:nvPicPr>
+          <p:cNvPr id="6" name="Picture 5">
+            <a:extLst>
+              <a:ext uri="{FF2B5EF4-FFF2-40B4-BE49-F238E27FC236}">
+                <a16:creationId xmlns:a16="http://schemas.microsoft.com/office/drawing/2014/main" id="{F924093D-CC8D-3D94-F1FA-4357DE639C22}"/>
+              </a:ext>
+            </a:extLst>
+          </p:cNvPr>
+          <p:cNvPicPr>
+            <a:picLocks noChangeAspect="1"/>
+          </p:cNvPicPr>
+          <p:nvPr/>
+        </p:nvPicPr>
+        <p:blipFill>
+          <a:blip r:embed="rId2"/>
+          <a:stretch>
+            <a:fillRect/>
+          </a:stretch>
+        </p:blipFill>
+        <p:spPr>
+          <a:xfrm>
+            <a:off x="925677" y="4095602"/>
+            <a:ext cx="5297097" cy="1619398"/>
+          </a:xfrm>
+          <a:prstGeom prst="rect">
+            <a:avLst/>
+          </a:prstGeom>
+        </p:spPr>
+      </p:pic>
+      <p:pic>
+        <p:nvPicPr>
+          <p:cNvPr id="10" name="Picture 9">
+            <a:extLst>
+              <a:ext uri="{FF2B5EF4-FFF2-40B4-BE49-F238E27FC236}">
+                <a16:creationId xmlns:a16="http://schemas.microsoft.com/office/drawing/2014/main" id="{FDAD2961-9FB9-3281-CC32-BF390AC97358}"/>
+              </a:ext>
+            </a:extLst>
+          </p:cNvPr>
+          <p:cNvPicPr>
+            <a:picLocks noChangeAspect="1"/>
+          </p:cNvPicPr>
+          <p:nvPr/>
+        </p:nvPicPr>
+        <p:blipFill>
+          <a:blip r:embed="rId3"/>
+          <a:stretch>
+            <a:fillRect/>
+          </a:stretch>
+        </p:blipFill>
+        <p:spPr>
+          <a:xfrm>
+            <a:off x="925677" y="7559340"/>
+            <a:ext cx="5443039" cy="1832310"/>
+          </a:xfrm>
+          <a:prstGeom prst="rect">
+            <a:avLst/>
+          </a:prstGeom>
+        </p:spPr>
+      </p:pic>
+    </p:spTree>
+    <p:extLst>
+      <p:ext uri="{BB962C8B-B14F-4D97-AF65-F5344CB8AC3E}">
+        <p14:creationId xmlns:p14="http://schemas.microsoft.com/office/powerpoint/2010/main" val="3275850847"/>
+      </p:ext>
+    </p:extLst>
+  </p:cSld>
+  <p:clrMapOvr>
+    <a:masterClrMapping/>
+  </p:clrMapOvr>
+  <p:timing>
+    <p:tnLst>
+      <p:par>
+        <p:cTn id="1" dur="indefinite" restart="never" nodeType="tmRoot">
+          <p:childTnLst>
+            <p:seq concurrent="1" nextAc="seek">
+              <p:cTn id="2" dur="indefinite" nodeType="mainSeq">
+                <p:childTnLst>
+                  <p:par>
+                    <p:cTn id="3" fill="hold">
+                      <p:stCondLst>
+                        <p:cond delay="indefinite"/>
+                      </p:stCondLst>
+                      <p:childTnLst>
+                        <p:par>
+                          <p:cTn id="4" fill="hold">
+                            <p:stCondLst>
+                              <p:cond delay="0"/>
+                            </p:stCondLst>
+                            <p:childTnLst>
+                              <p:par>
+                                <p:cTn id="5" presetID="10" presetClass="entr" presetSubtype="0" fill="hold" nodeType="clickEffect">
+                                  <p:stCondLst>
+                                    <p:cond delay="0"/>
+                                  </p:stCondLst>
+                                  <p:childTnLst>
+                                    <p:set>
+                                      <p:cBhvr>
+                                        <p:cTn id="6" dur="1" fill="hold">
+                                          <p:stCondLst>
+                                            <p:cond delay="0"/>
+                                          </p:stCondLst>
+                                        </p:cTn>
+                                        <p:tgtEl>
+                                          <p:spTgt spid="8">
+                                            <p:txEl>
+                                              <p:pRg st="0" end="0"/>
+                                            </p:txEl>
+                                          </p:spTgt>
+                                        </p:tgtEl>
+                                        <p:attrNameLst>
+                                          <p:attrName>style.visibility</p:attrName>
+                                        </p:attrNameLst>
+                                      </p:cBhvr>
+                                      <p:to>
+                                        <p:strVal val="visible"/>
+                                      </p:to>
+                                    </p:set>
+                                    <p:animEffect transition="in" filter="fade">
+                                      <p:cBhvr>
+                                        <p:cTn id="7" dur="500"/>
+                                        <p:tgtEl>
+                                          <p:spTgt spid="8">
+                                            <p:txEl>
+                                              <p:pRg st="0" end="0"/>
+                                            </p:txEl>
+                                          </p:spTgt>
+                                        </p:tgtEl>
+                                      </p:cBhvr>
+                                    </p:animEffect>
+                                  </p:childTnLst>
+                                </p:cTn>
+                              </p:par>
+                            </p:childTnLst>
+                          </p:cTn>
+                        </p:par>
+                      </p:childTnLst>
+                    </p:cTn>
+                  </p:par>
+                  <p:par>
+                    <p:cTn id="8" fill="hold">
+                      <p:stCondLst>
+                        <p:cond delay="indefinite"/>
+                      </p:stCondLst>
+                      <p:childTnLst>
+                        <p:par>
+                          <p:cTn id="9" fill="hold">
+                            <p:stCondLst>
+                              <p:cond delay="0"/>
+                            </p:stCondLst>
+                            <p:childTnLst>
+                              <p:par>
+                                <p:cTn id="10" presetID="10" presetClass="entr" presetSubtype="0" fill="hold" nodeType="clickEffect">
+                                  <p:stCondLst>
+                                    <p:cond delay="0"/>
+                                  </p:stCondLst>
+                                  <p:childTnLst>
+                                    <p:set>
+                                      <p:cBhvr>
+                                        <p:cTn id="11" dur="1" fill="hold">
+                                          <p:stCondLst>
+                                            <p:cond delay="0"/>
+                                          </p:stCondLst>
+                                        </p:cTn>
+                                        <p:tgtEl>
+                                          <p:spTgt spid="8">
+                                            <p:txEl>
+                                              <p:pRg st="2" end="2"/>
+                                            </p:txEl>
+                                          </p:spTgt>
+                                        </p:tgtEl>
+                                        <p:attrNameLst>
+                                          <p:attrName>style.visibility</p:attrName>
+                                        </p:attrNameLst>
+                                      </p:cBhvr>
+                                      <p:to>
+                                        <p:strVal val="visible"/>
+                                      </p:to>
+                                    </p:set>
+                                    <p:animEffect transition="in" filter="fade">
+                                      <p:cBhvr>
+                                        <p:cTn id="12" dur="500"/>
+                                        <p:tgtEl>
+                                          <p:spTgt spid="8">
+                                            <p:txEl>
+                                              <p:pRg st="2" end="2"/>
+                                            </p:txEl>
+                                          </p:spTgt>
+                                        </p:tgtEl>
+                                      </p:cBhvr>
+                                    </p:animEffect>
+                                  </p:childTnLst>
+                                </p:cTn>
+                              </p:par>
+                            </p:childTnLst>
+                          </p:cTn>
+                        </p:par>
+                      </p:childTnLst>
+                    </p:cTn>
+                  </p:par>
+                  <p:par>
+                    <p:cTn id="13" fill="hold">
+                      <p:stCondLst>
+                        <p:cond delay="indefinite"/>
+                      </p:stCondLst>
+                      <p:childTnLst>
+                        <p:par>
+                          <p:cTn id="14" fill="hold">
+                            <p:stCondLst>
+                              <p:cond delay="0"/>
+                            </p:stCondLst>
+                            <p:childTnLst>
+                              <p:par>
+                                <p:cTn id="15" presetID="10" presetClass="entr" presetSubtype="0" fill="hold" grpId="0" nodeType="clickEffect">
+                                  <p:stCondLst>
+                                    <p:cond delay="0"/>
+                                  </p:stCondLst>
+                                  <p:childTnLst>
+                                    <p:set>
+                                      <p:cBhvr>
+                                        <p:cTn id="16" dur="1" fill="hold">
+                                          <p:stCondLst>
+                                            <p:cond delay="0"/>
+                                          </p:stCondLst>
+                                        </p:cTn>
+                                        <p:tgtEl>
+                                          <p:spTgt spid="21"/>
+                                        </p:tgtEl>
+                                        <p:attrNameLst>
+                                          <p:attrName>style.visibility</p:attrName>
+                                        </p:attrNameLst>
+                                      </p:cBhvr>
+                                      <p:to>
+                                        <p:strVal val="visible"/>
+                                      </p:to>
+                                    </p:set>
+                                    <p:animEffect transition="in" filter="fade">
+                                      <p:cBhvr>
+                                        <p:cTn id="17" dur="500"/>
+                                        <p:tgtEl>
+                                          <p:spTgt spid="21"/>
+                                        </p:tgtEl>
+                                      </p:cBhvr>
+                                    </p:animEffect>
+                                  </p:childTnLst>
+                                </p:cTn>
+                              </p:par>
+                              <p:par>
+                                <p:cTn id="18" presetID="10" presetClass="entr" presetSubtype="0" fill="hold" nodeType="withEffect">
+                                  <p:stCondLst>
+                                    <p:cond delay="0"/>
+                                  </p:stCondLst>
+                                  <p:childTnLst>
+                                    <p:set>
+                                      <p:cBhvr>
+                                        <p:cTn id="19" dur="1" fill="hold">
+                                          <p:stCondLst>
+                                            <p:cond delay="0"/>
+                                          </p:stCondLst>
+                                        </p:cTn>
+                                        <p:tgtEl>
+                                          <p:spTgt spid="6"/>
+                                        </p:tgtEl>
+                                        <p:attrNameLst>
+                                          <p:attrName>style.visibility</p:attrName>
+                                        </p:attrNameLst>
+                                      </p:cBhvr>
+                                      <p:to>
+                                        <p:strVal val="visible"/>
+                                      </p:to>
+                                    </p:set>
+                                    <p:animEffect transition="in" filter="fade">
+                                      <p:cBhvr>
+                                        <p:cTn id="20" dur="500"/>
+                                        <p:tgtEl>
+                                          <p:spTgt spid="6"/>
+                                        </p:tgtEl>
+                                      </p:cBhvr>
+                                    </p:animEffect>
+                                  </p:childTnLst>
+                                </p:cTn>
+                              </p:par>
+                            </p:childTnLst>
+                          </p:cTn>
+                        </p:par>
+                      </p:childTnLst>
+                    </p:cTn>
+                  </p:par>
+                  <p:par>
+                    <p:cTn id="21" fill="hold">
+                      <p:stCondLst>
+                        <p:cond delay="indefinite"/>
+                      </p:stCondLst>
+                      <p:childTnLst>
+                        <p:par>
+                          <p:cTn id="22" fill="hold">
+                            <p:stCondLst>
+                              <p:cond delay="0"/>
+                            </p:stCondLst>
+                            <p:childTnLst>
+                              <p:par>
+                                <p:cTn id="23" presetID="10" presetClass="entr" presetSubtype="0" fill="hold" nodeType="clickEffect">
+                                  <p:stCondLst>
+                                    <p:cond delay="0"/>
+                                  </p:stCondLst>
+                                  <p:childTnLst>
+                                    <p:set>
+                                      <p:cBhvr>
+                                        <p:cTn id="24" dur="1" fill="hold">
+                                          <p:stCondLst>
+                                            <p:cond delay="0"/>
+                                          </p:stCondLst>
+                                        </p:cTn>
+                                        <p:tgtEl>
+                                          <p:spTgt spid="8">
+                                            <p:txEl>
+                                              <p:pRg st="7" end="7"/>
+                                            </p:txEl>
+                                          </p:spTgt>
+                                        </p:tgtEl>
+                                        <p:attrNameLst>
+                                          <p:attrName>style.visibility</p:attrName>
+                                        </p:attrNameLst>
+                                      </p:cBhvr>
+                                      <p:to>
+                                        <p:strVal val="visible"/>
+                                      </p:to>
+                                    </p:set>
+                                    <p:animEffect transition="in" filter="fade">
+                                      <p:cBhvr>
+                                        <p:cTn id="25" dur="500"/>
+                                        <p:tgtEl>
+                                          <p:spTgt spid="8">
+                                            <p:txEl>
+                                              <p:pRg st="7" end="7"/>
+                                            </p:txEl>
+                                          </p:spTgt>
+                                        </p:tgtEl>
+                                      </p:cBhvr>
+                                    </p:animEffect>
+                                  </p:childTnLst>
+                                </p:cTn>
+                              </p:par>
+                            </p:childTnLst>
+                          </p:cTn>
+                        </p:par>
+                      </p:childTnLst>
+                    </p:cTn>
+                  </p:par>
+                  <p:par>
+                    <p:cTn id="26" fill="hold">
+                      <p:stCondLst>
+                        <p:cond delay="indefinite"/>
+                      </p:stCondLst>
+                      <p:childTnLst>
+                        <p:par>
+                          <p:cTn id="27" fill="hold">
+                            <p:stCondLst>
+                              <p:cond delay="0"/>
+                            </p:stCondLst>
+                            <p:childTnLst>
+                              <p:par>
+                                <p:cTn id="28" presetID="10" presetClass="entr" presetSubtype="0" fill="hold" nodeType="clickEffect">
+                                  <p:stCondLst>
+                                    <p:cond delay="0"/>
+                                  </p:stCondLst>
+                                  <p:childTnLst>
+                                    <p:set>
+                                      <p:cBhvr>
+                                        <p:cTn id="29" dur="1" fill="hold">
+                                          <p:stCondLst>
+                                            <p:cond delay="0"/>
+                                          </p:stCondLst>
+                                        </p:cTn>
+                                        <p:tgtEl>
+                                          <p:spTgt spid="10"/>
+                                        </p:tgtEl>
+                                        <p:attrNameLst>
+                                          <p:attrName>style.visibility</p:attrName>
+                                        </p:attrNameLst>
+                                      </p:cBhvr>
+                                      <p:to>
+                                        <p:strVal val="visible"/>
+                                      </p:to>
+                                    </p:set>
+                                    <p:animEffect transition="in" filter="fade">
+                                      <p:cBhvr>
+                                        <p:cTn id="30" dur="500"/>
+                                        <p:tgtEl>
+                                          <p:spTgt spid="10"/>
+                                        </p:tgtEl>
+                                      </p:cBhvr>
+                                    </p:animEffect>
+                                  </p:childTnLst>
+                                </p:cTn>
+                              </p:par>
+                            </p:childTnLst>
+                          </p:cTn>
+                        </p:par>
+                      </p:childTnLst>
+                    </p:cTn>
+                  </p:par>
+                </p:childTnLst>
+              </p:cTn>
+              <p:prevCondLst>
+                <p:cond evt="onPrev" delay="0">
+                  <p:tgtEl>
+                    <p:sldTgt/>
+                  </p:tgtEl>
+                </p:cond>
+              </p:prevCondLst>
+              <p:nextCondLst>
+                <p:cond evt="onNext" delay="0">
+                  <p:tgtEl>
+                    <p:sldTgt/>
+                  </p:tgtEl>
+                </p:cond>
+              </p:nextCondLst>
+            </p:seq>
+          </p:childTnLst>
+        </p:cTn>
+      </p:par>
+    </p:tnLst>
+    <p:bldLst>
+      <p:bldP spid="21" grpId="0"/>
+    </p:bldLst>
+  </p:timing>
+</p:sld>
+</file>
+
+<file path=ppt/slides/slide11.xml><?xml version="1.0" encoding="utf-8"?>
+<p:sld xmlns:a="http://schemas.openxmlformats.org/drawingml/2006/main" xmlns:r="http://schemas.openxmlformats.org/officeDocument/2006/relationships" xmlns:p="http://schemas.openxmlformats.org/presentationml/2006/main">
+  <p:cSld>
+    <p:spTree>
+      <p:nvGrpSpPr>
+        <p:cNvPr id="1" name="">
+          <a:extLst>
+            <a:ext uri="{FF2B5EF4-FFF2-40B4-BE49-F238E27FC236}">
               <a16:creationId xmlns:a16="http://schemas.microsoft.com/office/drawing/2014/main" id="{82072BDE-08B7-6DDF-30B7-4FE75D49636F}"/>
             </a:ext>
           </a:extLst>
@@ -34807,7 +35495,7 @@
             <a:fld id="{D2792E9C-7E5E-F14F-B049-5BFE22D713B7}" type="datetime4">
               <a:rPr lang="en-CA" smtClean="0"/>
               <a:pPr/>
-              <a:t>January 23, 2025</a:t>
+              <a:t>January 24, 2025</a:t>
             </a:fld>
             <a:endParaRPr lang="en-US" dirty="0"/>
           </a:p>
@@ -34837,7 +35525,7 @@
             <a:fld id="{991AB9B0-3E43-D847-B073-60FE8FAFFDB7}" type="slidenum">
               <a:rPr lang="en-US" smtClean="0"/>
               <a:pPr/>
-              <a:t>10</a:t>
+              <a:t>11</a:t>
             </a:fld>
             <a:endParaRPr lang="en-US"/>
           </a:p>
@@ -34869,12 +35557,62 @@
             </a:pPr>
             <a:r>
               <a:rPr lang="en-US" b="1" dirty="0"/>
+              <a:t>Feature </a:t>
+            </a:r>
+            <a:r>
+              <a:rPr lang="en-US" dirty="0"/>
+              <a:t>– a flag that classifies a collection of points in image </a:t>
+            </a:r>
+            <a:r>
+              <a:rPr lang="en-US" b="1" i="1" dirty="0"/>
+              <a:t>I</a:t>
+            </a:r>
+            <a:r>
+              <a:rPr lang="en-US" dirty="0"/>
+              <a:t> to be contain similar properties as outlined in the Feature Detection Algorithm </a:t>
+            </a:r>
+            <a:r>
+              <a:rPr lang="en-US" b="1" dirty="0">
+                <a:solidFill>
+                  <a:schemeClr val="accent2"/>
+                </a:solidFill>
+              </a:rPr>
+              <a:t>(mathematical definition needs to be refined*)</a:t>
+            </a:r>
+            <a:endParaRPr lang="en-US" dirty="0"/>
+          </a:p>
+          <a:p>
+            <a:pPr marL="0" indent="0">
+              <a:buNone/>
+            </a:pPr>
+            <a:endParaRPr lang="en-US" b="1" dirty="0"/>
+          </a:p>
+          <a:p>
+            <a:pPr marL="0" indent="0">
+              <a:buNone/>
+            </a:pPr>
+            <a:r>
+              <a:rPr lang="en-US" b="1" dirty="0"/>
               <a:t>Correspondence</a:t>
             </a:r>
             <a:r>
               <a:rPr lang="en-US" dirty="0"/>
               <a:t> – a flag between two identified features from separate images which exceeds the comparison threshold as defined in the Feature Comparison Algorithm </a:t>
             </a:r>
+            <a:r>
+              <a:rPr lang="en-US" b="1" dirty="0">
+                <a:solidFill>
+                  <a:schemeClr val="accent2"/>
+                </a:solidFill>
+              </a:rPr>
+              <a:t>(mathematical definition needs to be refined*)</a:t>
+            </a:r>
+            <a:endParaRPr lang="en-US" dirty="0"/>
+          </a:p>
+          <a:p>
+            <a:pPr marL="0" indent="0">
+              <a:buNone/>
+            </a:pPr>
             <a:endParaRPr lang="en-CA" dirty="0"/>
           </a:p>
         </p:txBody>
@@ -34889,10 +35627,162 @@
   <p:clrMapOvr>
     <a:masterClrMapping/>
   </p:clrMapOvr>
+  <p:timing>
+    <p:tnLst>
+      <p:par>
+        <p:cTn id="1" dur="indefinite" restart="never" nodeType="tmRoot">
+          <p:childTnLst>
+            <p:seq concurrent="1" nextAc="seek">
+              <p:cTn id="2" dur="indefinite" nodeType="mainSeq">
+                <p:childTnLst>
+                  <p:par>
+                    <p:cTn id="3" fill="hold">
+                      <p:stCondLst>
+                        <p:cond delay="indefinite"/>
+                      </p:stCondLst>
+                      <p:childTnLst>
+                        <p:par>
+                          <p:cTn id="4" fill="hold">
+                            <p:stCondLst>
+                              <p:cond delay="0"/>
+                            </p:stCondLst>
+                            <p:childTnLst>
+                              <p:par>
+                                <p:cTn id="5" presetID="10" presetClass="entr" presetSubtype="0" fill="hold" nodeType="clickEffect">
+                                  <p:stCondLst>
+                                    <p:cond delay="0"/>
+                                  </p:stCondLst>
+                                  <p:childTnLst>
+                                    <p:set>
+                                      <p:cBhvr>
+                                        <p:cTn id="6" dur="1" fill="hold">
+                                          <p:stCondLst>
+                                            <p:cond delay="0"/>
+                                          </p:stCondLst>
+                                        </p:cTn>
+                                        <p:tgtEl>
+                                          <p:spTgt spid="6">
+                                            <p:txEl>
+                                              <p:pRg st="0" end="0"/>
+                                            </p:txEl>
+                                          </p:spTgt>
+                                        </p:tgtEl>
+                                        <p:attrNameLst>
+                                          <p:attrName>style.visibility</p:attrName>
+                                        </p:attrNameLst>
+                                      </p:cBhvr>
+                                      <p:to>
+                                        <p:strVal val="visible"/>
+                                      </p:to>
+                                    </p:set>
+                                    <p:animEffect transition="in" filter="fade">
+                                      <p:cBhvr>
+                                        <p:cTn id="7" dur="500"/>
+                                        <p:tgtEl>
+                                          <p:spTgt spid="6">
+                                            <p:txEl>
+                                              <p:pRg st="0" end="0"/>
+                                            </p:txEl>
+                                          </p:spTgt>
+                                        </p:tgtEl>
+                                      </p:cBhvr>
+                                    </p:animEffect>
+                                  </p:childTnLst>
+                                </p:cTn>
+                              </p:par>
+                            </p:childTnLst>
+                          </p:cTn>
+                        </p:par>
+                      </p:childTnLst>
+                    </p:cTn>
+                  </p:par>
+                  <p:par>
+                    <p:cTn id="8" fill="hold">
+                      <p:stCondLst>
+                        <p:cond delay="indefinite"/>
+                      </p:stCondLst>
+                      <p:childTnLst>
+                        <p:par>
+                          <p:cTn id="9" fill="hold">
+                            <p:stCondLst>
+                              <p:cond delay="0"/>
+                            </p:stCondLst>
+                            <p:childTnLst>
+                              <p:par>
+                                <p:cTn id="10" presetID="10" presetClass="entr" presetSubtype="0" fill="hold" nodeType="clickEffect">
+                                  <p:stCondLst>
+                                    <p:cond delay="0"/>
+                                  </p:stCondLst>
+                                  <p:childTnLst>
+                                    <p:set>
+                                      <p:cBhvr>
+                                        <p:cTn id="11" dur="1" fill="hold">
+                                          <p:stCondLst>
+                                            <p:cond delay="0"/>
+                                          </p:stCondLst>
+                                        </p:cTn>
+                                        <p:tgtEl>
+                                          <p:spTgt spid="6">
+                                            <p:txEl>
+                                              <p:pRg st="2" end="2"/>
+                                            </p:txEl>
+                                          </p:spTgt>
+                                        </p:tgtEl>
+                                        <p:attrNameLst>
+                                          <p:attrName>style.visibility</p:attrName>
+                                        </p:attrNameLst>
+                                      </p:cBhvr>
+                                      <p:to>
+                                        <p:strVal val="visible"/>
+                                      </p:to>
+                                    </p:set>
+                                    <p:animEffect transition="in" filter="fade">
+                                      <p:cBhvr>
+                                        <p:cTn id="12" dur="500"/>
+                                        <p:tgtEl>
+                                          <p:spTgt spid="6">
+                                            <p:txEl>
+                                              <p:pRg st="2" end="2"/>
+                                            </p:txEl>
+                                          </p:spTgt>
+                                        </p:tgtEl>
+                                      </p:cBhvr>
+                                    </p:animEffect>
+                                  </p:childTnLst>
+                                </p:cTn>
+                              </p:par>
+                            </p:childTnLst>
+                          </p:cTn>
+                        </p:par>
+                      </p:childTnLst>
+                    </p:cTn>
+                  </p:par>
+                </p:childTnLst>
+              </p:cTn>
+              <p:prevCondLst>
+                <p:cond evt="onPrev" delay="0">
+                  <p:tgtEl>
+                    <p:sldTgt/>
+                  </p:tgtEl>
+                </p:cond>
+              </p:prevCondLst>
+              <p:nextCondLst>
+                <p:cond evt="onNext" delay="0">
+                  <p:tgtEl>
+                    <p:sldTgt/>
+                  </p:tgtEl>
+                </p:cond>
+              </p:nextCondLst>
+            </p:seq>
+          </p:childTnLst>
+        </p:cTn>
+      </p:par>
+    </p:tnLst>
+  </p:timing>
 </p:sld>
 </file>
 
-<file path=ppt/slides/slide11.xml><?xml version="1.0" encoding="utf-8"?>
+<file path=ppt/slides/slide12.xml><?xml version="1.0" encoding="utf-8"?>
 <p:sld xmlns:a="http://schemas.openxmlformats.org/drawingml/2006/main" xmlns:r="http://schemas.openxmlformats.org/officeDocument/2006/relationships" xmlns:p="http://schemas.openxmlformats.org/presentationml/2006/main">
   <p:cSld>
     <p:spTree>
@@ -34968,7 +35858,7 @@
             <a:fld id="{D2792E9C-7E5E-F14F-B049-5BFE22D713B7}" type="datetime4">
               <a:rPr lang="en-CA" smtClean="0"/>
               <a:pPr/>
-              <a:t>January 23, 2025</a:t>
+              <a:t>January 24, 2025</a:t>
             </a:fld>
             <a:endParaRPr lang="en-US" dirty="0"/>
           </a:p>
@@ -34998,7 +35888,7 @@
             <a:fld id="{991AB9B0-3E43-D847-B073-60FE8FAFFDB7}" type="slidenum">
               <a:rPr lang="en-US" smtClean="0"/>
               <a:pPr/>
-              <a:t>11</a:t>
+              <a:t>12</a:t>
             </a:fld>
             <a:endParaRPr lang="en-US"/>
           </a:p>
@@ -35025,6 +35915,17 @@
           <a:bodyPr/>
           <a:lstStyle/>
           <a:p>
+            <a:r>
+              <a:rPr lang="en-US" dirty="0"/>
+              <a:t>In Progress</a:t>
+            </a:r>
+          </a:p>
+          <a:p>
+            <a:pPr lvl="1"/>
+            <a:r>
+              <a:rPr lang="en-US" dirty="0"/>
+              <a:t>Dependent on the  conclusions for the TM, GD, DD</a:t>
+            </a:r>
             <a:endParaRPr lang="en-CA" dirty="0"/>
           </a:p>
         </p:txBody>
@@ -35042,7 +35943,7 @@
 </p:sld>
 </file>
 
-<file path=ppt/slides/slide12.xml><?xml version="1.0" encoding="utf-8"?>
+<file path=ppt/slides/slide13.xml><?xml version="1.0" encoding="utf-8"?>
 <p:sld xmlns:a="http://schemas.openxmlformats.org/drawingml/2006/main" xmlns:r="http://schemas.openxmlformats.org/officeDocument/2006/relationships" xmlns:p="http://schemas.openxmlformats.org/presentationml/2006/main">
   <p:cSld>
     <p:spTree>
@@ -35142,7 +36043,7 @@
             <a:fld id="{991AB9B0-3E43-D847-B073-60FE8FAFFDB7}" type="slidenum">
               <a:rPr lang="en-US" smtClean="0"/>
               <a:pPr/>
-              <a:t>12</a:t>
+              <a:t>13</a:t>
             </a:fld>
             <a:endParaRPr lang="en-US"/>
           </a:p>
@@ -35170,8 +36071,31 @@
           <a:lstStyle/>
           <a:p>
             <a:r>
+              <a:rPr lang="en-US" b="1" dirty="0"/>
+              <a:t>LC01</a:t>
+            </a:r>
+            <a:r>
               <a:rPr lang="en-US" dirty="0"/>
-              <a:t>TM03 may be deleted as it over specifies the methodology of what algorithm should be used</a:t>
+              <a:t> – A02, A03, and A06 may be deleted as they are currently not linked to any other definition/model.</a:t>
+            </a:r>
+            <a:endParaRPr lang="en-US" b="1" dirty="0"/>
+          </a:p>
+          <a:p>
+            <a:r>
+              <a:rPr lang="en-US" b="1" dirty="0"/>
+              <a:t>LC02</a:t>
+            </a:r>
+            <a:r>
+              <a:rPr lang="en-US" dirty="0"/>
+              <a:t> - </a:t>
+            </a:r>
+            <a:r>
+              <a:rPr lang="en-US" i="1" dirty="0"/>
+              <a:t>TM03 </a:t>
+            </a:r>
+            <a:r>
+              <a:rPr lang="en-US" dirty="0"/>
+              <a:t>may be deleted as it over specifies the methodology of what algorithm should be used</a:t>
             </a:r>
             <a:endParaRPr lang="en-CA" dirty="0"/>
           </a:p>
@@ -35190,7 +36114,7 @@
 </p:sld>
 </file>
 
-<file path=ppt/slides/slide13.xml><?xml version="1.0" encoding="utf-8"?>
+<file path=ppt/slides/slide14.xml><?xml version="1.0" encoding="utf-8"?>
 <p:sld xmlns:a="http://schemas.openxmlformats.org/drawingml/2006/main" xmlns:r="http://schemas.openxmlformats.org/officeDocument/2006/relationships" xmlns:p="http://schemas.openxmlformats.org/presentationml/2006/main">
   <p:cSld>
     <p:spTree>
@@ -35266,7 +36190,7 @@
             <a:fld id="{D2792E9C-7E5E-F14F-B049-5BFE22D713B7}" type="datetime4">
               <a:rPr lang="en-CA" smtClean="0"/>
               <a:pPr/>
-              <a:t>January 23, 2025</a:t>
+              <a:t>January 24, 2025</a:t>
             </a:fld>
             <a:endParaRPr lang="en-US" dirty="0"/>
           </a:p>
@@ -35296,7 +36220,7 @@
             <a:fld id="{991AB9B0-3E43-D847-B073-60FE8FAFFDB7}" type="slidenum">
               <a:rPr lang="en-US" smtClean="0"/>
               <a:pPr/>
-              <a:t>13</a:t>
+              <a:t>14</a:t>
             </a:fld>
             <a:endParaRPr lang="en-US"/>
           </a:p>
@@ -35420,7 +36344,7 @@
             <a:fld id="{D2792E9C-7E5E-F14F-B049-5BFE22D713B7}" type="datetime4">
               <a:rPr lang="en-CA" smtClean="0"/>
               <a:pPr/>
-              <a:t>January 23, 2025</a:t>
+              <a:t>January 24, 2025</a:t>
             </a:fld>
             <a:endParaRPr lang="en-US" dirty="0"/>
           </a:p>
@@ -35474,8 +36398,8 @@
         </p:nvSpPr>
         <p:spPr>
           <a:xfrm>
-            <a:off x="742950" y="1562100"/>
-            <a:ext cx="11327130" cy="7829550"/>
+            <a:off x="742950" y="1562099"/>
+            <a:ext cx="11689682" cy="8727085"/>
           </a:xfrm>
         </p:spPr>
         <p:txBody>
@@ -35550,16 +36474,8 @@
               <a:buAutoNum type="arabicPeriod"/>
             </a:pPr>
             <a:r>
-              <a:rPr lang="en-US" sz="3200" dirty="0"/>
-              <a:t>Identify features from ‘</a:t>
-            </a:r>
-            <a:r>
-              <a:rPr lang="en-US" sz="3200" dirty="0" err="1"/>
-              <a:t>keypoints</a:t>
-            </a:r>
-            <a:r>
-              <a:rPr lang="en-US" sz="3200" dirty="0"/>
-              <a:t>’ in imagery data</a:t>
+              <a:rPr lang="en-US" dirty="0"/>
+              <a:t>Identify features from ‘key points’ in imagery data for use as calibration targets</a:t>
             </a:r>
           </a:p>
           <a:p>
@@ -35568,7 +36484,7 @@
               <a:buAutoNum type="arabicPeriod"/>
             </a:pPr>
             <a:r>
-              <a:rPr lang="en-US" sz="3200" dirty="0"/>
+              <a:rPr lang="en-US" dirty="0"/>
               <a:t>Compute robotic posed transforms in HERW formulation via a global optimization algorithm</a:t>
             </a:r>
           </a:p>
@@ -35618,7 +36534,7 @@
         </p:nvSpPr>
         <p:spPr>
           <a:xfrm>
-            <a:off x="12283580" y="8359865"/>
+            <a:off x="12283580" y="5600478"/>
             <a:ext cx="7820782" cy="1477328"/>
           </a:xfrm>
           <a:prstGeom prst="rect">
@@ -35691,6 +36607,148 @@
           </a:p>
         </p:txBody>
       </p:sp>
+      <p:sp>
+        <p:nvSpPr>
+          <p:cNvPr id="3" name="Rectangle 2">
+            <a:extLst>
+              <a:ext uri="{FF2B5EF4-FFF2-40B4-BE49-F238E27FC236}">
+                <a16:creationId xmlns:a16="http://schemas.microsoft.com/office/drawing/2014/main" id="{396F84DE-5A71-2545-6066-F3B4D7342223}"/>
+              </a:ext>
+            </a:extLst>
+          </p:cNvPr>
+          <p:cNvSpPr/>
+          <p:nvPr/>
+        </p:nvSpPr>
+        <p:spPr>
+          <a:xfrm>
+            <a:off x="1299411" y="8351741"/>
+            <a:ext cx="10427368" cy="910749"/>
+          </a:xfrm>
+          <a:prstGeom prst="rect">
+            <a:avLst/>
+          </a:prstGeom>
+          <a:noFill/>
+          <a:ln w="57150">
+            <a:solidFill>
+              <a:schemeClr val="accent2"/>
+            </a:solidFill>
+          </a:ln>
+        </p:spPr>
+        <p:style>
+          <a:lnRef idx="2">
+            <a:schemeClr val="accent1">
+              <a:shade val="15000"/>
+            </a:schemeClr>
+          </a:lnRef>
+          <a:fillRef idx="1">
+            <a:schemeClr val="accent1"/>
+          </a:fillRef>
+          <a:effectRef idx="0">
+            <a:schemeClr val="accent1"/>
+          </a:effectRef>
+          <a:fontRef idx="minor">
+            <a:schemeClr val="lt1"/>
+          </a:fontRef>
+        </p:style>
+        <p:txBody>
+          <a:bodyPr rtlCol="0" anchor="ctr"/>
+          <a:lstStyle/>
+          <a:p>
+            <a:pPr algn="ctr"/>
+            <a:endParaRPr lang="en-CA"/>
+          </a:p>
+        </p:txBody>
+      </p:sp>
+      <p:cxnSp>
+        <p:nvCxnSpPr>
+          <p:cNvPr id="8" name="Straight Arrow Connector 7">
+            <a:extLst>
+              <a:ext uri="{FF2B5EF4-FFF2-40B4-BE49-F238E27FC236}">
+                <a16:creationId xmlns:a16="http://schemas.microsoft.com/office/drawing/2014/main" id="{8E0EF581-6B2C-0345-E05D-683F4B28B20A}"/>
+              </a:ext>
+            </a:extLst>
+          </p:cNvPr>
+          <p:cNvCxnSpPr>
+            <a:cxnSpLocks/>
+            <a:stCxn id="10" idx="1"/>
+          </p:cNvCxnSpPr>
+          <p:nvPr/>
+        </p:nvCxnSpPr>
+        <p:spPr>
+          <a:xfrm flipH="1">
+            <a:off x="11951368" y="8848903"/>
+            <a:ext cx="1037725" cy="9847"/>
+          </a:xfrm>
+          <a:prstGeom prst="straightConnector1">
+            <a:avLst/>
+          </a:prstGeom>
+          <a:ln w="57150">
+            <a:solidFill>
+              <a:schemeClr val="accent2"/>
+            </a:solidFill>
+            <a:tailEnd type="triangle"/>
+          </a:ln>
+        </p:spPr>
+        <p:style>
+          <a:lnRef idx="2">
+            <a:schemeClr val="accent1"/>
+          </a:lnRef>
+          <a:fillRef idx="0">
+            <a:schemeClr val="accent1"/>
+          </a:fillRef>
+          <a:effectRef idx="1">
+            <a:schemeClr val="accent1"/>
+          </a:effectRef>
+          <a:fontRef idx="minor">
+            <a:schemeClr val="tx1"/>
+          </a:fontRef>
+        </p:style>
+      </p:cxnSp>
+      <p:sp>
+        <p:nvSpPr>
+          <p:cNvPr id="10" name="TextBox 9">
+            <a:extLst>
+              <a:ext uri="{FF2B5EF4-FFF2-40B4-BE49-F238E27FC236}">
+                <a16:creationId xmlns:a16="http://schemas.microsoft.com/office/drawing/2014/main" id="{70196EC6-0DF8-BBE7-9542-C32D5FFCD229}"/>
+              </a:ext>
+            </a:extLst>
+          </p:cNvPr>
+          <p:cNvSpPr txBox="1"/>
+          <p:nvPr/>
+        </p:nvSpPr>
+        <p:spPr>
+          <a:xfrm>
+            <a:off x="12989093" y="8648848"/>
+            <a:ext cx="2723239" cy="400110"/>
+          </a:xfrm>
+          <a:prstGeom prst="rect">
+            <a:avLst/>
+          </a:prstGeom>
+          <a:noFill/>
+        </p:spPr>
+        <p:txBody>
+          <a:bodyPr wrap="square" rtlCol="0">
+            <a:spAutoFit/>
+          </a:bodyPr>
+          <a:lstStyle/>
+          <a:p>
+            <a:pPr algn="ctr"/>
+            <a:r>
+              <a:rPr lang="en-US" sz="2000" b="1" dirty="0">
+                <a:solidFill>
+                  <a:schemeClr val="accent2"/>
+                </a:solidFill>
+              </a:rPr>
+              <a:t>Scope for CAS 741</a:t>
+            </a:r>
+            <a:endParaRPr lang="en-CA" sz="2000" b="1" dirty="0">
+              <a:solidFill>
+                <a:schemeClr val="accent2"/>
+              </a:solidFill>
+            </a:endParaRPr>
+          </a:p>
+        </p:txBody>
+      </p:sp>
     </p:spTree>
     <p:extLst>
       <p:ext uri="{BB962C8B-B14F-4D97-AF65-F5344CB8AC3E}">
@@ -35701,10 +36759,2107 @@
   <p:clrMapOvr>
     <a:masterClrMapping/>
   </p:clrMapOvr>
+  <mc:AlternateContent xmlns:mc="http://schemas.openxmlformats.org/markup-compatibility/2006" xmlns:p14="http://schemas.microsoft.com/office/powerpoint/2010/main">
+    <mc:Choice Requires="p14">
+      <p:transition spd="med" p14:dur="700">
+        <p:fade/>
+      </p:transition>
+    </mc:Choice>
+    <mc:Fallback xmlns="">
+      <p:transition spd="med">
+        <p:fade/>
+      </p:transition>
+    </mc:Fallback>
+  </mc:AlternateContent>
+  <p:timing>
+    <p:tnLst>
+      <p:par>
+        <p:cTn id="1" dur="indefinite" restart="never" nodeType="tmRoot">
+          <p:childTnLst>
+            <p:seq concurrent="1" nextAc="seek">
+              <p:cTn id="2" dur="indefinite" nodeType="mainSeq">
+                <p:childTnLst>
+                  <p:par>
+                    <p:cTn id="3" fill="hold">
+                      <p:stCondLst>
+                        <p:cond delay="indefinite"/>
+                      </p:stCondLst>
+                      <p:childTnLst>
+                        <p:par>
+                          <p:cTn id="4" fill="hold">
+                            <p:stCondLst>
+                              <p:cond delay="0"/>
+                            </p:stCondLst>
+                            <p:childTnLst>
+                              <p:par>
+                                <p:cTn id="5" presetID="10" presetClass="entr" presetSubtype="0" fill="hold" nodeType="clickEffect">
+                                  <p:stCondLst>
+                                    <p:cond delay="0"/>
+                                  </p:stCondLst>
+                                  <p:childTnLst>
+                                    <p:set>
+                                      <p:cBhvr>
+                                        <p:cTn id="6" dur="1" fill="hold">
+                                          <p:stCondLst>
+                                            <p:cond delay="0"/>
+                                          </p:stCondLst>
+                                        </p:cTn>
+                                        <p:tgtEl>
+                                          <p:spTgt spid="6">
+                                            <p:txEl>
+                                              <p:pRg st="0" end="0"/>
+                                            </p:txEl>
+                                          </p:spTgt>
+                                        </p:tgtEl>
+                                        <p:attrNameLst>
+                                          <p:attrName>style.visibility</p:attrName>
+                                        </p:attrNameLst>
+                                      </p:cBhvr>
+                                      <p:to>
+                                        <p:strVal val="visible"/>
+                                      </p:to>
+                                    </p:set>
+                                    <p:animEffect transition="in" filter="fade">
+                                      <p:cBhvr>
+                                        <p:cTn id="7" dur="500"/>
+                                        <p:tgtEl>
+                                          <p:spTgt spid="6">
+                                            <p:txEl>
+                                              <p:pRg st="0" end="0"/>
+                                            </p:txEl>
+                                          </p:spTgt>
+                                        </p:tgtEl>
+                                      </p:cBhvr>
+                                    </p:animEffect>
+                                  </p:childTnLst>
+                                </p:cTn>
+                              </p:par>
+                            </p:childTnLst>
+                          </p:cTn>
+                        </p:par>
+                      </p:childTnLst>
+                    </p:cTn>
+                  </p:par>
+                  <p:par>
+                    <p:cTn id="8" fill="hold">
+                      <p:stCondLst>
+                        <p:cond delay="indefinite"/>
+                      </p:stCondLst>
+                      <p:childTnLst>
+                        <p:par>
+                          <p:cTn id="9" fill="hold">
+                            <p:stCondLst>
+                              <p:cond delay="0"/>
+                            </p:stCondLst>
+                            <p:childTnLst>
+                              <p:par>
+                                <p:cTn id="10" presetID="10" presetClass="entr" presetSubtype="0" fill="hold" nodeType="clickEffect">
+                                  <p:stCondLst>
+                                    <p:cond delay="0"/>
+                                  </p:stCondLst>
+                                  <p:childTnLst>
+                                    <p:set>
+                                      <p:cBhvr>
+                                        <p:cTn id="11" dur="1" fill="hold">
+                                          <p:stCondLst>
+                                            <p:cond delay="0"/>
+                                          </p:stCondLst>
+                                        </p:cTn>
+                                        <p:tgtEl>
+                                          <p:spTgt spid="6">
+                                            <p:txEl>
+                                              <p:pRg st="2" end="2"/>
+                                            </p:txEl>
+                                          </p:spTgt>
+                                        </p:tgtEl>
+                                        <p:attrNameLst>
+                                          <p:attrName>style.visibility</p:attrName>
+                                        </p:attrNameLst>
+                                      </p:cBhvr>
+                                      <p:to>
+                                        <p:strVal val="visible"/>
+                                      </p:to>
+                                    </p:set>
+                                    <p:animEffect transition="in" filter="fade">
+                                      <p:cBhvr>
+                                        <p:cTn id="12" dur="500"/>
+                                        <p:tgtEl>
+                                          <p:spTgt spid="6">
+                                            <p:txEl>
+                                              <p:pRg st="2" end="2"/>
+                                            </p:txEl>
+                                          </p:spTgt>
+                                        </p:tgtEl>
+                                      </p:cBhvr>
+                                    </p:animEffect>
+                                  </p:childTnLst>
+                                </p:cTn>
+                              </p:par>
+                            </p:childTnLst>
+                          </p:cTn>
+                        </p:par>
+                      </p:childTnLst>
+                    </p:cTn>
+                  </p:par>
+                  <p:par>
+                    <p:cTn id="13" fill="hold">
+                      <p:stCondLst>
+                        <p:cond delay="indefinite"/>
+                      </p:stCondLst>
+                      <p:childTnLst>
+                        <p:par>
+                          <p:cTn id="14" fill="hold">
+                            <p:stCondLst>
+                              <p:cond delay="0"/>
+                            </p:stCondLst>
+                            <p:childTnLst>
+                              <p:par>
+                                <p:cTn id="15" presetID="1" presetClass="entr" presetSubtype="0" fill="hold" nodeType="clickEffect">
+                                  <p:stCondLst>
+                                    <p:cond delay="0"/>
+                                  </p:stCondLst>
+                                  <p:childTnLst>
+                                    <p:set>
+                                      <p:cBhvr>
+                                        <p:cTn id="16" dur="1" fill="hold">
+                                          <p:stCondLst>
+                                            <p:cond delay="0"/>
+                                          </p:stCondLst>
+                                        </p:cTn>
+                                        <p:tgtEl>
+                                          <p:spTgt spid="6">
+                                            <p:txEl>
+                                              <p:pRg st="3" end="3"/>
+                                            </p:txEl>
+                                          </p:spTgt>
+                                        </p:tgtEl>
+                                        <p:attrNameLst>
+                                          <p:attrName>style.visibility</p:attrName>
+                                        </p:attrNameLst>
+                                      </p:cBhvr>
+                                      <p:to>
+                                        <p:strVal val="visible"/>
+                                      </p:to>
+                                    </p:set>
+                                  </p:childTnLst>
+                                </p:cTn>
+                              </p:par>
+                              <p:par>
+                                <p:cTn id="17" presetID="1" presetClass="entr" presetSubtype="0" fill="hold" nodeType="withEffect">
+                                  <p:stCondLst>
+                                    <p:cond delay="0"/>
+                                  </p:stCondLst>
+                                  <p:childTnLst>
+                                    <p:set>
+                                      <p:cBhvr>
+                                        <p:cTn id="18" dur="1" fill="hold">
+                                          <p:stCondLst>
+                                            <p:cond delay="0"/>
+                                          </p:stCondLst>
+                                        </p:cTn>
+                                        <p:tgtEl>
+                                          <p:spTgt spid="6">
+                                            <p:txEl>
+                                              <p:pRg st="4" end="4"/>
+                                            </p:txEl>
+                                          </p:spTgt>
+                                        </p:tgtEl>
+                                        <p:attrNameLst>
+                                          <p:attrName>style.visibility</p:attrName>
+                                        </p:attrNameLst>
+                                      </p:cBhvr>
+                                      <p:to>
+                                        <p:strVal val="visible"/>
+                                      </p:to>
+                                    </p:set>
+                                  </p:childTnLst>
+                                </p:cTn>
+                              </p:par>
+                              <p:par>
+                                <p:cTn id="19" presetID="1" presetClass="entr" presetSubtype="0" fill="hold" nodeType="withEffect">
+                                  <p:stCondLst>
+                                    <p:cond delay="0"/>
+                                  </p:stCondLst>
+                                  <p:childTnLst>
+                                    <p:set>
+                                      <p:cBhvr>
+                                        <p:cTn id="20" dur="1" fill="hold">
+                                          <p:stCondLst>
+                                            <p:cond delay="0"/>
+                                          </p:stCondLst>
+                                        </p:cTn>
+                                        <p:tgtEl>
+                                          <p:spTgt spid="6">
+                                            <p:txEl>
+                                              <p:pRg st="5" end="5"/>
+                                            </p:txEl>
+                                          </p:spTgt>
+                                        </p:tgtEl>
+                                        <p:attrNameLst>
+                                          <p:attrName>style.visibility</p:attrName>
+                                        </p:attrNameLst>
+                                      </p:cBhvr>
+                                      <p:to>
+                                        <p:strVal val="visible"/>
+                                      </p:to>
+                                    </p:set>
+                                  </p:childTnLst>
+                                </p:cTn>
+                              </p:par>
+                            </p:childTnLst>
+                          </p:cTn>
+                        </p:par>
+                      </p:childTnLst>
+                    </p:cTn>
+                  </p:par>
+                  <p:par>
+                    <p:cTn id="21" fill="hold">
+                      <p:stCondLst>
+                        <p:cond delay="indefinite"/>
+                      </p:stCondLst>
+                      <p:childTnLst>
+                        <p:par>
+                          <p:cTn id="22" fill="hold">
+                            <p:stCondLst>
+                              <p:cond delay="0"/>
+                            </p:stCondLst>
+                            <p:childTnLst>
+                              <p:par>
+                                <p:cTn id="23" presetID="10" presetClass="entr" presetSubtype="0" fill="hold" nodeType="clickEffect">
+                                  <p:stCondLst>
+                                    <p:cond delay="0"/>
+                                  </p:stCondLst>
+                                  <p:childTnLst>
+                                    <p:set>
+                                      <p:cBhvr>
+                                        <p:cTn id="24" dur="1" fill="hold">
+                                          <p:stCondLst>
+                                            <p:cond delay="0"/>
+                                          </p:stCondLst>
+                                        </p:cTn>
+                                        <p:tgtEl>
+                                          <p:spTgt spid="6">
+                                            <p:txEl>
+                                              <p:pRg st="7" end="7"/>
+                                            </p:txEl>
+                                          </p:spTgt>
+                                        </p:tgtEl>
+                                        <p:attrNameLst>
+                                          <p:attrName>style.visibility</p:attrName>
+                                        </p:attrNameLst>
+                                      </p:cBhvr>
+                                      <p:to>
+                                        <p:strVal val="visible"/>
+                                      </p:to>
+                                    </p:set>
+                                    <p:animEffect transition="in" filter="fade">
+                                      <p:cBhvr>
+                                        <p:cTn id="25" dur="500"/>
+                                        <p:tgtEl>
+                                          <p:spTgt spid="6">
+                                            <p:txEl>
+                                              <p:pRg st="7" end="7"/>
+                                            </p:txEl>
+                                          </p:spTgt>
+                                        </p:tgtEl>
+                                      </p:cBhvr>
+                                    </p:animEffect>
+                                  </p:childTnLst>
+                                </p:cTn>
+                              </p:par>
+                            </p:childTnLst>
+                          </p:cTn>
+                        </p:par>
+                      </p:childTnLst>
+                    </p:cTn>
+                  </p:par>
+                  <p:par>
+                    <p:cTn id="26" fill="hold">
+                      <p:stCondLst>
+                        <p:cond delay="indefinite"/>
+                      </p:stCondLst>
+                      <p:childTnLst>
+                        <p:par>
+                          <p:cTn id="27" fill="hold">
+                            <p:stCondLst>
+                              <p:cond delay="0"/>
+                            </p:stCondLst>
+                            <p:childTnLst>
+                              <p:par>
+                                <p:cTn id="28" presetID="1" presetClass="entr" presetSubtype="0" fill="hold" nodeType="clickEffect">
+                                  <p:stCondLst>
+                                    <p:cond delay="0"/>
+                                  </p:stCondLst>
+                                  <p:childTnLst>
+                                    <p:set>
+                                      <p:cBhvr>
+                                        <p:cTn id="29" dur="1" fill="hold">
+                                          <p:stCondLst>
+                                            <p:cond delay="0"/>
+                                          </p:stCondLst>
+                                        </p:cTn>
+                                        <p:tgtEl>
+                                          <p:spTgt spid="7"/>
+                                        </p:tgtEl>
+                                        <p:attrNameLst>
+                                          <p:attrName>style.visibility</p:attrName>
+                                        </p:attrNameLst>
+                                      </p:cBhvr>
+                                      <p:to>
+                                        <p:strVal val="visible"/>
+                                      </p:to>
+                                    </p:set>
+                                  </p:childTnLst>
+                                </p:cTn>
+                              </p:par>
+                              <p:par>
+                                <p:cTn id="30" presetID="1" presetClass="entr" presetSubtype="0" fill="hold" grpId="0" nodeType="withEffect">
+                                  <p:stCondLst>
+                                    <p:cond delay="0"/>
+                                  </p:stCondLst>
+                                  <p:childTnLst>
+                                    <p:set>
+                                      <p:cBhvr>
+                                        <p:cTn id="31" dur="1" fill="hold">
+                                          <p:stCondLst>
+                                            <p:cond delay="0"/>
+                                          </p:stCondLst>
+                                        </p:cTn>
+                                        <p:tgtEl>
+                                          <p:spTgt spid="9"/>
+                                        </p:tgtEl>
+                                        <p:attrNameLst>
+                                          <p:attrName>style.visibility</p:attrName>
+                                        </p:attrNameLst>
+                                      </p:cBhvr>
+                                      <p:to>
+                                        <p:strVal val="visible"/>
+                                      </p:to>
+                                    </p:set>
+                                  </p:childTnLst>
+                                </p:cTn>
+                              </p:par>
+                            </p:childTnLst>
+                          </p:cTn>
+                        </p:par>
+                      </p:childTnLst>
+                    </p:cTn>
+                  </p:par>
+                  <p:par>
+                    <p:cTn id="32" fill="hold">
+                      <p:stCondLst>
+                        <p:cond delay="indefinite"/>
+                      </p:stCondLst>
+                      <p:childTnLst>
+                        <p:par>
+                          <p:cTn id="33" fill="hold">
+                            <p:stCondLst>
+                              <p:cond delay="0"/>
+                            </p:stCondLst>
+                            <p:childTnLst>
+                              <p:par>
+                                <p:cTn id="34" presetID="10" presetClass="entr" presetSubtype="0" fill="hold" nodeType="clickEffect">
+                                  <p:stCondLst>
+                                    <p:cond delay="0"/>
+                                  </p:stCondLst>
+                                  <p:childTnLst>
+                                    <p:set>
+                                      <p:cBhvr>
+                                        <p:cTn id="35" dur="1" fill="hold">
+                                          <p:stCondLst>
+                                            <p:cond delay="0"/>
+                                          </p:stCondLst>
+                                        </p:cTn>
+                                        <p:tgtEl>
+                                          <p:spTgt spid="6">
+                                            <p:txEl>
+                                              <p:pRg st="9" end="9"/>
+                                            </p:txEl>
+                                          </p:spTgt>
+                                        </p:tgtEl>
+                                        <p:attrNameLst>
+                                          <p:attrName>style.visibility</p:attrName>
+                                        </p:attrNameLst>
+                                      </p:cBhvr>
+                                      <p:to>
+                                        <p:strVal val="visible"/>
+                                      </p:to>
+                                    </p:set>
+                                    <p:animEffect transition="in" filter="fade">
+                                      <p:cBhvr>
+                                        <p:cTn id="36" dur="500"/>
+                                        <p:tgtEl>
+                                          <p:spTgt spid="6">
+                                            <p:txEl>
+                                              <p:pRg st="9" end="9"/>
+                                            </p:txEl>
+                                          </p:spTgt>
+                                        </p:tgtEl>
+                                      </p:cBhvr>
+                                    </p:animEffect>
+                                  </p:childTnLst>
+                                </p:cTn>
+                              </p:par>
+                            </p:childTnLst>
+                          </p:cTn>
+                        </p:par>
+                      </p:childTnLst>
+                    </p:cTn>
+                  </p:par>
+                  <p:par>
+                    <p:cTn id="37" fill="hold">
+                      <p:stCondLst>
+                        <p:cond delay="indefinite"/>
+                      </p:stCondLst>
+                      <p:childTnLst>
+                        <p:par>
+                          <p:cTn id="38" fill="hold">
+                            <p:stCondLst>
+                              <p:cond delay="0"/>
+                            </p:stCondLst>
+                            <p:childTnLst>
+                              <p:par>
+                                <p:cTn id="39" presetID="10" presetClass="entr" presetSubtype="0" fill="hold" nodeType="clickEffect">
+                                  <p:stCondLst>
+                                    <p:cond delay="0"/>
+                                  </p:stCondLst>
+                                  <p:childTnLst>
+                                    <p:set>
+                                      <p:cBhvr>
+                                        <p:cTn id="40" dur="1" fill="hold">
+                                          <p:stCondLst>
+                                            <p:cond delay="0"/>
+                                          </p:stCondLst>
+                                        </p:cTn>
+                                        <p:tgtEl>
+                                          <p:spTgt spid="6">
+                                            <p:txEl>
+                                              <p:pRg st="10" end="10"/>
+                                            </p:txEl>
+                                          </p:spTgt>
+                                        </p:tgtEl>
+                                        <p:attrNameLst>
+                                          <p:attrName>style.visibility</p:attrName>
+                                        </p:attrNameLst>
+                                      </p:cBhvr>
+                                      <p:to>
+                                        <p:strVal val="visible"/>
+                                      </p:to>
+                                    </p:set>
+                                    <p:animEffect transition="in" filter="fade">
+                                      <p:cBhvr>
+                                        <p:cTn id="41" dur="500"/>
+                                        <p:tgtEl>
+                                          <p:spTgt spid="6">
+                                            <p:txEl>
+                                              <p:pRg st="10" end="10"/>
+                                            </p:txEl>
+                                          </p:spTgt>
+                                        </p:tgtEl>
+                                      </p:cBhvr>
+                                    </p:animEffect>
+                                  </p:childTnLst>
+                                </p:cTn>
+                              </p:par>
+                              <p:par>
+                                <p:cTn id="42" presetID="10" presetClass="entr" presetSubtype="0" fill="hold" nodeType="withEffect">
+                                  <p:stCondLst>
+                                    <p:cond delay="0"/>
+                                  </p:stCondLst>
+                                  <p:childTnLst>
+                                    <p:set>
+                                      <p:cBhvr>
+                                        <p:cTn id="43" dur="1" fill="hold">
+                                          <p:stCondLst>
+                                            <p:cond delay="0"/>
+                                          </p:stCondLst>
+                                        </p:cTn>
+                                        <p:tgtEl>
+                                          <p:spTgt spid="6">
+                                            <p:txEl>
+                                              <p:pRg st="11" end="11"/>
+                                            </p:txEl>
+                                          </p:spTgt>
+                                        </p:tgtEl>
+                                        <p:attrNameLst>
+                                          <p:attrName>style.visibility</p:attrName>
+                                        </p:attrNameLst>
+                                      </p:cBhvr>
+                                      <p:to>
+                                        <p:strVal val="visible"/>
+                                      </p:to>
+                                    </p:set>
+                                    <p:animEffect transition="in" filter="fade">
+                                      <p:cBhvr>
+                                        <p:cTn id="44" dur="500"/>
+                                        <p:tgtEl>
+                                          <p:spTgt spid="6">
+                                            <p:txEl>
+                                              <p:pRg st="11" end="11"/>
+                                            </p:txEl>
+                                          </p:spTgt>
+                                        </p:tgtEl>
+                                      </p:cBhvr>
+                                    </p:animEffect>
+                                  </p:childTnLst>
+                                </p:cTn>
+                              </p:par>
+                            </p:childTnLst>
+                          </p:cTn>
+                        </p:par>
+                      </p:childTnLst>
+                    </p:cTn>
+                  </p:par>
+                  <p:par>
+                    <p:cTn id="45" fill="hold">
+                      <p:stCondLst>
+                        <p:cond delay="indefinite"/>
+                      </p:stCondLst>
+                      <p:childTnLst>
+                        <p:par>
+                          <p:cTn id="46" fill="hold">
+                            <p:stCondLst>
+                              <p:cond delay="0"/>
+                            </p:stCondLst>
+                            <p:childTnLst>
+                              <p:par>
+                                <p:cTn id="47" presetID="1" presetClass="entr" presetSubtype="0" fill="hold" grpId="0" nodeType="clickEffect">
+                                  <p:stCondLst>
+                                    <p:cond delay="0"/>
+                                  </p:stCondLst>
+                                  <p:childTnLst>
+                                    <p:set>
+                                      <p:cBhvr>
+                                        <p:cTn id="48" dur="1" fill="hold">
+                                          <p:stCondLst>
+                                            <p:cond delay="0"/>
+                                          </p:stCondLst>
+                                        </p:cTn>
+                                        <p:tgtEl>
+                                          <p:spTgt spid="3"/>
+                                        </p:tgtEl>
+                                        <p:attrNameLst>
+                                          <p:attrName>style.visibility</p:attrName>
+                                        </p:attrNameLst>
+                                      </p:cBhvr>
+                                      <p:to>
+                                        <p:strVal val="visible"/>
+                                      </p:to>
+                                    </p:set>
+                                  </p:childTnLst>
+                                </p:cTn>
+                              </p:par>
+                              <p:par>
+                                <p:cTn id="49" presetID="1" presetClass="entr" presetSubtype="0" fill="hold" grpId="0" nodeType="withEffect">
+                                  <p:stCondLst>
+                                    <p:cond delay="0"/>
+                                  </p:stCondLst>
+                                  <p:childTnLst>
+                                    <p:set>
+                                      <p:cBhvr>
+                                        <p:cTn id="50" dur="1" fill="hold">
+                                          <p:stCondLst>
+                                            <p:cond delay="0"/>
+                                          </p:stCondLst>
+                                        </p:cTn>
+                                        <p:tgtEl>
+                                          <p:spTgt spid="10"/>
+                                        </p:tgtEl>
+                                        <p:attrNameLst>
+                                          <p:attrName>style.visibility</p:attrName>
+                                        </p:attrNameLst>
+                                      </p:cBhvr>
+                                      <p:to>
+                                        <p:strVal val="visible"/>
+                                      </p:to>
+                                    </p:set>
+                                  </p:childTnLst>
+                                </p:cTn>
+                              </p:par>
+                              <p:par>
+                                <p:cTn id="51" presetID="1" presetClass="entr" presetSubtype="0" fill="hold" nodeType="withEffect">
+                                  <p:stCondLst>
+                                    <p:cond delay="0"/>
+                                  </p:stCondLst>
+                                  <p:childTnLst>
+                                    <p:set>
+                                      <p:cBhvr>
+                                        <p:cTn id="52" dur="1" fill="hold">
+                                          <p:stCondLst>
+                                            <p:cond delay="0"/>
+                                          </p:stCondLst>
+                                        </p:cTn>
+                                        <p:tgtEl>
+                                          <p:spTgt spid="8"/>
+                                        </p:tgtEl>
+                                        <p:attrNameLst>
+                                          <p:attrName>style.visibility</p:attrName>
+                                        </p:attrNameLst>
+                                      </p:cBhvr>
+                                      <p:to>
+                                        <p:strVal val="visible"/>
+                                      </p:to>
+                                    </p:set>
+                                  </p:childTnLst>
+                                </p:cTn>
+                              </p:par>
+                            </p:childTnLst>
+                          </p:cTn>
+                        </p:par>
+                      </p:childTnLst>
+                    </p:cTn>
+                  </p:par>
+                </p:childTnLst>
+              </p:cTn>
+              <p:prevCondLst>
+                <p:cond evt="onPrev" delay="0">
+                  <p:tgtEl>
+                    <p:sldTgt/>
+                  </p:tgtEl>
+                </p:cond>
+              </p:prevCondLst>
+              <p:nextCondLst>
+                <p:cond evt="onNext" delay="0">
+                  <p:tgtEl>
+                    <p:sldTgt/>
+                  </p:tgtEl>
+                </p:cond>
+              </p:nextCondLst>
+            </p:seq>
+          </p:childTnLst>
+        </p:cTn>
+      </p:par>
+    </p:tnLst>
+    <p:bldLst>
+      <p:bldP spid="9" grpId="0"/>
+      <p:bldP spid="3" grpId="0" animBg="1"/>
+      <p:bldP spid="10" grpId="0"/>
+    </p:bldLst>
+  </p:timing>
 </p:sld>
 </file>
 
 <file path=ppt/slides/slide3.xml><?xml version="1.0" encoding="utf-8"?>
+<p:sld xmlns:a="http://schemas.openxmlformats.org/drawingml/2006/main" xmlns:r="http://schemas.openxmlformats.org/officeDocument/2006/relationships" xmlns:p="http://schemas.openxmlformats.org/presentationml/2006/main">
+  <p:cSld>
+    <p:spTree>
+      <p:nvGrpSpPr>
+        <p:cNvPr id="1" name=""/>
+        <p:cNvGrpSpPr/>
+        <p:nvPr/>
+      </p:nvGrpSpPr>
+      <p:grpSpPr>
+        <a:xfrm>
+          <a:off x="0" y="0"/>
+          <a:ext cx="0" cy="0"/>
+          <a:chOff x="0" y="0"/>
+          <a:chExt cx="0" cy="0"/>
+        </a:xfrm>
+      </p:grpSpPr>
+      <p:sp>
+        <p:nvSpPr>
+          <p:cNvPr id="15" name="Rectangle 14">
+            <a:extLst>
+              <a:ext uri="{FF2B5EF4-FFF2-40B4-BE49-F238E27FC236}">
+                <a16:creationId xmlns:a16="http://schemas.microsoft.com/office/drawing/2014/main" id="{C0248E3F-2338-3E66-682C-F2F8D0272CDE}"/>
+              </a:ext>
+            </a:extLst>
+          </p:cNvPr>
+          <p:cNvSpPr/>
+          <p:nvPr/>
+        </p:nvSpPr>
+        <p:spPr>
+          <a:xfrm>
+            <a:off x="4774917" y="4324743"/>
+            <a:ext cx="10668000" cy="3741155"/>
+          </a:xfrm>
+          <a:prstGeom prst="rect">
+            <a:avLst/>
+          </a:prstGeom>
+          <a:ln w="38100">
+            <a:solidFill>
+              <a:schemeClr val="bg1"/>
+            </a:solidFill>
+            <a:prstDash val="lgDash"/>
+          </a:ln>
+        </p:spPr>
+        <p:style>
+          <a:lnRef idx="2">
+            <a:schemeClr val="accent1">
+              <a:shade val="15000"/>
+            </a:schemeClr>
+          </a:lnRef>
+          <a:fillRef idx="1">
+            <a:schemeClr val="accent1"/>
+          </a:fillRef>
+          <a:effectRef idx="0">
+            <a:schemeClr val="accent1"/>
+          </a:effectRef>
+          <a:fontRef idx="minor">
+            <a:schemeClr val="lt1"/>
+          </a:fontRef>
+        </p:style>
+        <p:txBody>
+          <a:bodyPr rtlCol="0" anchor="ctr"/>
+          <a:lstStyle/>
+          <a:p>
+            <a:pPr algn="ctr"/>
+            <a:endParaRPr lang="en-CA"/>
+          </a:p>
+        </p:txBody>
+      </p:sp>
+      <p:sp>
+        <p:nvSpPr>
+          <p:cNvPr id="2" name="Title 1">
+            <a:extLst>
+              <a:ext uri="{FF2B5EF4-FFF2-40B4-BE49-F238E27FC236}">
+                <a16:creationId xmlns:a16="http://schemas.microsoft.com/office/drawing/2014/main" id="{75C479C5-6272-2C90-89D0-68A85B422E5D}"/>
+              </a:ext>
+            </a:extLst>
+          </p:cNvPr>
+          <p:cNvSpPr>
+            <a:spLocks noGrp="1"/>
+          </p:cNvSpPr>
+          <p:nvPr>
+            <p:ph type="ctrTitle"/>
+          </p:nvPr>
+        </p:nvSpPr>
+        <p:spPr/>
+        <p:txBody>
+          <a:bodyPr/>
+          <a:lstStyle/>
+          <a:p>
+            <a:r>
+              <a:rPr lang="en-US" dirty="0"/>
+              <a:t>Perceived Workflow – Separate to SRS</a:t>
+            </a:r>
+            <a:endParaRPr lang="en-CA" dirty="0"/>
+          </a:p>
+        </p:txBody>
+      </p:sp>
+      <p:sp>
+        <p:nvSpPr>
+          <p:cNvPr id="3" name="Footer Placeholder 2">
+            <a:extLst>
+              <a:ext uri="{FF2B5EF4-FFF2-40B4-BE49-F238E27FC236}">
+                <a16:creationId xmlns:a16="http://schemas.microsoft.com/office/drawing/2014/main" id="{89E9345B-FD19-35FB-FA78-E5B34AB0CF48}"/>
+              </a:ext>
+            </a:extLst>
+          </p:cNvPr>
+          <p:cNvSpPr>
+            <a:spLocks noGrp="1"/>
+          </p:cNvSpPr>
+          <p:nvPr>
+            <p:ph type="ftr" sz="quarter" idx="11"/>
+          </p:nvPr>
+        </p:nvSpPr>
+        <p:spPr/>
+        <p:txBody>
+          <a:bodyPr/>
+          <a:lstStyle/>
+          <a:p>
+            <a:endParaRPr lang="en-US"/>
+          </a:p>
+        </p:txBody>
+      </p:sp>
+      <p:sp>
+        <p:nvSpPr>
+          <p:cNvPr id="4" name="Date Placeholder 3">
+            <a:extLst>
+              <a:ext uri="{FF2B5EF4-FFF2-40B4-BE49-F238E27FC236}">
+                <a16:creationId xmlns:a16="http://schemas.microsoft.com/office/drawing/2014/main" id="{DE75FE88-AF8F-86B1-5857-A97C2311016F}"/>
+              </a:ext>
+            </a:extLst>
+          </p:cNvPr>
+          <p:cNvSpPr>
+            <a:spLocks noGrp="1"/>
+          </p:cNvSpPr>
+          <p:nvPr>
+            <p:ph type="dt" sz="half" idx="2"/>
+          </p:nvPr>
+        </p:nvSpPr>
+        <p:spPr/>
+        <p:txBody>
+          <a:bodyPr/>
+          <a:lstStyle/>
+          <a:p>
+            <a:fld id="{D2792E9C-7E5E-F14F-B049-5BFE22D713B7}" type="datetime4">
+              <a:rPr lang="en-CA" smtClean="0"/>
+              <a:pPr/>
+              <a:t>January 24, 2025</a:t>
+            </a:fld>
+            <a:endParaRPr lang="en-US" dirty="0"/>
+          </a:p>
+        </p:txBody>
+      </p:sp>
+      <p:sp>
+        <p:nvSpPr>
+          <p:cNvPr id="5" name="Slide Number Placeholder 4">
+            <a:extLst>
+              <a:ext uri="{FF2B5EF4-FFF2-40B4-BE49-F238E27FC236}">
+                <a16:creationId xmlns:a16="http://schemas.microsoft.com/office/drawing/2014/main" id="{D98EEA4D-8C16-E318-6F98-DE267B6201A6}"/>
+              </a:ext>
+            </a:extLst>
+          </p:cNvPr>
+          <p:cNvSpPr>
+            <a:spLocks noGrp="1"/>
+          </p:cNvSpPr>
+          <p:nvPr>
+            <p:ph type="sldNum" sz="quarter" idx="12"/>
+          </p:nvPr>
+        </p:nvSpPr>
+        <p:spPr/>
+        <p:txBody>
+          <a:bodyPr/>
+          <a:lstStyle/>
+          <a:p>
+            <a:fld id="{991AB9B0-3E43-D847-B073-60FE8FAFFDB7}" type="slidenum">
+              <a:rPr lang="en-US" smtClean="0"/>
+              <a:pPr/>
+              <a:t>3</a:t>
+            </a:fld>
+            <a:endParaRPr lang="en-US"/>
+          </a:p>
+        </p:txBody>
+      </p:sp>
+      <p:cxnSp>
+        <p:nvCxnSpPr>
+          <p:cNvPr id="12" name="Straight Arrow Connector 11">
+            <a:extLst>
+              <a:ext uri="{FF2B5EF4-FFF2-40B4-BE49-F238E27FC236}">
+                <a16:creationId xmlns:a16="http://schemas.microsoft.com/office/drawing/2014/main" id="{9F197AD6-44AD-37A3-5500-5B031DFD0D69}"/>
+              </a:ext>
+            </a:extLst>
+          </p:cNvPr>
+          <p:cNvCxnSpPr>
+            <a:cxnSpLocks/>
+            <a:stCxn id="13" idx="3"/>
+            <a:endCxn id="16" idx="1"/>
+          </p:cNvCxnSpPr>
+          <p:nvPr/>
+        </p:nvCxnSpPr>
+        <p:spPr>
+          <a:xfrm flipV="1">
+            <a:off x="3393179" y="5234679"/>
+            <a:ext cx="2691982" cy="2589"/>
+          </a:xfrm>
+          <a:prstGeom prst="straightConnector1">
+            <a:avLst/>
+          </a:prstGeom>
+          <a:ln w="57150">
+            <a:solidFill>
+              <a:schemeClr val="accent2"/>
+            </a:solidFill>
+            <a:tailEnd type="triangle"/>
+          </a:ln>
+        </p:spPr>
+        <p:style>
+          <a:lnRef idx="2">
+            <a:schemeClr val="accent1"/>
+          </a:lnRef>
+          <a:fillRef idx="0">
+            <a:schemeClr val="accent1"/>
+          </a:fillRef>
+          <a:effectRef idx="1">
+            <a:schemeClr val="accent1"/>
+          </a:effectRef>
+          <a:fontRef idx="minor">
+            <a:schemeClr val="tx1"/>
+          </a:fontRef>
+        </p:style>
+      </p:cxnSp>
+      <p:sp>
+        <p:nvSpPr>
+          <p:cNvPr id="13" name="TextBox 12">
+            <a:extLst>
+              <a:ext uri="{FF2B5EF4-FFF2-40B4-BE49-F238E27FC236}">
+                <a16:creationId xmlns:a16="http://schemas.microsoft.com/office/drawing/2014/main" id="{14304B19-BCA1-EEF6-57FA-66A08C4A0574}"/>
+              </a:ext>
+            </a:extLst>
+          </p:cNvPr>
+          <p:cNvSpPr txBox="1"/>
+          <p:nvPr/>
+        </p:nvSpPr>
+        <p:spPr>
+          <a:xfrm>
+            <a:off x="669940" y="4883325"/>
+            <a:ext cx="2723239" cy="707886"/>
+          </a:xfrm>
+          <a:prstGeom prst="rect">
+            <a:avLst/>
+          </a:prstGeom>
+          <a:noFill/>
+        </p:spPr>
+        <p:txBody>
+          <a:bodyPr wrap="square" rtlCol="0">
+            <a:spAutoFit/>
+          </a:bodyPr>
+          <a:lstStyle/>
+          <a:p>
+            <a:pPr algn="ctr"/>
+            <a:r>
+              <a:rPr lang="en-US" sz="2000" b="1" dirty="0">
+                <a:solidFill>
+                  <a:schemeClr val="accent2"/>
+                </a:solidFill>
+              </a:rPr>
+              <a:t>Camera Parameters / Imagery Stream</a:t>
+            </a:r>
+            <a:endParaRPr lang="en-CA" sz="2000" b="1" dirty="0">
+              <a:solidFill>
+                <a:schemeClr val="accent2"/>
+              </a:solidFill>
+            </a:endParaRPr>
+          </a:p>
+        </p:txBody>
+      </p:sp>
+      <p:sp>
+        <p:nvSpPr>
+          <p:cNvPr id="16" name="Rectangle 15">
+            <a:extLst>
+              <a:ext uri="{FF2B5EF4-FFF2-40B4-BE49-F238E27FC236}">
+                <a16:creationId xmlns:a16="http://schemas.microsoft.com/office/drawing/2014/main" id="{B0C32D60-AF2A-58A9-5DA3-794C956F1E80}"/>
+              </a:ext>
+            </a:extLst>
+          </p:cNvPr>
+          <p:cNvSpPr/>
+          <p:nvPr/>
+        </p:nvSpPr>
+        <p:spPr>
+          <a:xfrm>
+            <a:off x="6085161" y="4664889"/>
+            <a:ext cx="1807745" cy="1139580"/>
+          </a:xfrm>
+          <a:prstGeom prst="rect">
+            <a:avLst/>
+          </a:prstGeom>
+          <a:ln w="57150">
+            <a:solidFill>
+              <a:schemeClr val="accent2"/>
+            </a:solidFill>
+          </a:ln>
+        </p:spPr>
+        <p:style>
+          <a:lnRef idx="2">
+            <a:schemeClr val="accent1">
+              <a:shade val="15000"/>
+            </a:schemeClr>
+          </a:lnRef>
+          <a:fillRef idx="1">
+            <a:schemeClr val="accent1"/>
+          </a:fillRef>
+          <a:effectRef idx="0">
+            <a:schemeClr val="accent1"/>
+          </a:effectRef>
+          <a:fontRef idx="minor">
+            <a:schemeClr val="lt1"/>
+          </a:fontRef>
+        </p:style>
+        <p:txBody>
+          <a:bodyPr rtlCol="0" anchor="ctr"/>
+          <a:lstStyle/>
+          <a:p>
+            <a:pPr algn="ctr"/>
+            <a:r>
+              <a:rPr lang="en-US" dirty="0"/>
+              <a:t>Feature Identification</a:t>
+            </a:r>
+            <a:endParaRPr lang="en-CA" dirty="0"/>
+          </a:p>
+        </p:txBody>
+      </p:sp>
+      <p:sp>
+        <p:nvSpPr>
+          <p:cNvPr id="19" name="Rectangle 18">
+            <a:extLst>
+              <a:ext uri="{FF2B5EF4-FFF2-40B4-BE49-F238E27FC236}">
+                <a16:creationId xmlns:a16="http://schemas.microsoft.com/office/drawing/2014/main" id="{3BDC7B51-6E78-EA19-D5F1-4EE5696D1B4F}"/>
+              </a:ext>
+            </a:extLst>
+          </p:cNvPr>
+          <p:cNvSpPr/>
+          <p:nvPr/>
+        </p:nvSpPr>
+        <p:spPr>
+          <a:xfrm>
+            <a:off x="9205044" y="4664889"/>
+            <a:ext cx="1807745" cy="1139580"/>
+          </a:xfrm>
+          <a:prstGeom prst="rect">
+            <a:avLst/>
+          </a:prstGeom>
+          <a:ln w="57150">
+            <a:solidFill>
+              <a:schemeClr val="accent2"/>
+            </a:solidFill>
+          </a:ln>
+        </p:spPr>
+        <p:style>
+          <a:lnRef idx="2">
+            <a:schemeClr val="accent1">
+              <a:shade val="15000"/>
+            </a:schemeClr>
+          </a:lnRef>
+          <a:fillRef idx="1">
+            <a:schemeClr val="accent1"/>
+          </a:fillRef>
+          <a:effectRef idx="0">
+            <a:schemeClr val="accent1"/>
+          </a:effectRef>
+          <a:fontRef idx="minor">
+            <a:schemeClr val="lt1"/>
+          </a:fontRef>
+        </p:style>
+        <p:txBody>
+          <a:bodyPr rtlCol="0" anchor="ctr"/>
+          <a:lstStyle/>
+          <a:p>
+            <a:pPr algn="ctr"/>
+            <a:r>
+              <a:rPr lang="en-US" dirty="0"/>
+              <a:t>Feature Comparison</a:t>
+            </a:r>
+            <a:endParaRPr lang="en-CA" dirty="0"/>
+          </a:p>
+        </p:txBody>
+      </p:sp>
+      <p:sp>
+        <p:nvSpPr>
+          <p:cNvPr id="20" name="Rectangle 19">
+            <a:extLst>
+              <a:ext uri="{FF2B5EF4-FFF2-40B4-BE49-F238E27FC236}">
+                <a16:creationId xmlns:a16="http://schemas.microsoft.com/office/drawing/2014/main" id="{8373AD23-67C1-705D-2DF7-86C670BA9EC5}"/>
+              </a:ext>
+            </a:extLst>
+          </p:cNvPr>
+          <p:cNvSpPr/>
+          <p:nvPr/>
+        </p:nvSpPr>
+        <p:spPr>
+          <a:xfrm>
+            <a:off x="12056571" y="4664889"/>
+            <a:ext cx="2355813" cy="1139580"/>
+          </a:xfrm>
+          <a:prstGeom prst="rect">
+            <a:avLst/>
+          </a:prstGeom>
+          <a:ln w="57150">
+            <a:solidFill>
+              <a:schemeClr val="accent2"/>
+            </a:solidFill>
+          </a:ln>
+        </p:spPr>
+        <p:style>
+          <a:lnRef idx="2">
+            <a:schemeClr val="accent1">
+              <a:shade val="15000"/>
+            </a:schemeClr>
+          </a:lnRef>
+          <a:fillRef idx="1">
+            <a:schemeClr val="accent1"/>
+          </a:fillRef>
+          <a:effectRef idx="0">
+            <a:schemeClr val="accent1"/>
+          </a:effectRef>
+          <a:fontRef idx="minor">
+            <a:schemeClr val="lt1"/>
+          </a:fontRef>
+        </p:style>
+        <p:txBody>
+          <a:bodyPr rtlCol="0" anchor="ctr"/>
+          <a:lstStyle/>
+          <a:p>
+            <a:pPr algn="ctr"/>
+            <a:r>
+              <a:rPr lang="en-US" dirty="0"/>
+              <a:t>Graph Network Generation</a:t>
+            </a:r>
+            <a:endParaRPr lang="en-CA" dirty="0"/>
+          </a:p>
+        </p:txBody>
+      </p:sp>
+      <p:cxnSp>
+        <p:nvCxnSpPr>
+          <p:cNvPr id="21" name="Straight Arrow Connector 20">
+            <a:extLst>
+              <a:ext uri="{FF2B5EF4-FFF2-40B4-BE49-F238E27FC236}">
+                <a16:creationId xmlns:a16="http://schemas.microsoft.com/office/drawing/2014/main" id="{9BDE49B1-BE13-87BB-236A-6EB157488FEF}"/>
+              </a:ext>
+            </a:extLst>
+          </p:cNvPr>
+          <p:cNvCxnSpPr>
+            <a:cxnSpLocks/>
+            <a:stCxn id="19" idx="3"/>
+            <a:endCxn id="20" idx="1"/>
+          </p:cNvCxnSpPr>
+          <p:nvPr/>
+        </p:nvCxnSpPr>
+        <p:spPr>
+          <a:xfrm>
+            <a:off x="11012789" y="5234679"/>
+            <a:ext cx="1043782" cy="0"/>
+          </a:xfrm>
+          <a:prstGeom prst="straightConnector1">
+            <a:avLst/>
+          </a:prstGeom>
+          <a:ln w="57150">
+            <a:solidFill>
+              <a:srgbClr val="DBDBDD"/>
+            </a:solidFill>
+            <a:tailEnd type="triangle"/>
+          </a:ln>
+        </p:spPr>
+        <p:style>
+          <a:lnRef idx="2">
+            <a:schemeClr val="accent1"/>
+          </a:lnRef>
+          <a:fillRef idx="0">
+            <a:schemeClr val="accent1"/>
+          </a:fillRef>
+          <a:effectRef idx="1">
+            <a:schemeClr val="accent1"/>
+          </a:effectRef>
+          <a:fontRef idx="minor">
+            <a:schemeClr val="tx1"/>
+          </a:fontRef>
+        </p:style>
+      </p:cxnSp>
+      <p:cxnSp>
+        <p:nvCxnSpPr>
+          <p:cNvPr id="28" name="Straight Arrow Connector 27">
+            <a:extLst>
+              <a:ext uri="{FF2B5EF4-FFF2-40B4-BE49-F238E27FC236}">
+                <a16:creationId xmlns:a16="http://schemas.microsoft.com/office/drawing/2014/main" id="{830954B9-E852-B0F1-D0EA-40F567635F0E}"/>
+              </a:ext>
+            </a:extLst>
+          </p:cNvPr>
+          <p:cNvCxnSpPr>
+            <a:cxnSpLocks/>
+            <a:stCxn id="16" idx="3"/>
+            <a:endCxn id="19" idx="1"/>
+          </p:cNvCxnSpPr>
+          <p:nvPr/>
+        </p:nvCxnSpPr>
+        <p:spPr>
+          <a:xfrm>
+            <a:off x="7892906" y="5234679"/>
+            <a:ext cx="1312138" cy="0"/>
+          </a:xfrm>
+          <a:prstGeom prst="straightConnector1">
+            <a:avLst/>
+          </a:prstGeom>
+          <a:ln w="57150">
+            <a:solidFill>
+              <a:srgbClr val="DBDBDD"/>
+            </a:solidFill>
+            <a:tailEnd type="triangle"/>
+          </a:ln>
+        </p:spPr>
+        <p:style>
+          <a:lnRef idx="2">
+            <a:schemeClr val="accent1"/>
+          </a:lnRef>
+          <a:fillRef idx="0">
+            <a:schemeClr val="accent1"/>
+          </a:fillRef>
+          <a:effectRef idx="1">
+            <a:schemeClr val="accent1"/>
+          </a:effectRef>
+          <a:fontRef idx="minor">
+            <a:schemeClr val="tx1"/>
+          </a:fontRef>
+        </p:style>
+      </p:cxnSp>
+      <p:cxnSp>
+        <p:nvCxnSpPr>
+          <p:cNvPr id="38" name="Connector: Elbow 37">
+            <a:extLst>
+              <a:ext uri="{FF2B5EF4-FFF2-40B4-BE49-F238E27FC236}">
+                <a16:creationId xmlns:a16="http://schemas.microsoft.com/office/drawing/2014/main" id="{ECF44F3E-B2C1-AFE7-E221-090E09B05420}"/>
+              </a:ext>
+            </a:extLst>
+          </p:cNvPr>
+          <p:cNvCxnSpPr>
+            <a:cxnSpLocks/>
+            <a:stCxn id="42" idx="3"/>
+            <a:endCxn id="16" idx="2"/>
+          </p:cNvCxnSpPr>
+          <p:nvPr/>
+        </p:nvCxnSpPr>
+        <p:spPr>
+          <a:xfrm flipV="1">
+            <a:off x="3393179" y="5804469"/>
+            <a:ext cx="3595855" cy="645928"/>
+          </a:xfrm>
+          <a:prstGeom prst="bentConnector2">
+            <a:avLst/>
+          </a:prstGeom>
+          <a:ln w="57150">
+            <a:solidFill>
+              <a:schemeClr val="accent2"/>
+            </a:solidFill>
+            <a:tailEnd type="triangle"/>
+          </a:ln>
+        </p:spPr>
+        <p:style>
+          <a:lnRef idx="2">
+            <a:schemeClr val="accent1"/>
+          </a:lnRef>
+          <a:fillRef idx="0">
+            <a:schemeClr val="accent1"/>
+          </a:fillRef>
+          <a:effectRef idx="1">
+            <a:schemeClr val="accent1"/>
+          </a:effectRef>
+          <a:fontRef idx="minor">
+            <a:schemeClr val="tx1"/>
+          </a:fontRef>
+        </p:style>
+      </p:cxnSp>
+      <p:sp>
+        <p:nvSpPr>
+          <p:cNvPr id="42" name="TextBox 41">
+            <a:extLst>
+              <a:ext uri="{FF2B5EF4-FFF2-40B4-BE49-F238E27FC236}">
+                <a16:creationId xmlns:a16="http://schemas.microsoft.com/office/drawing/2014/main" id="{E22CAFC8-6C86-FECD-C989-574DA9F2BB3E}"/>
+              </a:ext>
+            </a:extLst>
+          </p:cNvPr>
+          <p:cNvSpPr txBox="1"/>
+          <p:nvPr/>
+        </p:nvSpPr>
+        <p:spPr>
+          <a:xfrm>
+            <a:off x="596224" y="5942565"/>
+            <a:ext cx="2796955" cy="1015663"/>
+          </a:xfrm>
+          <a:prstGeom prst="rect">
+            <a:avLst/>
+          </a:prstGeom>
+          <a:noFill/>
+        </p:spPr>
+        <p:txBody>
+          <a:bodyPr wrap="square" rtlCol="0">
+            <a:spAutoFit/>
+          </a:bodyPr>
+          <a:lstStyle/>
+          <a:p>
+            <a:pPr algn="ctr"/>
+            <a:r>
+              <a:rPr lang="en-US" sz="2000" b="1" dirty="0">
+                <a:solidFill>
+                  <a:schemeClr val="accent2"/>
+                </a:solidFill>
+              </a:rPr>
+              <a:t>Feature Detection Algorithm</a:t>
+            </a:r>
+            <a:r>
+              <a:rPr lang="en-CA" sz="2000" b="1" dirty="0">
+                <a:solidFill>
+                  <a:schemeClr val="accent2"/>
+                </a:solidFill>
+              </a:rPr>
+              <a:t> </a:t>
+            </a:r>
+          </a:p>
+          <a:p>
+            <a:pPr algn="ctr"/>
+            <a:r>
+              <a:rPr lang="en-CA" sz="2000" b="1" dirty="0">
+                <a:solidFill>
+                  <a:schemeClr val="accent2"/>
+                </a:solidFill>
+              </a:rPr>
+              <a:t>w/ Threshold Criteria</a:t>
+            </a:r>
+            <a:endParaRPr lang="en-US" sz="2000" b="1" dirty="0">
+              <a:solidFill>
+                <a:schemeClr val="accent2"/>
+              </a:solidFill>
+            </a:endParaRPr>
+          </a:p>
+        </p:txBody>
+      </p:sp>
+      <p:cxnSp>
+        <p:nvCxnSpPr>
+          <p:cNvPr id="43" name="Connector: Elbow 42">
+            <a:extLst>
+              <a:ext uri="{FF2B5EF4-FFF2-40B4-BE49-F238E27FC236}">
+                <a16:creationId xmlns:a16="http://schemas.microsoft.com/office/drawing/2014/main" id="{FC53E0D4-8C6A-8D74-3670-85EC542E8443}"/>
+              </a:ext>
+            </a:extLst>
+          </p:cNvPr>
+          <p:cNvCxnSpPr>
+            <a:cxnSpLocks/>
+            <a:stCxn id="51" idx="3"/>
+            <a:endCxn id="19" idx="2"/>
+          </p:cNvCxnSpPr>
+          <p:nvPr/>
+        </p:nvCxnSpPr>
+        <p:spPr>
+          <a:xfrm flipV="1">
+            <a:off x="3466895" y="5804469"/>
+            <a:ext cx="6642022" cy="1858375"/>
+          </a:xfrm>
+          <a:prstGeom prst="bentConnector2">
+            <a:avLst/>
+          </a:prstGeom>
+          <a:ln w="57150">
+            <a:solidFill>
+              <a:schemeClr val="accent2"/>
+            </a:solidFill>
+            <a:tailEnd type="triangle"/>
+          </a:ln>
+        </p:spPr>
+        <p:style>
+          <a:lnRef idx="2">
+            <a:schemeClr val="accent1"/>
+          </a:lnRef>
+          <a:fillRef idx="0">
+            <a:schemeClr val="accent1"/>
+          </a:fillRef>
+          <a:effectRef idx="1">
+            <a:schemeClr val="accent1"/>
+          </a:effectRef>
+          <a:fontRef idx="minor">
+            <a:schemeClr val="tx1"/>
+          </a:fontRef>
+        </p:style>
+      </p:cxnSp>
+      <p:sp>
+        <p:nvSpPr>
+          <p:cNvPr id="51" name="TextBox 50">
+            <a:extLst>
+              <a:ext uri="{FF2B5EF4-FFF2-40B4-BE49-F238E27FC236}">
+                <a16:creationId xmlns:a16="http://schemas.microsoft.com/office/drawing/2014/main" id="{919CFB66-FC57-A206-95AB-3A045F11C4B6}"/>
+              </a:ext>
+            </a:extLst>
+          </p:cNvPr>
+          <p:cNvSpPr txBox="1"/>
+          <p:nvPr/>
+        </p:nvSpPr>
+        <p:spPr>
+          <a:xfrm>
+            <a:off x="669940" y="7155012"/>
+            <a:ext cx="2796955" cy="1015663"/>
+          </a:xfrm>
+          <a:prstGeom prst="rect">
+            <a:avLst/>
+          </a:prstGeom>
+          <a:noFill/>
+        </p:spPr>
+        <p:txBody>
+          <a:bodyPr wrap="square" rtlCol="0">
+            <a:spAutoFit/>
+          </a:bodyPr>
+          <a:lstStyle/>
+          <a:p>
+            <a:pPr algn="ctr"/>
+            <a:r>
+              <a:rPr lang="en-US" sz="2000" b="1" dirty="0">
+                <a:solidFill>
+                  <a:schemeClr val="accent2"/>
+                </a:solidFill>
+              </a:rPr>
+              <a:t>Feature Comparison Algorithm</a:t>
+            </a:r>
+            <a:r>
+              <a:rPr lang="en-CA" sz="2000" b="1" dirty="0">
+                <a:solidFill>
+                  <a:schemeClr val="accent2"/>
+                </a:solidFill>
+              </a:rPr>
+              <a:t> </a:t>
+            </a:r>
+          </a:p>
+          <a:p>
+            <a:pPr algn="ctr"/>
+            <a:r>
+              <a:rPr lang="en-CA" sz="2000" b="1" dirty="0">
+                <a:solidFill>
+                  <a:schemeClr val="accent2"/>
+                </a:solidFill>
+              </a:rPr>
+              <a:t>w/ Threshold Criteria</a:t>
+            </a:r>
+            <a:endParaRPr lang="en-US" sz="2000" b="1" dirty="0">
+              <a:solidFill>
+                <a:schemeClr val="accent2"/>
+              </a:solidFill>
+            </a:endParaRPr>
+          </a:p>
+        </p:txBody>
+      </p:sp>
+      <p:cxnSp>
+        <p:nvCxnSpPr>
+          <p:cNvPr id="55" name="Straight Arrow Connector 54">
+            <a:extLst>
+              <a:ext uri="{FF2B5EF4-FFF2-40B4-BE49-F238E27FC236}">
+                <a16:creationId xmlns:a16="http://schemas.microsoft.com/office/drawing/2014/main" id="{3051052B-4941-893B-B217-414DA602290E}"/>
+              </a:ext>
+            </a:extLst>
+          </p:cNvPr>
+          <p:cNvCxnSpPr>
+            <a:cxnSpLocks/>
+            <a:stCxn id="20" idx="3"/>
+          </p:cNvCxnSpPr>
+          <p:nvPr/>
+        </p:nvCxnSpPr>
+        <p:spPr>
+          <a:xfrm>
+            <a:off x="14412384" y="5234679"/>
+            <a:ext cx="2512850" cy="0"/>
+          </a:xfrm>
+          <a:prstGeom prst="straightConnector1">
+            <a:avLst/>
+          </a:prstGeom>
+          <a:ln w="57150">
+            <a:solidFill>
+              <a:schemeClr val="accent2"/>
+            </a:solidFill>
+            <a:tailEnd type="triangle"/>
+          </a:ln>
+        </p:spPr>
+        <p:style>
+          <a:lnRef idx="2">
+            <a:schemeClr val="accent1"/>
+          </a:lnRef>
+          <a:fillRef idx="0">
+            <a:schemeClr val="accent1"/>
+          </a:fillRef>
+          <a:effectRef idx="1">
+            <a:schemeClr val="accent1"/>
+          </a:effectRef>
+          <a:fontRef idx="minor">
+            <a:schemeClr val="tx1"/>
+          </a:fontRef>
+        </p:style>
+      </p:cxnSp>
+      <p:sp>
+        <p:nvSpPr>
+          <p:cNvPr id="57" name="TextBox 56">
+            <a:extLst>
+              <a:ext uri="{FF2B5EF4-FFF2-40B4-BE49-F238E27FC236}">
+                <a16:creationId xmlns:a16="http://schemas.microsoft.com/office/drawing/2014/main" id="{C54C6026-016E-C333-E7C6-03FB0ADAE42D}"/>
+              </a:ext>
+            </a:extLst>
+          </p:cNvPr>
+          <p:cNvSpPr txBox="1"/>
+          <p:nvPr/>
+        </p:nvSpPr>
+        <p:spPr>
+          <a:xfrm>
+            <a:off x="16932930" y="4905892"/>
+            <a:ext cx="3105008" cy="707886"/>
+          </a:xfrm>
+          <a:prstGeom prst="rect">
+            <a:avLst/>
+          </a:prstGeom>
+          <a:noFill/>
+        </p:spPr>
+        <p:txBody>
+          <a:bodyPr wrap="square" rtlCol="0">
+            <a:spAutoFit/>
+          </a:bodyPr>
+          <a:lstStyle/>
+          <a:p>
+            <a:pPr algn="ctr"/>
+            <a:r>
+              <a:rPr lang="en-US" sz="2000" b="1" dirty="0">
+                <a:solidFill>
+                  <a:schemeClr val="accent2"/>
+                </a:solidFill>
+              </a:rPr>
+              <a:t>Graph Network</a:t>
+            </a:r>
+          </a:p>
+          <a:p>
+            <a:pPr algn="ctr"/>
+            <a:r>
+              <a:rPr lang="en-US" sz="2000" b="1" dirty="0">
+                <a:solidFill>
+                  <a:schemeClr val="accent2"/>
+                </a:solidFill>
+              </a:rPr>
+              <a:t>Flagged Transforms</a:t>
+            </a:r>
+            <a:endParaRPr lang="en-CA" sz="2000" b="1" dirty="0">
+              <a:solidFill>
+                <a:schemeClr val="accent2"/>
+              </a:solidFill>
+            </a:endParaRPr>
+          </a:p>
+        </p:txBody>
+      </p:sp>
+      <p:sp>
+        <p:nvSpPr>
+          <p:cNvPr id="59" name="TextBox 58">
+            <a:extLst>
+              <a:ext uri="{FF2B5EF4-FFF2-40B4-BE49-F238E27FC236}">
+                <a16:creationId xmlns:a16="http://schemas.microsoft.com/office/drawing/2014/main" id="{FA63F20B-84E5-F03A-1404-4AAEB22F1B97}"/>
+              </a:ext>
+            </a:extLst>
+          </p:cNvPr>
+          <p:cNvSpPr txBox="1"/>
+          <p:nvPr/>
+        </p:nvSpPr>
+        <p:spPr>
+          <a:xfrm>
+            <a:off x="6541711" y="3595398"/>
+            <a:ext cx="7234989" cy="523220"/>
+          </a:xfrm>
+          <a:prstGeom prst="rect">
+            <a:avLst/>
+          </a:prstGeom>
+          <a:noFill/>
+        </p:spPr>
+        <p:txBody>
+          <a:bodyPr wrap="square" rtlCol="0">
+            <a:spAutoFit/>
+          </a:bodyPr>
+          <a:lstStyle/>
+          <a:p>
+            <a:pPr algn="ctr"/>
+            <a:r>
+              <a:rPr lang="en-US" sz="2800" b="1" i="1" dirty="0">
+                <a:solidFill>
+                  <a:schemeClr val="tx2">
+                    <a:lumMod val="95000"/>
+                  </a:schemeClr>
+                </a:solidFill>
+              </a:rPr>
+              <a:t>Image Feature Correspondence Software</a:t>
+            </a:r>
+            <a:endParaRPr lang="en-CA" sz="2800" b="1" i="1" dirty="0">
+              <a:solidFill>
+                <a:schemeClr val="tx2">
+                  <a:lumMod val="95000"/>
+                </a:schemeClr>
+              </a:solidFill>
+            </a:endParaRPr>
+          </a:p>
+        </p:txBody>
+      </p:sp>
+    </p:spTree>
+    <p:extLst>
+      <p:ext uri="{BB962C8B-B14F-4D97-AF65-F5344CB8AC3E}">
+        <p14:creationId xmlns:p14="http://schemas.microsoft.com/office/powerpoint/2010/main" val="1245787393"/>
+      </p:ext>
+    </p:extLst>
+  </p:cSld>
+  <p:clrMapOvr>
+    <a:masterClrMapping/>
+  </p:clrMapOvr>
+  <p:timing>
+    <p:tnLst>
+      <p:par>
+        <p:cTn id="1" dur="indefinite" restart="never" nodeType="tmRoot">
+          <p:childTnLst>
+            <p:seq concurrent="1" nextAc="seek">
+              <p:cTn id="2" dur="indefinite" nodeType="mainSeq">
+                <p:childTnLst>
+                  <p:par>
+                    <p:cTn id="3" fill="hold">
+                      <p:stCondLst>
+                        <p:cond delay="indefinite"/>
+                      </p:stCondLst>
+                      <p:childTnLst>
+                        <p:par>
+                          <p:cTn id="4" fill="hold">
+                            <p:stCondLst>
+                              <p:cond delay="0"/>
+                            </p:stCondLst>
+                            <p:childTnLst>
+                              <p:par>
+                                <p:cTn id="5" presetID="1" presetClass="entr" presetSubtype="0" fill="hold" grpId="0" nodeType="clickEffect">
+                                  <p:stCondLst>
+                                    <p:cond delay="0"/>
+                                  </p:stCondLst>
+                                  <p:childTnLst>
+                                    <p:set>
+                                      <p:cBhvr>
+                                        <p:cTn id="6" dur="1" fill="hold">
+                                          <p:stCondLst>
+                                            <p:cond delay="0"/>
+                                          </p:stCondLst>
+                                        </p:cTn>
+                                        <p:tgtEl>
+                                          <p:spTgt spid="13"/>
+                                        </p:tgtEl>
+                                        <p:attrNameLst>
+                                          <p:attrName>style.visibility</p:attrName>
+                                        </p:attrNameLst>
+                                      </p:cBhvr>
+                                      <p:to>
+                                        <p:strVal val="visible"/>
+                                      </p:to>
+                                    </p:set>
+                                  </p:childTnLst>
+                                </p:cTn>
+                              </p:par>
+                              <p:par>
+                                <p:cTn id="7" presetID="1" presetClass="entr" presetSubtype="0" fill="hold" nodeType="withEffect">
+                                  <p:stCondLst>
+                                    <p:cond delay="0"/>
+                                  </p:stCondLst>
+                                  <p:childTnLst>
+                                    <p:set>
+                                      <p:cBhvr>
+                                        <p:cTn id="8" dur="1" fill="hold">
+                                          <p:stCondLst>
+                                            <p:cond delay="0"/>
+                                          </p:stCondLst>
+                                        </p:cTn>
+                                        <p:tgtEl>
+                                          <p:spTgt spid="12"/>
+                                        </p:tgtEl>
+                                        <p:attrNameLst>
+                                          <p:attrName>style.visibility</p:attrName>
+                                        </p:attrNameLst>
+                                      </p:cBhvr>
+                                      <p:to>
+                                        <p:strVal val="visible"/>
+                                      </p:to>
+                                    </p:set>
+                                  </p:childTnLst>
+                                </p:cTn>
+                              </p:par>
+                              <p:par>
+                                <p:cTn id="9" presetID="1" presetClass="entr" presetSubtype="0" fill="hold" grpId="0" nodeType="withEffect">
+                                  <p:stCondLst>
+                                    <p:cond delay="0"/>
+                                  </p:stCondLst>
+                                  <p:childTnLst>
+                                    <p:set>
+                                      <p:cBhvr>
+                                        <p:cTn id="10" dur="1" fill="hold">
+                                          <p:stCondLst>
+                                            <p:cond delay="0"/>
+                                          </p:stCondLst>
+                                        </p:cTn>
+                                        <p:tgtEl>
+                                          <p:spTgt spid="57"/>
+                                        </p:tgtEl>
+                                        <p:attrNameLst>
+                                          <p:attrName>style.visibility</p:attrName>
+                                        </p:attrNameLst>
+                                      </p:cBhvr>
+                                      <p:to>
+                                        <p:strVal val="visible"/>
+                                      </p:to>
+                                    </p:set>
+                                  </p:childTnLst>
+                                </p:cTn>
+                              </p:par>
+                              <p:par>
+                                <p:cTn id="11" presetID="1" presetClass="entr" presetSubtype="0" fill="hold" nodeType="withEffect">
+                                  <p:stCondLst>
+                                    <p:cond delay="0"/>
+                                  </p:stCondLst>
+                                  <p:childTnLst>
+                                    <p:set>
+                                      <p:cBhvr>
+                                        <p:cTn id="12" dur="1" fill="hold">
+                                          <p:stCondLst>
+                                            <p:cond delay="0"/>
+                                          </p:stCondLst>
+                                        </p:cTn>
+                                        <p:tgtEl>
+                                          <p:spTgt spid="55"/>
+                                        </p:tgtEl>
+                                        <p:attrNameLst>
+                                          <p:attrName>style.visibility</p:attrName>
+                                        </p:attrNameLst>
+                                      </p:cBhvr>
+                                      <p:to>
+                                        <p:strVal val="visible"/>
+                                      </p:to>
+                                    </p:set>
+                                  </p:childTnLst>
+                                </p:cTn>
+                              </p:par>
+                            </p:childTnLst>
+                          </p:cTn>
+                        </p:par>
+                      </p:childTnLst>
+                    </p:cTn>
+                  </p:par>
+                  <p:par>
+                    <p:cTn id="13" fill="hold">
+                      <p:stCondLst>
+                        <p:cond delay="indefinite"/>
+                      </p:stCondLst>
+                      <p:childTnLst>
+                        <p:par>
+                          <p:cTn id="14" fill="hold">
+                            <p:stCondLst>
+                              <p:cond delay="0"/>
+                            </p:stCondLst>
+                            <p:childTnLst>
+                              <p:par>
+                                <p:cTn id="15" presetID="1" presetClass="entr" presetSubtype="0" fill="hold" grpId="0" nodeType="clickEffect">
+                                  <p:stCondLst>
+                                    <p:cond delay="0"/>
+                                  </p:stCondLst>
+                                  <p:childTnLst>
+                                    <p:set>
+                                      <p:cBhvr>
+                                        <p:cTn id="16" dur="1" fill="hold">
+                                          <p:stCondLst>
+                                            <p:cond delay="0"/>
+                                          </p:stCondLst>
+                                        </p:cTn>
+                                        <p:tgtEl>
+                                          <p:spTgt spid="16"/>
+                                        </p:tgtEl>
+                                        <p:attrNameLst>
+                                          <p:attrName>style.visibility</p:attrName>
+                                        </p:attrNameLst>
+                                      </p:cBhvr>
+                                      <p:to>
+                                        <p:strVal val="visible"/>
+                                      </p:to>
+                                    </p:set>
+                                  </p:childTnLst>
+                                </p:cTn>
+                              </p:par>
+                              <p:par>
+                                <p:cTn id="17" presetID="1" presetClass="entr" presetSubtype="0" fill="hold" nodeType="withEffect">
+                                  <p:stCondLst>
+                                    <p:cond delay="0"/>
+                                  </p:stCondLst>
+                                  <p:childTnLst>
+                                    <p:set>
+                                      <p:cBhvr>
+                                        <p:cTn id="18" dur="1" fill="hold">
+                                          <p:stCondLst>
+                                            <p:cond delay="0"/>
+                                          </p:stCondLst>
+                                        </p:cTn>
+                                        <p:tgtEl>
+                                          <p:spTgt spid="28"/>
+                                        </p:tgtEl>
+                                        <p:attrNameLst>
+                                          <p:attrName>style.visibility</p:attrName>
+                                        </p:attrNameLst>
+                                      </p:cBhvr>
+                                      <p:to>
+                                        <p:strVal val="visible"/>
+                                      </p:to>
+                                    </p:set>
+                                  </p:childTnLst>
+                                </p:cTn>
+                              </p:par>
+                            </p:childTnLst>
+                          </p:cTn>
+                        </p:par>
+                      </p:childTnLst>
+                    </p:cTn>
+                  </p:par>
+                  <p:par>
+                    <p:cTn id="19" fill="hold">
+                      <p:stCondLst>
+                        <p:cond delay="indefinite"/>
+                      </p:stCondLst>
+                      <p:childTnLst>
+                        <p:par>
+                          <p:cTn id="20" fill="hold">
+                            <p:stCondLst>
+                              <p:cond delay="0"/>
+                            </p:stCondLst>
+                            <p:childTnLst>
+                              <p:par>
+                                <p:cTn id="21" presetID="1" presetClass="entr" presetSubtype="0" fill="hold" grpId="0" nodeType="clickEffect">
+                                  <p:stCondLst>
+                                    <p:cond delay="0"/>
+                                  </p:stCondLst>
+                                  <p:childTnLst>
+                                    <p:set>
+                                      <p:cBhvr>
+                                        <p:cTn id="22" dur="1" fill="hold">
+                                          <p:stCondLst>
+                                            <p:cond delay="0"/>
+                                          </p:stCondLst>
+                                        </p:cTn>
+                                        <p:tgtEl>
+                                          <p:spTgt spid="19"/>
+                                        </p:tgtEl>
+                                        <p:attrNameLst>
+                                          <p:attrName>style.visibility</p:attrName>
+                                        </p:attrNameLst>
+                                      </p:cBhvr>
+                                      <p:to>
+                                        <p:strVal val="visible"/>
+                                      </p:to>
+                                    </p:set>
+                                  </p:childTnLst>
+                                </p:cTn>
+                              </p:par>
+                              <p:par>
+                                <p:cTn id="23" presetID="1" presetClass="entr" presetSubtype="0" fill="hold" nodeType="withEffect">
+                                  <p:stCondLst>
+                                    <p:cond delay="0"/>
+                                  </p:stCondLst>
+                                  <p:childTnLst>
+                                    <p:set>
+                                      <p:cBhvr>
+                                        <p:cTn id="24" dur="1" fill="hold">
+                                          <p:stCondLst>
+                                            <p:cond delay="0"/>
+                                          </p:stCondLst>
+                                        </p:cTn>
+                                        <p:tgtEl>
+                                          <p:spTgt spid="21"/>
+                                        </p:tgtEl>
+                                        <p:attrNameLst>
+                                          <p:attrName>style.visibility</p:attrName>
+                                        </p:attrNameLst>
+                                      </p:cBhvr>
+                                      <p:to>
+                                        <p:strVal val="visible"/>
+                                      </p:to>
+                                    </p:set>
+                                  </p:childTnLst>
+                                </p:cTn>
+                              </p:par>
+                            </p:childTnLst>
+                          </p:cTn>
+                        </p:par>
+                      </p:childTnLst>
+                    </p:cTn>
+                  </p:par>
+                  <p:par>
+                    <p:cTn id="25" fill="hold">
+                      <p:stCondLst>
+                        <p:cond delay="indefinite"/>
+                      </p:stCondLst>
+                      <p:childTnLst>
+                        <p:par>
+                          <p:cTn id="26" fill="hold">
+                            <p:stCondLst>
+                              <p:cond delay="0"/>
+                            </p:stCondLst>
+                            <p:childTnLst>
+                              <p:par>
+                                <p:cTn id="27" presetID="1" presetClass="entr" presetSubtype="0" fill="hold" grpId="0" nodeType="clickEffect">
+                                  <p:stCondLst>
+                                    <p:cond delay="0"/>
+                                  </p:stCondLst>
+                                  <p:childTnLst>
+                                    <p:set>
+                                      <p:cBhvr>
+                                        <p:cTn id="28" dur="1" fill="hold">
+                                          <p:stCondLst>
+                                            <p:cond delay="0"/>
+                                          </p:stCondLst>
+                                        </p:cTn>
+                                        <p:tgtEl>
+                                          <p:spTgt spid="20"/>
+                                        </p:tgtEl>
+                                        <p:attrNameLst>
+                                          <p:attrName>style.visibility</p:attrName>
+                                        </p:attrNameLst>
+                                      </p:cBhvr>
+                                      <p:to>
+                                        <p:strVal val="visible"/>
+                                      </p:to>
+                                    </p:set>
+                                  </p:childTnLst>
+                                </p:cTn>
+                              </p:par>
+                            </p:childTnLst>
+                          </p:cTn>
+                        </p:par>
+                      </p:childTnLst>
+                    </p:cTn>
+                  </p:par>
+                  <p:par>
+                    <p:cTn id="29" fill="hold">
+                      <p:stCondLst>
+                        <p:cond delay="indefinite"/>
+                      </p:stCondLst>
+                      <p:childTnLst>
+                        <p:par>
+                          <p:cTn id="30" fill="hold">
+                            <p:stCondLst>
+                              <p:cond delay="0"/>
+                            </p:stCondLst>
+                            <p:childTnLst>
+                              <p:par>
+                                <p:cTn id="31" presetID="10" presetClass="entr" presetSubtype="0" fill="hold" nodeType="clickEffect">
+                                  <p:stCondLst>
+                                    <p:cond delay="0"/>
+                                  </p:stCondLst>
+                                  <p:childTnLst>
+                                    <p:set>
+                                      <p:cBhvr>
+                                        <p:cTn id="32" dur="1" fill="hold">
+                                          <p:stCondLst>
+                                            <p:cond delay="0"/>
+                                          </p:stCondLst>
+                                        </p:cTn>
+                                        <p:tgtEl>
+                                          <p:spTgt spid="38"/>
+                                        </p:tgtEl>
+                                        <p:attrNameLst>
+                                          <p:attrName>style.visibility</p:attrName>
+                                        </p:attrNameLst>
+                                      </p:cBhvr>
+                                      <p:to>
+                                        <p:strVal val="visible"/>
+                                      </p:to>
+                                    </p:set>
+                                    <p:animEffect transition="in" filter="fade">
+                                      <p:cBhvr>
+                                        <p:cTn id="33" dur="500"/>
+                                        <p:tgtEl>
+                                          <p:spTgt spid="38"/>
+                                        </p:tgtEl>
+                                      </p:cBhvr>
+                                    </p:animEffect>
+                                  </p:childTnLst>
+                                </p:cTn>
+                              </p:par>
+                              <p:par>
+                                <p:cTn id="34" presetID="1" presetClass="entr" presetSubtype="0" fill="hold" grpId="0" nodeType="withEffect">
+                                  <p:stCondLst>
+                                    <p:cond delay="0"/>
+                                  </p:stCondLst>
+                                  <p:childTnLst>
+                                    <p:set>
+                                      <p:cBhvr>
+                                        <p:cTn id="35" dur="1" fill="hold">
+                                          <p:stCondLst>
+                                            <p:cond delay="0"/>
+                                          </p:stCondLst>
+                                        </p:cTn>
+                                        <p:tgtEl>
+                                          <p:spTgt spid="42"/>
+                                        </p:tgtEl>
+                                        <p:attrNameLst>
+                                          <p:attrName>style.visibility</p:attrName>
+                                        </p:attrNameLst>
+                                      </p:cBhvr>
+                                      <p:to>
+                                        <p:strVal val="visible"/>
+                                      </p:to>
+                                    </p:set>
+                                  </p:childTnLst>
+                                </p:cTn>
+                              </p:par>
+                            </p:childTnLst>
+                          </p:cTn>
+                        </p:par>
+                      </p:childTnLst>
+                    </p:cTn>
+                  </p:par>
+                  <p:par>
+                    <p:cTn id="36" fill="hold">
+                      <p:stCondLst>
+                        <p:cond delay="indefinite"/>
+                      </p:stCondLst>
+                      <p:childTnLst>
+                        <p:par>
+                          <p:cTn id="37" fill="hold">
+                            <p:stCondLst>
+                              <p:cond delay="0"/>
+                            </p:stCondLst>
+                            <p:childTnLst>
+                              <p:par>
+                                <p:cTn id="38" presetID="1" presetClass="entr" presetSubtype="0" fill="hold" nodeType="clickEffect">
+                                  <p:stCondLst>
+                                    <p:cond delay="0"/>
+                                  </p:stCondLst>
+                                  <p:childTnLst>
+                                    <p:set>
+                                      <p:cBhvr>
+                                        <p:cTn id="39" dur="1" fill="hold">
+                                          <p:stCondLst>
+                                            <p:cond delay="0"/>
+                                          </p:stCondLst>
+                                        </p:cTn>
+                                        <p:tgtEl>
+                                          <p:spTgt spid="43"/>
+                                        </p:tgtEl>
+                                        <p:attrNameLst>
+                                          <p:attrName>style.visibility</p:attrName>
+                                        </p:attrNameLst>
+                                      </p:cBhvr>
+                                      <p:to>
+                                        <p:strVal val="visible"/>
+                                      </p:to>
+                                    </p:set>
+                                  </p:childTnLst>
+                                </p:cTn>
+                              </p:par>
+                              <p:par>
+                                <p:cTn id="40" presetID="1" presetClass="entr" presetSubtype="0" fill="hold" grpId="0" nodeType="withEffect">
+                                  <p:stCondLst>
+                                    <p:cond delay="0"/>
+                                  </p:stCondLst>
+                                  <p:childTnLst>
+                                    <p:set>
+                                      <p:cBhvr>
+                                        <p:cTn id="41" dur="1" fill="hold">
+                                          <p:stCondLst>
+                                            <p:cond delay="0"/>
+                                          </p:stCondLst>
+                                        </p:cTn>
+                                        <p:tgtEl>
+                                          <p:spTgt spid="51"/>
+                                        </p:tgtEl>
+                                        <p:attrNameLst>
+                                          <p:attrName>style.visibility</p:attrName>
+                                        </p:attrNameLst>
+                                      </p:cBhvr>
+                                      <p:to>
+                                        <p:strVal val="visible"/>
+                                      </p:to>
+                                    </p:set>
+                                  </p:childTnLst>
+                                </p:cTn>
+                              </p:par>
+                            </p:childTnLst>
+                          </p:cTn>
+                        </p:par>
+                      </p:childTnLst>
+                    </p:cTn>
+                  </p:par>
+                </p:childTnLst>
+              </p:cTn>
+              <p:prevCondLst>
+                <p:cond evt="onPrev" delay="0">
+                  <p:tgtEl>
+                    <p:sldTgt/>
+                  </p:tgtEl>
+                </p:cond>
+              </p:prevCondLst>
+              <p:nextCondLst>
+                <p:cond evt="onNext" delay="0">
+                  <p:tgtEl>
+                    <p:sldTgt/>
+                  </p:tgtEl>
+                </p:cond>
+              </p:nextCondLst>
+            </p:seq>
+          </p:childTnLst>
+        </p:cTn>
+      </p:par>
+    </p:tnLst>
+    <p:bldLst>
+      <p:bldP spid="13" grpId="0"/>
+      <p:bldP spid="16" grpId="0" animBg="1"/>
+      <p:bldP spid="19" grpId="0" animBg="1"/>
+      <p:bldP spid="20" grpId="0" animBg="1"/>
+      <p:bldP spid="42" grpId="0"/>
+      <p:bldP spid="51" grpId="0"/>
+      <p:bldP spid="57" grpId="0"/>
+    </p:bldLst>
+  </p:timing>
+</p:sld>
+</file>
+
+<file path=ppt/slides/slide4.xml><?xml version="1.0" encoding="utf-8"?>
 <p:sld xmlns:a="http://schemas.openxmlformats.org/drawingml/2006/main" xmlns:r="http://schemas.openxmlformats.org/officeDocument/2006/relationships" xmlns:p="http://schemas.openxmlformats.org/presentationml/2006/main">
   <p:cSld>
     <p:spTree>
@@ -35780,7 +38935,7 @@
             <a:fld id="{D2792E9C-7E5E-F14F-B049-5BFE22D713B7}" type="datetime4">
               <a:rPr lang="en-CA" smtClean="0"/>
               <a:pPr/>
-              <a:t>January 23, 2025</a:t>
+              <a:t>January 24, 2025</a:t>
             </a:fld>
             <a:endParaRPr lang="en-US" dirty="0"/>
           </a:p>
@@ -35810,7 +38965,7 @@
             <a:fld id="{991AB9B0-3E43-D847-B073-60FE8FAFFDB7}" type="slidenum">
               <a:rPr lang="en-US" smtClean="0"/>
               <a:pPr/>
-              <a:t>3</a:t>
+              <a:t>4</a:t>
             </a:fld>
             <a:endParaRPr lang="en-US" dirty="0"/>
           </a:p>
@@ -36650,10 +39805,93 @@
   <p:clrMapOvr>
     <a:masterClrMapping/>
   </p:clrMapOvr>
+  <p:timing>
+    <p:tnLst>
+      <p:par>
+        <p:cTn id="1" dur="indefinite" restart="never" nodeType="tmRoot">
+          <p:childTnLst>
+            <p:seq concurrent="1" nextAc="seek">
+              <p:cTn id="2" dur="indefinite" nodeType="mainSeq">
+                <p:childTnLst>
+                  <p:par>
+                    <p:cTn id="3" fill="hold">
+                      <p:stCondLst>
+                        <p:cond delay="indefinite"/>
+                      </p:stCondLst>
+                      <p:childTnLst>
+                        <p:par>
+                          <p:cTn id="4" fill="hold">
+                            <p:stCondLst>
+                              <p:cond delay="0"/>
+                            </p:stCondLst>
+                            <p:childTnLst>
+                              <p:par>
+                                <p:cTn id="5" presetID="10" presetClass="entr" presetSubtype="0" fill="hold" nodeType="clickEffect">
+                                  <p:stCondLst>
+                                    <p:cond delay="0"/>
+                                  </p:stCondLst>
+                                  <p:childTnLst>
+                                    <p:set>
+                                      <p:cBhvr>
+                                        <p:cTn id="6" dur="1" fill="hold">
+                                          <p:stCondLst>
+                                            <p:cond delay="0"/>
+                                          </p:stCondLst>
+                                        </p:cTn>
+                                        <p:tgtEl>
+                                          <p:spTgt spid="7"/>
+                                        </p:tgtEl>
+                                        <p:attrNameLst>
+                                          <p:attrName>style.visibility</p:attrName>
+                                        </p:attrNameLst>
+                                      </p:cBhvr>
+                                      <p:to>
+                                        <p:strVal val="visible"/>
+                                      </p:to>
+                                    </p:set>
+                                    <p:animEffect transition="in" filter="fade">
+                                      <p:cBhvr>
+                                        <p:cTn id="7" dur="500"/>
+                                        <p:tgtEl>
+                                          <p:spTgt spid="7"/>
+                                        </p:tgtEl>
+                                      </p:cBhvr>
+                                    </p:animEffect>
+                                  </p:childTnLst>
+                                </p:cTn>
+                              </p:par>
+                            </p:childTnLst>
+                          </p:cTn>
+                        </p:par>
+                      </p:childTnLst>
+                    </p:cTn>
+                  </p:par>
+                </p:childTnLst>
+              </p:cTn>
+              <p:prevCondLst>
+                <p:cond evt="onPrev" delay="0">
+                  <p:tgtEl>
+                    <p:sldTgt/>
+                  </p:tgtEl>
+                </p:cond>
+              </p:prevCondLst>
+              <p:nextCondLst>
+                <p:cond evt="onNext" delay="0">
+                  <p:tgtEl>
+                    <p:sldTgt/>
+                  </p:tgtEl>
+                </p:cond>
+              </p:nextCondLst>
+            </p:seq>
+          </p:childTnLst>
+        </p:cTn>
+      </p:par>
+    </p:tnLst>
+  </p:timing>
 </p:sld>
 </file>
 
-<file path=ppt/slides/slide4.xml><?xml version="1.0" encoding="utf-8"?>
+<file path=ppt/slides/slide5.xml><?xml version="1.0" encoding="utf-8"?>
 <p:sld xmlns:a="http://schemas.openxmlformats.org/drawingml/2006/main" xmlns:r="http://schemas.openxmlformats.org/officeDocument/2006/relationships" xmlns:p="http://schemas.openxmlformats.org/presentationml/2006/main">
   <p:cSld>
     <p:spTree>
@@ -36729,7 +39967,7 @@
             <a:fld id="{D2792E9C-7E5E-F14F-B049-5BFE22D713B7}" type="datetime4">
               <a:rPr lang="en-CA" smtClean="0"/>
               <a:pPr/>
-              <a:t>January 23, 2025</a:t>
+              <a:t>January 24, 2025</a:t>
             </a:fld>
             <a:endParaRPr lang="en-US" dirty="0"/>
           </a:p>
@@ -36759,7 +39997,7 @@
             <a:fld id="{991AB9B0-3E43-D847-B073-60FE8FAFFDB7}" type="slidenum">
               <a:rPr lang="en-US" smtClean="0"/>
               <a:pPr/>
-              <a:t>4</a:t>
+              <a:t>5</a:t>
             </a:fld>
             <a:endParaRPr lang="en-US"/>
           </a:p>
@@ -36780,7 +40018,7 @@
           <p:nvPr>
             <p:extLst>
               <p:ext uri="{D42A27DB-BD31-4B8C-83A1-F6EECF244321}">
-                <p14:modId xmlns:p14="http://schemas.microsoft.com/office/powerpoint/2010/main" val="2511844594"/>
+                <p14:modId xmlns:p14="http://schemas.microsoft.com/office/powerpoint/2010/main" val="4119154298"/>
               </p:ext>
             </p:extLst>
           </p:nvPr>
@@ -36997,7 +40235,19 @@
                     <a:p>
                       <a:r>
                         <a:rPr lang="en-US" dirty="0"/>
-                        <a:t>The ambient illumination conditions remain constant between successive images.</a:t>
+                        <a:t>The ambient illumination conditions remain constant between successive images. [</a:t>
+                      </a:r>
+                      <a:r>
+                        <a:rPr lang="en-US" b="1" dirty="0">
+                          <a:solidFill>
+                            <a:srgbClr val="C00000"/>
+                          </a:solidFill>
+                        </a:rPr>
+                        <a:t>TM02</a:t>
+                      </a:r>
+                      <a:r>
+                        <a:rPr lang="en-US" dirty="0"/>
+                        <a:t>]</a:t>
                       </a:r>
                       <a:endParaRPr lang="en-CA" dirty="0"/>
                     </a:p>
@@ -37124,7 +40374,19 @@
                       </a:pPr>
                       <a:r>
                         <a:rPr lang="en-US" dirty="0"/>
-                        <a:t>Overlap between the FOV of any cameras is not guaranteed.</a:t>
+                        <a:t>Overlap between the FOV of any cameras is not guaranteed. [</a:t>
+                      </a:r>
+                      <a:r>
+                        <a:rPr lang="en-US" b="1" dirty="0">
+                          <a:solidFill>
+                            <a:srgbClr val="C00000"/>
+                          </a:solidFill>
+                        </a:rPr>
+                        <a:t>LC01</a:t>
+                      </a:r>
+                      <a:r>
+                        <a:rPr lang="en-US" dirty="0"/>
+                        <a:t>]</a:t>
                       </a:r>
                       <a:endParaRPr lang="en-CA" dirty="0"/>
                     </a:p>
@@ -37251,7 +40513,19 @@
                       </a:pPr>
                       <a:r>
                         <a:rPr lang="en-US" dirty="0"/>
-                        <a:t>Features may be extracted from each camera frame. *</a:t>
+                        <a:t>Features may be extracted from each camera frame. [</a:t>
+                      </a:r>
+                      <a:r>
+                        <a:rPr lang="en-US" b="1" dirty="0">
+                          <a:solidFill>
+                            <a:srgbClr val="C00000"/>
+                          </a:solidFill>
+                        </a:rPr>
+                        <a:t>LC01</a:t>
+                      </a:r>
+                      <a:r>
+                        <a:rPr lang="en-US" dirty="0"/>
+                        <a:t>]</a:t>
                       </a:r>
                       <a:endParaRPr lang="en-CA" dirty="0"/>
                     </a:p>
@@ -37656,7 +40930,19 @@
                       </a:pPr>
                       <a:r>
                         <a:rPr lang="en-US" dirty="0"/>
-                        <a:t>The transform between the robot coordinate measurement and the robot base frame is assumed to be used as an input.</a:t>
+                        <a:t>The transform between the robot coordinate measurement and the robot base frame is assumed to be used as an input. [</a:t>
+                      </a:r>
+                      <a:r>
+                        <a:rPr lang="en-US" b="1" dirty="0">
+                          <a:solidFill>
+                            <a:srgbClr val="C00000"/>
+                          </a:solidFill>
+                        </a:rPr>
+                        <a:t>LC01</a:t>
+                      </a:r>
+                      <a:r>
+                        <a:rPr lang="en-US" dirty="0"/>
+                        <a:t>]</a:t>
                       </a:r>
                     </a:p>
                   </a:txBody>
@@ -37857,10 +41143,93 @@
   <p:clrMapOvr>
     <a:masterClrMapping/>
   </p:clrMapOvr>
+  <p:timing>
+    <p:tnLst>
+      <p:par>
+        <p:cTn id="1" dur="indefinite" restart="never" nodeType="tmRoot">
+          <p:childTnLst>
+            <p:seq concurrent="1" nextAc="seek">
+              <p:cTn id="2" dur="indefinite" nodeType="mainSeq">
+                <p:childTnLst>
+                  <p:par>
+                    <p:cTn id="3" fill="hold">
+                      <p:stCondLst>
+                        <p:cond delay="indefinite"/>
+                      </p:stCondLst>
+                      <p:childTnLst>
+                        <p:par>
+                          <p:cTn id="4" fill="hold">
+                            <p:stCondLst>
+                              <p:cond delay="0"/>
+                            </p:stCondLst>
+                            <p:childTnLst>
+                              <p:par>
+                                <p:cTn id="5" presetID="10" presetClass="entr" presetSubtype="0" fill="hold" nodeType="clickEffect">
+                                  <p:stCondLst>
+                                    <p:cond delay="0"/>
+                                  </p:stCondLst>
+                                  <p:childTnLst>
+                                    <p:set>
+                                      <p:cBhvr>
+                                        <p:cTn id="6" dur="1" fill="hold">
+                                          <p:stCondLst>
+                                            <p:cond delay="0"/>
+                                          </p:stCondLst>
+                                        </p:cTn>
+                                        <p:tgtEl>
+                                          <p:spTgt spid="7"/>
+                                        </p:tgtEl>
+                                        <p:attrNameLst>
+                                          <p:attrName>style.visibility</p:attrName>
+                                        </p:attrNameLst>
+                                      </p:cBhvr>
+                                      <p:to>
+                                        <p:strVal val="visible"/>
+                                      </p:to>
+                                    </p:set>
+                                    <p:animEffect transition="in" filter="fade">
+                                      <p:cBhvr>
+                                        <p:cTn id="7" dur="500"/>
+                                        <p:tgtEl>
+                                          <p:spTgt spid="7"/>
+                                        </p:tgtEl>
+                                      </p:cBhvr>
+                                    </p:animEffect>
+                                  </p:childTnLst>
+                                </p:cTn>
+                              </p:par>
+                            </p:childTnLst>
+                          </p:cTn>
+                        </p:par>
+                      </p:childTnLst>
+                    </p:cTn>
+                  </p:par>
+                </p:childTnLst>
+              </p:cTn>
+              <p:prevCondLst>
+                <p:cond evt="onPrev" delay="0">
+                  <p:tgtEl>
+                    <p:sldTgt/>
+                  </p:tgtEl>
+                </p:cond>
+              </p:prevCondLst>
+              <p:nextCondLst>
+                <p:cond evt="onNext" delay="0">
+                  <p:tgtEl>
+                    <p:sldTgt/>
+                  </p:tgtEl>
+                </p:cond>
+              </p:nextCondLst>
+            </p:seq>
+          </p:childTnLst>
+        </p:cTn>
+      </p:par>
+    </p:tnLst>
+  </p:timing>
 </p:sld>
 </file>
 
-<file path=ppt/slides/slide5.xml><?xml version="1.0" encoding="utf-8"?>
+<file path=ppt/slides/slide6.xml><?xml version="1.0" encoding="utf-8"?>
 <p:sld xmlns:a="http://schemas.openxmlformats.org/drawingml/2006/main" xmlns:r="http://schemas.openxmlformats.org/officeDocument/2006/relationships" xmlns:p="http://schemas.openxmlformats.org/presentationml/2006/main">
   <p:cSld>
     <p:spTree>
@@ -37936,7 +41305,7 @@
             <a:fld id="{D2792E9C-7E5E-F14F-B049-5BFE22D713B7}" type="datetime4">
               <a:rPr lang="en-CA" smtClean="0"/>
               <a:pPr/>
-              <a:t>January 23, 2025</a:t>
+              <a:t>January 24, 2025</a:t>
             </a:fld>
             <a:endParaRPr lang="en-US" dirty="0"/>
           </a:p>
@@ -37966,7 +41335,7 @@
             <a:fld id="{991AB9B0-3E43-D847-B073-60FE8FAFFDB7}" type="slidenum">
               <a:rPr lang="en-US" smtClean="0"/>
               <a:pPr/>
-              <a:t>5</a:t>
+              <a:t>6</a:t>
             </a:fld>
             <a:endParaRPr lang="en-US"/>
           </a:p>
@@ -38002,7 +41371,7 @@
               <a:buNone/>
             </a:pPr>
             <a:r>
-              <a:rPr lang="en-US" b="1" u="sng" dirty="0"/>
+              <a:rPr lang="en-US" sz="2800" b="1" u="sng" dirty="0"/>
               <a:t>Inputs</a:t>
             </a:r>
           </a:p>
@@ -38011,53 +41380,53 @@
               <a:buNone/>
             </a:pPr>
             <a:r>
-              <a:rPr lang="en-US" b="1" dirty="0"/>
+              <a:rPr lang="en-US" sz="2800" b="1" dirty="0"/>
               <a:t>In1) </a:t>
             </a:r>
             <a:r>
-              <a:rPr lang="en-US" dirty="0"/>
+              <a:rPr lang="en-US" sz="2800" dirty="0"/>
               <a:t>Camera configuration parameters</a:t>
             </a:r>
           </a:p>
           <a:p>
             <a:pPr lvl="1"/>
             <a:r>
-              <a:rPr lang="en-US" b="1" i="1" dirty="0"/>
+              <a:rPr lang="en-US" sz="2400" b="1" i="1" dirty="0"/>
               <a:t>In1A) </a:t>
             </a:r>
             <a:r>
-              <a:rPr lang="en-US" dirty="0"/>
+              <a:rPr lang="en-US" sz="2400" dirty="0"/>
               <a:t>Quantity of cameras, </a:t>
             </a:r>
             <a:r>
-              <a:rPr lang="en-US" i="1" dirty="0" err="1"/>
+              <a:rPr lang="en-US" sz="2400" i="1" dirty="0" err="1"/>
               <a:t>i</a:t>
             </a:r>
             <a:r>
-              <a:rPr lang="en-US" dirty="0"/>
+              <a:rPr lang="en-US" sz="2400" dirty="0"/>
               <a:t> (</a:t>
             </a:r>
             <a:r>
-              <a:rPr lang="en-US" dirty="0" err="1"/>
+              <a:rPr lang="en-US" sz="2400" dirty="0" err="1"/>
               <a:t>i</a:t>
             </a:r>
             <a:r>
-              <a:rPr lang="en-US" dirty="0"/>
+              <a:rPr lang="en-US" sz="2400" dirty="0"/>
               <a:t> &gt;0)</a:t>
             </a:r>
           </a:p>
           <a:p>
             <a:pPr lvl="1"/>
             <a:r>
-              <a:rPr lang="en-US" b="1" i="1" dirty="0"/>
+              <a:rPr lang="en-US" sz="2400" b="1" i="1" dirty="0"/>
               <a:t>In1B) </a:t>
             </a:r>
             <a:r>
-              <a:rPr lang="en-US" dirty="0"/>
+              <a:rPr lang="en-US" sz="2400" dirty="0"/>
               <a:t>Camera Intrinsic Parameters (</a:t>
             </a:r>
             <a:r>
-              <a:rPr lang="en-US" b="1" dirty="0">
+              <a:rPr lang="en-US" sz="2400" b="1" dirty="0">
                 <a:solidFill>
                   <a:srgbClr val="FFC000"/>
                 </a:solidFill>
@@ -38065,7 +41434,7 @@
               <a:t>TM01</a:t>
             </a:r>
             <a:r>
-              <a:rPr lang="en-US" dirty="0"/>
+              <a:rPr lang="en-US" sz="2400" dirty="0"/>
               <a:t>)</a:t>
             </a:r>
           </a:p>
@@ -38074,91 +41443,12 @@
               <a:buNone/>
             </a:pPr>
             <a:r>
-              <a:rPr lang="en-US" b="1" dirty="0"/>
+              <a:rPr lang="en-US" sz="2800" b="1" dirty="0"/>
               <a:t>In2) </a:t>
             </a:r>
             <a:r>
-              <a:rPr lang="en-US" dirty="0"/>
+              <a:rPr lang="en-US" sz="2800" dirty="0"/>
               <a:t>Robot Pose Ground Truth (P</a:t>
-            </a:r>
-            <a:r>
-              <a:rPr lang="en-US" sz="3600" baseline="-25000" dirty="0"/>
-              <a:t>i</a:t>
-            </a:r>
-            <a:r>
-              <a:rPr lang="en-US" sz="3600" dirty="0"/>
-              <a:t>)</a:t>
-            </a:r>
-            <a:endParaRPr lang="en-US" dirty="0"/>
-          </a:p>
-          <a:p>
-            <a:pPr lvl="1"/>
-            <a:r>
-              <a:rPr lang="en-US" dirty="0"/>
-              <a:t>Global Position of end-effector</a:t>
-            </a:r>
-          </a:p>
-          <a:p>
-            <a:pPr lvl="2"/>
-            <a:r>
-              <a:rPr lang="en-US" dirty="0"/>
-              <a:t>Translation (Cartesian Coordinates)</a:t>
-            </a:r>
-          </a:p>
-          <a:p>
-            <a:pPr lvl="2"/>
-            <a:r>
-              <a:rPr lang="en-US" dirty="0"/>
-              <a:t>Rotation (Roll, Pitch, Yaw – const. from –</a:t>
-            </a:r>
-            <a:r>
-              <a:rPr lang="el-GR" dirty="0"/>
-              <a:t>π</a:t>
-            </a:r>
-            <a:r>
-              <a:rPr lang="en-US" dirty="0"/>
-              <a:t> &lt; </a:t>
-            </a:r>
-            <a:r>
-              <a:rPr lang="el-GR" dirty="0"/>
-              <a:t>θ</a:t>
-            </a:r>
-            <a:r>
-              <a:rPr lang="en-US" dirty="0"/>
-              <a:t> ≤ </a:t>
-            </a:r>
-            <a:r>
-              <a:rPr lang="el-GR" dirty="0"/>
-              <a:t>π</a:t>
-            </a:r>
-            <a:r>
-              <a:rPr lang="en-US" dirty="0"/>
-              <a:t>)</a:t>
-            </a:r>
-            <a:endParaRPr lang="en-CA" dirty="0"/>
-          </a:p>
-          <a:p>
-            <a:pPr lvl="2"/>
-            <a:endParaRPr lang="en-US" dirty="0"/>
-          </a:p>
-          <a:p>
-            <a:pPr marL="0" indent="0">
-              <a:buNone/>
-            </a:pPr>
-            <a:r>
-              <a:rPr lang="en-US" b="1" dirty="0"/>
-              <a:t>In3) </a:t>
-            </a:r>
-            <a:r>
-              <a:rPr lang="en-US" dirty="0"/>
-              <a:t>Imagery stream data</a:t>
-            </a:r>
-          </a:p>
-          <a:p>
-            <a:pPr lvl="1"/>
-            <a:r>
-              <a:rPr lang="en-US" dirty="0"/>
-              <a:t>For pose P</a:t>
             </a:r>
             <a:r>
               <a:rPr lang="en-US" baseline="-25000" dirty="0"/>
@@ -38166,69 +41456,174 @@
             </a:r>
             <a:r>
               <a:rPr lang="en-US" dirty="0"/>
-              <a:t> and camera </a:t>
+              <a:t>)</a:t>
+            </a:r>
+            <a:endParaRPr lang="en-US" sz="2800" dirty="0"/>
+          </a:p>
+          <a:p>
+            <a:pPr lvl="1"/>
+            <a:r>
+              <a:rPr lang="en-US" sz="2400" dirty="0"/>
+              <a:t>Global Position of end-effector</a:t>
+            </a:r>
+          </a:p>
+          <a:p>
+            <a:pPr lvl="2"/>
+            <a:r>
+              <a:rPr lang="en-US" sz="2000" dirty="0"/>
+              <a:t>Translation (Cartesian Coordinates)</a:t>
+            </a:r>
+          </a:p>
+          <a:p>
+            <a:pPr lvl="2"/>
+            <a:r>
+              <a:rPr lang="en-US" sz="2000" dirty="0"/>
+              <a:t>Rotation (Roll, Pitch, Yaw – const. from –</a:t>
             </a:r>
             <a:r>
-              <a:rPr lang="en-US" dirty="0" err="1"/>
-              <a:t>C</a:t>
+              <a:rPr lang="el-GR" sz="2000" dirty="0"/>
+              <a:t>π</a:t>
             </a:r>
             <a:r>
-              <a:rPr lang="en-US" baseline="-25000" dirty="0" err="1"/>
-              <a:t>j</a:t>
-            </a:r>
-            <a:endParaRPr lang="en-US" baseline="-25000" dirty="0"/>
-          </a:p>
-          <a:p>
-            <a:pPr lvl="2"/>
-            <a:r>
-              <a:rPr lang="en-US" sz="2800" dirty="0"/>
-              <a:t>Imagery resolution, m </a:t>
+              <a:rPr lang="en-US" sz="2000" dirty="0"/>
+              <a:t> &lt; </a:t>
             </a:r>
             <a:r>
-              <a:rPr lang="en-US" sz="2800" baseline="-25000" dirty="0"/>
-              <a:t>x</a:t>
+              <a:rPr lang="el-GR" sz="2000" dirty="0"/>
+              <a:t>θ</a:t>
             </a:r>
             <a:r>
-              <a:rPr lang="en-US" sz="2800" dirty="0"/>
-              <a:t> n, (m, n &gt; 0)</a:t>
+              <a:rPr lang="en-US" sz="2000" dirty="0"/>
+              <a:t> ≤ </a:t>
             </a:r>
+            <a:r>
+              <a:rPr lang="el-GR" sz="2000" dirty="0"/>
+              <a:t>π</a:t>
+            </a:r>
+            <a:r>
+              <a:rPr lang="en-US" sz="2000" dirty="0"/>
+              <a:t>)</a:t>
+            </a:r>
+            <a:endParaRPr lang="en-CA" sz="2000" dirty="0"/>
           </a:p>
           <a:p>
             <a:pPr lvl="2"/>
-            <a:r>
-              <a:rPr lang="en-CA" sz="2800" dirty="0"/>
-              <a:t>Imagery vector **</a:t>
-            </a:r>
-          </a:p>
-          <a:p>
-            <a:pPr lvl="2"/>
-            <a:endParaRPr lang="en-CA" sz="2800" dirty="0"/>
+            <a:endParaRPr lang="en-US" sz="2000" dirty="0"/>
           </a:p>
           <a:p>
             <a:pPr marL="0" indent="0">
               <a:buNone/>
             </a:pPr>
             <a:r>
-              <a:rPr lang="en-US" b="1" dirty="0"/>
-              <a:t>In4) </a:t>
+              <a:rPr lang="en-US" sz="2800" b="1" dirty="0"/>
+              <a:t>In3) </a:t>
             </a:r>
             <a:r>
+              <a:rPr lang="en-US" sz="2800" dirty="0"/>
+              <a:t>Imagery stream data</a:t>
+            </a:r>
+          </a:p>
+          <a:p>
+            <a:pPr lvl="1"/>
+            <a:r>
+              <a:rPr lang="en-US" sz="2400" dirty="0"/>
+              <a:t>For pose P</a:t>
+            </a:r>
+            <a:r>
+              <a:rPr lang="en-US" sz="2400" baseline="-25000" dirty="0"/>
+              <a:t>i</a:t>
+            </a:r>
+            <a:r>
+              <a:rPr lang="en-US" sz="2400" dirty="0"/>
+              <a:t> and camera </a:t>
+            </a:r>
+            <a:r>
+              <a:rPr lang="en-US" sz="2400" dirty="0" err="1"/>
+              <a:t>C</a:t>
+            </a:r>
+            <a:r>
+              <a:rPr lang="en-US" sz="2400" baseline="-25000" dirty="0" err="1"/>
+              <a:t>j</a:t>
+            </a:r>
+            <a:endParaRPr lang="en-US" sz="2400" baseline="-25000" dirty="0"/>
+          </a:p>
+          <a:p>
+            <a:pPr lvl="2"/>
+            <a:r>
+              <a:rPr lang="en-US" dirty="0"/>
+              <a:t>Imagery resolution, m </a:t>
+            </a:r>
+            <a:r>
+              <a:rPr lang="en-US" baseline="-25000" dirty="0"/>
+              <a:t>x</a:t>
+            </a:r>
+            <a:r>
+              <a:rPr lang="en-US" dirty="0"/>
+              <a:t> n, (m, n &gt; 0)</a:t>
+            </a:r>
+          </a:p>
+          <a:p>
+            <a:pPr lvl="2"/>
+            <a:r>
               <a:rPr lang="en-CA" dirty="0"/>
-              <a:t>Feature Detector Algorithm*</a:t>
+              <a:t>Imagery vector **</a:t>
             </a:r>
+          </a:p>
+          <a:p>
+            <a:pPr lvl="2"/>
+            <a:endParaRPr lang="en-CA" dirty="0"/>
           </a:p>
           <a:p>
             <a:pPr marL="0" indent="0">
               <a:buNone/>
             </a:pPr>
             <a:r>
-              <a:rPr lang="en-CA" b="1" dirty="0"/>
-              <a:t>In5) </a:t>
+              <a:rPr lang="en-US" sz="2800" b="1" dirty="0"/>
+              <a:t>In4A) </a:t>
             </a:r>
             <a:r>
-              <a:rPr lang="en-CA" dirty="0"/>
+              <a:rPr lang="en-CA" sz="2800" dirty="0"/>
+              <a:t>Feature Detector Algorithm*</a:t>
+            </a:r>
+          </a:p>
+          <a:p>
+            <a:pPr lvl="1"/>
+            <a:r>
+              <a:rPr lang="en-CA" sz="2400" b="1" dirty="0"/>
+              <a:t>IN4B) </a:t>
+            </a:r>
+            <a:r>
+              <a:rPr lang="en-CA" sz="2400" dirty="0"/>
+              <a:t>User-defined threshold</a:t>
+            </a:r>
+          </a:p>
+          <a:p>
+            <a:pPr marL="0" indent="0">
+              <a:buNone/>
+            </a:pPr>
+            <a:r>
+              <a:rPr lang="en-CA" sz="2800" b="1" dirty="0"/>
+              <a:t>In5A) </a:t>
+            </a:r>
+            <a:r>
+              <a:rPr lang="en-CA" sz="2800" dirty="0"/>
               <a:t>Feature Comparison Comparison**</a:t>
             </a:r>
+          </a:p>
+          <a:p>
+            <a:pPr lvl="1"/>
+            <a:r>
+              <a:rPr lang="en-CA" sz="2400" b="1" dirty="0"/>
+              <a:t>IN5B) </a:t>
+            </a:r>
+            <a:r>
+              <a:rPr lang="en-CA" sz="2400" dirty="0"/>
+              <a:t>User-defined threshold</a:t>
+            </a:r>
+          </a:p>
+          <a:p>
+            <a:pPr lvl="1"/>
+            <a:endParaRPr lang="en-CA" sz="2000" dirty="0"/>
           </a:p>
         </p:txBody>
       </p:sp>
@@ -38289,7 +41684,7 @@
         </p:nvSpPr>
         <p:spPr>
           <a:xfrm>
-            <a:off x="10393365" y="1562100"/>
+            <a:off x="10393366" y="1562100"/>
             <a:ext cx="9644572" cy="7829550"/>
           </a:xfrm>
           <a:prstGeom prst="rect">
@@ -38468,7 +41863,7 @@
               <a:buNone/>
             </a:pPr>
             <a:r>
-              <a:rPr lang="en-US" b="1" u="sng" dirty="0"/>
+              <a:rPr lang="en-US" sz="2800" b="1" u="sng" dirty="0"/>
               <a:t>Outputs</a:t>
             </a:r>
           </a:p>
@@ -38477,41 +41872,26 @@
               <a:buNone/>
             </a:pPr>
             <a:r>
-              <a:rPr lang="en-CA" dirty="0"/>
+              <a:rPr lang="en-CA" sz="2800" dirty="0"/>
               <a:t>For each camera, C</a:t>
             </a:r>
           </a:p>
           <a:p>
             <a:pPr lvl="1"/>
             <a:r>
-              <a:rPr lang="en-US" b="1" dirty="0"/>
+              <a:rPr lang="en-US" sz="2400" b="1" dirty="0"/>
               <a:t>Out1) </a:t>
             </a:r>
             <a:r>
-              <a:rPr lang="en-CA" dirty="0"/>
+              <a:rPr lang="en-CA" sz="2400" dirty="0"/>
               <a:t>For each image, i:</a:t>
             </a:r>
           </a:p>
           <a:p>
             <a:pPr lvl="2"/>
             <a:r>
-              <a:rPr lang="en-CA" sz="2800" dirty="0"/>
+              <a:rPr lang="en-CA" dirty="0"/>
               <a:t>A graph of identified features and its constitutive points</a:t>
-            </a:r>
-            <a:br>
-              <a:rPr lang="en-CA" sz="2800" dirty="0"/>
-            </a:br>
-            <a:endParaRPr lang="en-CA" sz="2800" dirty="0"/>
-          </a:p>
-          <a:p>
-            <a:pPr lvl="1"/>
-            <a:r>
-              <a:rPr lang="en-CA" b="1" dirty="0"/>
-              <a:t>Out2) </a:t>
-            </a:r>
-            <a:r>
-              <a:rPr lang="en-CA" dirty="0"/>
-              <a:t>A graph of each matched feature with the corresponding camera, image frame, and matched feature</a:t>
             </a:r>
             <a:br>
               <a:rPr lang="en-CA" dirty="0"/>
@@ -38521,26 +41901,41 @@
           <a:p>
             <a:pPr lvl="1"/>
             <a:r>
-              <a:rPr lang="en-CA" b="1" dirty="0"/>
+              <a:rPr lang="en-CA" sz="2400" b="1" dirty="0"/>
+              <a:t>Out2) </a:t>
+            </a:r>
+            <a:r>
+              <a:rPr lang="en-CA" sz="2400" dirty="0"/>
+              <a:t>A graph of each matched feature with the corresponding camera, image frame, and matched features</a:t>
+            </a:r>
+            <a:br>
+              <a:rPr lang="en-CA" sz="2400" dirty="0"/>
+            </a:br>
+            <a:endParaRPr lang="en-CA" sz="2400" dirty="0"/>
+          </a:p>
+          <a:p>
+            <a:pPr lvl="1"/>
+            <a:r>
+              <a:rPr lang="en-CA" sz="2400" b="1" dirty="0"/>
               <a:t>Out3) </a:t>
             </a:r>
             <a:r>
-              <a:rPr lang="en-CA" dirty="0"/>
+              <a:rPr lang="en-CA" sz="2400" dirty="0"/>
               <a:t>A confidence metric for each matched feature</a:t>
             </a:r>
             <a:br>
-              <a:rPr lang="en-CA" dirty="0"/>
+              <a:rPr lang="en-CA" sz="2400" dirty="0"/>
             </a:br>
-            <a:endParaRPr lang="en-CA" dirty="0"/>
+            <a:endParaRPr lang="en-CA" sz="2400" dirty="0"/>
           </a:p>
           <a:p>
             <a:pPr lvl="1"/>
             <a:r>
-              <a:rPr lang="en-CA" b="1" dirty="0"/>
+              <a:rPr lang="en-CA" sz="2400" b="1" dirty="0"/>
               <a:t>Out4) </a:t>
             </a:r>
             <a:r>
-              <a:rPr lang="en-CA" dirty="0"/>
+              <a:rPr lang="en-CA" sz="2400" dirty="0"/>
               <a:t>A list of transforms to be calculated between each matched feature</a:t>
             </a:r>
           </a:p>
@@ -38556,10 +41951,1123 @@
   <p:clrMapOvr>
     <a:masterClrMapping/>
   </p:clrMapOvr>
+  <p:timing>
+    <p:tnLst>
+      <p:par>
+        <p:cTn id="1" dur="indefinite" restart="never" nodeType="tmRoot">
+          <p:childTnLst>
+            <p:seq concurrent="1" nextAc="seek">
+              <p:cTn id="2" dur="indefinite" nodeType="mainSeq">
+                <p:childTnLst>
+                  <p:par>
+                    <p:cTn id="3" fill="hold">
+                      <p:stCondLst>
+                        <p:cond delay="indefinite"/>
+                      </p:stCondLst>
+                      <p:childTnLst>
+                        <p:par>
+                          <p:cTn id="4" fill="hold">
+                            <p:stCondLst>
+                              <p:cond delay="0"/>
+                            </p:stCondLst>
+                            <p:childTnLst>
+                              <p:par>
+                                <p:cTn id="5" presetID="10" presetClass="entr" presetSubtype="0" fill="hold" nodeType="clickEffect">
+                                  <p:stCondLst>
+                                    <p:cond delay="0"/>
+                                  </p:stCondLst>
+                                  <p:childTnLst>
+                                    <p:set>
+                                      <p:cBhvr>
+                                        <p:cTn id="6" dur="1" fill="hold">
+                                          <p:stCondLst>
+                                            <p:cond delay="0"/>
+                                          </p:stCondLst>
+                                        </p:cTn>
+                                        <p:tgtEl>
+                                          <p:spTgt spid="6">
+                                            <p:txEl>
+                                              <p:pRg st="1" end="1"/>
+                                            </p:txEl>
+                                          </p:spTgt>
+                                        </p:tgtEl>
+                                        <p:attrNameLst>
+                                          <p:attrName>style.visibility</p:attrName>
+                                        </p:attrNameLst>
+                                      </p:cBhvr>
+                                      <p:to>
+                                        <p:strVal val="visible"/>
+                                      </p:to>
+                                    </p:set>
+                                    <p:animEffect transition="in" filter="fade">
+                                      <p:cBhvr>
+                                        <p:cTn id="7" dur="500"/>
+                                        <p:tgtEl>
+                                          <p:spTgt spid="6">
+                                            <p:txEl>
+                                              <p:pRg st="1" end="1"/>
+                                            </p:txEl>
+                                          </p:spTgt>
+                                        </p:tgtEl>
+                                      </p:cBhvr>
+                                    </p:animEffect>
+                                  </p:childTnLst>
+                                </p:cTn>
+                              </p:par>
+                              <p:par>
+                                <p:cTn id="8" presetID="10" presetClass="entr" presetSubtype="0" fill="hold" nodeType="withEffect">
+                                  <p:stCondLst>
+                                    <p:cond delay="0"/>
+                                  </p:stCondLst>
+                                  <p:childTnLst>
+                                    <p:set>
+                                      <p:cBhvr>
+                                        <p:cTn id="9" dur="1" fill="hold">
+                                          <p:stCondLst>
+                                            <p:cond delay="0"/>
+                                          </p:stCondLst>
+                                        </p:cTn>
+                                        <p:tgtEl>
+                                          <p:spTgt spid="6">
+                                            <p:txEl>
+                                              <p:pRg st="2" end="2"/>
+                                            </p:txEl>
+                                          </p:spTgt>
+                                        </p:tgtEl>
+                                        <p:attrNameLst>
+                                          <p:attrName>style.visibility</p:attrName>
+                                        </p:attrNameLst>
+                                      </p:cBhvr>
+                                      <p:to>
+                                        <p:strVal val="visible"/>
+                                      </p:to>
+                                    </p:set>
+                                    <p:animEffect transition="in" filter="fade">
+                                      <p:cBhvr>
+                                        <p:cTn id="10" dur="500"/>
+                                        <p:tgtEl>
+                                          <p:spTgt spid="6">
+                                            <p:txEl>
+                                              <p:pRg st="2" end="2"/>
+                                            </p:txEl>
+                                          </p:spTgt>
+                                        </p:tgtEl>
+                                      </p:cBhvr>
+                                    </p:animEffect>
+                                  </p:childTnLst>
+                                </p:cTn>
+                              </p:par>
+                              <p:par>
+                                <p:cTn id="11" presetID="10" presetClass="entr" presetSubtype="0" fill="hold" nodeType="withEffect">
+                                  <p:stCondLst>
+                                    <p:cond delay="0"/>
+                                  </p:stCondLst>
+                                  <p:childTnLst>
+                                    <p:set>
+                                      <p:cBhvr>
+                                        <p:cTn id="12" dur="1" fill="hold">
+                                          <p:stCondLst>
+                                            <p:cond delay="0"/>
+                                          </p:stCondLst>
+                                        </p:cTn>
+                                        <p:tgtEl>
+                                          <p:spTgt spid="6">
+                                            <p:txEl>
+                                              <p:pRg st="3" end="3"/>
+                                            </p:txEl>
+                                          </p:spTgt>
+                                        </p:tgtEl>
+                                        <p:attrNameLst>
+                                          <p:attrName>style.visibility</p:attrName>
+                                        </p:attrNameLst>
+                                      </p:cBhvr>
+                                      <p:to>
+                                        <p:strVal val="visible"/>
+                                      </p:to>
+                                    </p:set>
+                                    <p:animEffect transition="in" filter="fade">
+                                      <p:cBhvr>
+                                        <p:cTn id="13" dur="500"/>
+                                        <p:tgtEl>
+                                          <p:spTgt spid="6">
+                                            <p:txEl>
+                                              <p:pRg st="3" end="3"/>
+                                            </p:txEl>
+                                          </p:spTgt>
+                                        </p:tgtEl>
+                                      </p:cBhvr>
+                                    </p:animEffect>
+                                  </p:childTnLst>
+                                </p:cTn>
+                              </p:par>
+                            </p:childTnLst>
+                          </p:cTn>
+                        </p:par>
+                      </p:childTnLst>
+                    </p:cTn>
+                  </p:par>
+                  <p:par>
+                    <p:cTn id="14" fill="hold">
+                      <p:stCondLst>
+                        <p:cond delay="indefinite"/>
+                      </p:stCondLst>
+                      <p:childTnLst>
+                        <p:par>
+                          <p:cTn id="15" fill="hold">
+                            <p:stCondLst>
+                              <p:cond delay="0"/>
+                            </p:stCondLst>
+                            <p:childTnLst>
+                              <p:par>
+                                <p:cTn id="16" presetID="10" presetClass="entr" presetSubtype="0" fill="hold" nodeType="clickEffect">
+                                  <p:stCondLst>
+                                    <p:cond delay="0"/>
+                                  </p:stCondLst>
+                                  <p:childTnLst>
+                                    <p:set>
+                                      <p:cBhvr>
+                                        <p:cTn id="17" dur="1" fill="hold">
+                                          <p:stCondLst>
+                                            <p:cond delay="0"/>
+                                          </p:stCondLst>
+                                        </p:cTn>
+                                        <p:tgtEl>
+                                          <p:spTgt spid="6">
+                                            <p:txEl>
+                                              <p:pRg st="4" end="4"/>
+                                            </p:txEl>
+                                          </p:spTgt>
+                                        </p:tgtEl>
+                                        <p:attrNameLst>
+                                          <p:attrName>style.visibility</p:attrName>
+                                        </p:attrNameLst>
+                                      </p:cBhvr>
+                                      <p:to>
+                                        <p:strVal val="visible"/>
+                                      </p:to>
+                                    </p:set>
+                                    <p:animEffect transition="in" filter="fade">
+                                      <p:cBhvr>
+                                        <p:cTn id="18" dur="500"/>
+                                        <p:tgtEl>
+                                          <p:spTgt spid="6">
+                                            <p:txEl>
+                                              <p:pRg st="4" end="4"/>
+                                            </p:txEl>
+                                          </p:spTgt>
+                                        </p:tgtEl>
+                                      </p:cBhvr>
+                                    </p:animEffect>
+                                  </p:childTnLst>
+                                </p:cTn>
+                              </p:par>
+                              <p:par>
+                                <p:cTn id="19" presetID="10" presetClass="entr" presetSubtype="0" fill="hold" nodeType="withEffect">
+                                  <p:stCondLst>
+                                    <p:cond delay="0"/>
+                                  </p:stCondLst>
+                                  <p:childTnLst>
+                                    <p:set>
+                                      <p:cBhvr>
+                                        <p:cTn id="20" dur="1" fill="hold">
+                                          <p:stCondLst>
+                                            <p:cond delay="0"/>
+                                          </p:stCondLst>
+                                        </p:cTn>
+                                        <p:tgtEl>
+                                          <p:spTgt spid="6">
+                                            <p:txEl>
+                                              <p:pRg st="5" end="5"/>
+                                            </p:txEl>
+                                          </p:spTgt>
+                                        </p:tgtEl>
+                                        <p:attrNameLst>
+                                          <p:attrName>style.visibility</p:attrName>
+                                        </p:attrNameLst>
+                                      </p:cBhvr>
+                                      <p:to>
+                                        <p:strVal val="visible"/>
+                                      </p:to>
+                                    </p:set>
+                                    <p:animEffect transition="in" filter="fade">
+                                      <p:cBhvr>
+                                        <p:cTn id="21" dur="500"/>
+                                        <p:tgtEl>
+                                          <p:spTgt spid="6">
+                                            <p:txEl>
+                                              <p:pRg st="5" end="5"/>
+                                            </p:txEl>
+                                          </p:spTgt>
+                                        </p:tgtEl>
+                                      </p:cBhvr>
+                                    </p:animEffect>
+                                  </p:childTnLst>
+                                </p:cTn>
+                              </p:par>
+                              <p:par>
+                                <p:cTn id="22" presetID="10" presetClass="entr" presetSubtype="0" fill="hold" nodeType="withEffect">
+                                  <p:stCondLst>
+                                    <p:cond delay="0"/>
+                                  </p:stCondLst>
+                                  <p:childTnLst>
+                                    <p:set>
+                                      <p:cBhvr>
+                                        <p:cTn id="23" dur="1" fill="hold">
+                                          <p:stCondLst>
+                                            <p:cond delay="0"/>
+                                          </p:stCondLst>
+                                        </p:cTn>
+                                        <p:tgtEl>
+                                          <p:spTgt spid="6">
+                                            <p:txEl>
+                                              <p:pRg st="6" end="6"/>
+                                            </p:txEl>
+                                          </p:spTgt>
+                                        </p:tgtEl>
+                                        <p:attrNameLst>
+                                          <p:attrName>style.visibility</p:attrName>
+                                        </p:attrNameLst>
+                                      </p:cBhvr>
+                                      <p:to>
+                                        <p:strVal val="visible"/>
+                                      </p:to>
+                                    </p:set>
+                                    <p:animEffect transition="in" filter="fade">
+                                      <p:cBhvr>
+                                        <p:cTn id="24" dur="500"/>
+                                        <p:tgtEl>
+                                          <p:spTgt spid="6">
+                                            <p:txEl>
+                                              <p:pRg st="6" end="6"/>
+                                            </p:txEl>
+                                          </p:spTgt>
+                                        </p:tgtEl>
+                                      </p:cBhvr>
+                                    </p:animEffect>
+                                  </p:childTnLst>
+                                </p:cTn>
+                              </p:par>
+                              <p:par>
+                                <p:cTn id="25" presetID="10" presetClass="entr" presetSubtype="0" fill="hold" nodeType="withEffect">
+                                  <p:stCondLst>
+                                    <p:cond delay="0"/>
+                                  </p:stCondLst>
+                                  <p:childTnLst>
+                                    <p:set>
+                                      <p:cBhvr>
+                                        <p:cTn id="26" dur="1" fill="hold">
+                                          <p:stCondLst>
+                                            <p:cond delay="0"/>
+                                          </p:stCondLst>
+                                        </p:cTn>
+                                        <p:tgtEl>
+                                          <p:spTgt spid="6">
+                                            <p:txEl>
+                                              <p:pRg st="7" end="7"/>
+                                            </p:txEl>
+                                          </p:spTgt>
+                                        </p:tgtEl>
+                                        <p:attrNameLst>
+                                          <p:attrName>style.visibility</p:attrName>
+                                        </p:attrNameLst>
+                                      </p:cBhvr>
+                                      <p:to>
+                                        <p:strVal val="visible"/>
+                                      </p:to>
+                                    </p:set>
+                                    <p:animEffect transition="in" filter="fade">
+                                      <p:cBhvr>
+                                        <p:cTn id="27" dur="500"/>
+                                        <p:tgtEl>
+                                          <p:spTgt spid="6">
+                                            <p:txEl>
+                                              <p:pRg st="7" end="7"/>
+                                            </p:txEl>
+                                          </p:spTgt>
+                                        </p:tgtEl>
+                                      </p:cBhvr>
+                                    </p:animEffect>
+                                  </p:childTnLst>
+                                </p:cTn>
+                              </p:par>
+                            </p:childTnLst>
+                          </p:cTn>
+                        </p:par>
+                      </p:childTnLst>
+                    </p:cTn>
+                  </p:par>
+                  <p:par>
+                    <p:cTn id="28" fill="hold">
+                      <p:stCondLst>
+                        <p:cond delay="indefinite"/>
+                      </p:stCondLst>
+                      <p:childTnLst>
+                        <p:par>
+                          <p:cTn id="29" fill="hold">
+                            <p:stCondLst>
+                              <p:cond delay="0"/>
+                            </p:stCondLst>
+                            <p:childTnLst>
+                              <p:par>
+                                <p:cTn id="30" presetID="10" presetClass="entr" presetSubtype="0" fill="hold" nodeType="clickEffect">
+                                  <p:stCondLst>
+                                    <p:cond delay="0"/>
+                                  </p:stCondLst>
+                                  <p:childTnLst>
+                                    <p:set>
+                                      <p:cBhvr>
+                                        <p:cTn id="31" dur="1" fill="hold">
+                                          <p:stCondLst>
+                                            <p:cond delay="0"/>
+                                          </p:stCondLst>
+                                        </p:cTn>
+                                        <p:tgtEl>
+                                          <p:spTgt spid="6">
+                                            <p:txEl>
+                                              <p:pRg st="9" end="9"/>
+                                            </p:txEl>
+                                          </p:spTgt>
+                                        </p:tgtEl>
+                                        <p:attrNameLst>
+                                          <p:attrName>style.visibility</p:attrName>
+                                        </p:attrNameLst>
+                                      </p:cBhvr>
+                                      <p:to>
+                                        <p:strVal val="visible"/>
+                                      </p:to>
+                                    </p:set>
+                                    <p:animEffect transition="in" filter="fade">
+                                      <p:cBhvr>
+                                        <p:cTn id="32" dur="500"/>
+                                        <p:tgtEl>
+                                          <p:spTgt spid="6">
+                                            <p:txEl>
+                                              <p:pRg st="9" end="9"/>
+                                            </p:txEl>
+                                          </p:spTgt>
+                                        </p:tgtEl>
+                                      </p:cBhvr>
+                                    </p:animEffect>
+                                  </p:childTnLst>
+                                </p:cTn>
+                              </p:par>
+                              <p:par>
+                                <p:cTn id="33" presetID="10" presetClass="entr" presetSubtype="0" fill="hold" nodeType="withEffect">
+                                  <p:stCondLst>
+                                    <p:cond delay="0"/>
+                                  </p:stCondLst>
+                                  <p:childTnLst>
+                                    <p:set>
+                                      <p:cBhvr>
+                                        <p:cTn id="34" dur="1" fill="hold">
+                                          <p:stCondLst>
+                                            <p:cond delay="0"/>
+                                          </p:stCondLst>
+                                        </p:cTn>
+                                        <p:tgtEl>
+                                          <p:spTgt spid="6">
+                                            <p:txEl>
+                                              <p:pRg st="10" end="10"/>
+                                            </p:txEl>
+                                          </p:spTgt>
+                                        </p:tgtEl>
+                                        <p:attrNameLst>
+                                          <p:attrName>style.visibility</p:attrName>
+                                        </p:attrNameLst>
+                                      </p:cBhvr>
+                                      <p:to>
+                                        <p:strVal val="visible"/>
+                                      </p:to>
+                                    </p:set>
+                                    <p:animEffect transition="in" filter="fade">
+                                      <p:cBhvr>
+                                        <p:cTn id="35" dur="500"/>
+                                        <p:tgtEl>
+                                          <p:spTgt spid="6">
+                                            <p:txEl>
+                                              <p:pRg st="10" end="10"/>
+                                            </p:txEl>
+                                          </p:spTgt>
+                                        </p:tgtEl>
+                                      </p:cBhvr>
+                                    </p:animEffect>
+                                  </p:childTnLst>
+                                </p:cTn>
+                              </p:par>
+                              <p:par>
+                                <p:cTn id="36" presetID="10" presetClass="entr" presetSubtype="0" fill="hold" nodeType="withEffect">
+                                  <p:stCondLst>
+                                    <p:cond delay="0"/>
+                                  </p:stCondLst>
+                                  <p:childTnLst>
+                                    <p:set>
+                                      <p:cBhvr>
+                                        <p:cTn id="37" dur="1" fill="hold">
+                                          <p:stCondLst>
+                                            <p:cond delay="0"/>
+                                          </p:stCondLst>
+                                        </p:cTn>
+                                        <p:tgtEl>
+                                          <p:spTgt spid="6">
+                                            <p:txEl>
+                                              <p:pRg st="11" end="11"/>
+                                            </p:txEl>
+                                          </p:spTgt>
+                                        </p:tgtEl>
+                                        <p:attrNameLst>
+                                          <p:attrName>style.visibility</p:attrName>
+                                        </p:attrNameLst>
+                                      </p:cBhvr>
+                                      <p:to>
+                                        <p:strVal val="visible"/>
+                                      </p:to>
+                                    </p:set>
+                                    <p:animEffect transition="in" filter="fade">
+                                      <p:cBhvr>
+                                        <p:cTn id="38" dur="500"/>
+                                        <p:tgtEl>
+                                          <p:spTgt spid="6">
+                                            <p:txEl>
+                                              <p:pRg st="11" end="11"/>
+                                            </p:txEl>
+                                          </p:spTgt>
+                                        </p:tgtEl>
+                                      </p:cBhvr>
+                                    </p:animEffect>
+                                  </p:childTnLst>
+                                </p:cTn>
+                              </p:par>
+                              <p:par>
+                                <p:cTn id="39" presetID="10" presetClass="entr" presetSubtype="0" fill="hold" nodeType="withEffect">
+                                  <p:stCondLst>
+                                    <p:cond delay="0"/>
+                                  </p:stCondLst>
+                                  <p:childTnLst>
+                                    <p:set>
+                                      <p:cBhvr>
+                                        <p:cTn id="40" dur="1" fill="hold">
+                                          <p:stCondLst>
+                                            <p:cond delay="0"/>
+                                          </p:stCondLst>
+                                        </p:cTn>
+                                        <p:tgtEl>
+                                          <p:spTgt spid="6">
+                                            <p:txEl>
+                                              <p:pRg st="12" end="12"/>
+                                            </p:txEl>
+                                          </p:spTgt>
+                                        </p:tgtEl>
+                                        <p:attrNameLst>
+                                          <p:attrName>style.visibility</p:attrName>
+                                        </p:attrNameLst>
+                                      </p:cBhvr>
+                                      <p:to>
+                                        <p:strVal val="visible"/>
+                                      </p:to>
+                                    </p:set>
+                                    <p:animEffect transition="in" filter="fade">
+                                      <p:cBhvr>
+                                        <p:cTn id="41" dur="500"/>
+                                        <p:tgtEl>
+                                          <p:spTgt spid="6">
+                                            <p:txEl>
+                                              <p:pRg st="12" end="12"/>
+                                            </p:txEl>
+                                          </p:spTgt>
+                                        </p:tgtEl>
+                                      </p:cBhvr>
+                                    </p:animEffect>
+                                  </p:childTnLst>
+                                </p:cTn>
+                              </p:par>
+                            </p:childTnLst>
+                          </p:cTn>
+                        </p:par>
+                      </p:childTnLst>
+                    </p:cTn>
+                  </p:par>
+                  <p:par>
+                    <p:cTn id="42" fill="hold">
+                      <p:stCondLst>
+                        <p:cond delay="indefinite"/>
+                      </p:stCondLst>
+                      <p:childTnLst>
+                        <p:par>
+                          <p:cTn id="43" fill="hold">
+                            <p:stCondLst>
+                              <p:cond delay="0"/>
+                            </p:stCondLst>
+                            <p:childTnLst>
+                              <p:par>
+                                <p:cTn id="44" presetID="10" presetClass="entr" presetSubtype="0" fill="hold" nodeType="clickEffect">
+                                  <p:stCondLst>
+                                    <p:cond delay="0"/>
+                                  </p:stCondLst>
+                                  <p:childTnLst>
+                                    <p:set>
+                                      <p:cBhvr>
+                                        <p:cTn id="45" dur="1" fill="hold">
+                                          <p:stCondLst>
+                                            <p:cond delay="0"/>
+                                          </p:stCondLst>
+                                        </p:cTn>
+                                        <p:tgtEl>
+                                          <p:spTgt spid="6">
+                                            <p:txEl>
+                                              <p:pRg st="14" end="14"/>
+                                            </p:txEl>
+                                          </p:spTgt>
+                                        </p:tgtEl>
+                                        <p:attrNameLst>
+                                          <p:attrName>style.visibility</p:attrName>
+                                        </p:attrNameLst>
+                                      </p:cBhvr>
+                                      <p:to>
+                                        <p:strVal val="visible"/>
+                                      </p:to>
+                                    </p:set>
+                                    <p:animEffect transition="in" filter="fade">
+                                      <p:cBhvr>
+                                        <p:cTn id="46" dur="500"/>
+                                        <p:tgtEl>
+                                          <p:spTgt spid="6">
+                                            <p:txEl>
+                                              <p:pRg st="14" end="14"/>
+                                            </p:txEl>
+                                          </p:spTgt>
+                                        </p:tgtEl>
+                                      </p:cBhvr>
+                                    </p:animEffect>
+                                  </p:childTnLst>
+                                </p:cTn>
+                              </p:par>
+                              <p:par>
+                                <p:cTn id="47" presetID="10" presetClass="entr" presetSubtype="0" fill="hold" nodeType="withEffect">
+                                  <p:stCondLst>
+                                    <p:cond delay="0"/>
+                                  </p:stCondLst>
+                                  <p:childTnLst>
+                                    <p:set>
+                                      <p:cBhvr>
+                                        <p:cTn id="48" dur="1" fill="hold">
+                                          <p:stCondLst>
+                                            <p:cond delay="0"/>
+                                          </p:stCondLst>
+                                        </p:cTn>
+                                        <p:tgtEl>
+                                          <p:spTgt spid="6">
+                                            <p:txEl>
+                                              <p:pRg st="16" end="16"/>
+                                            </p:txEl>
+                                          </p:spTgt>
+                                        </p:tgtEl>
+                                        <p:attrNameLst>
+                                          <p:attrName>style.visibility</p:attrName>
+                                        </p:attrNameLst>
+                                      </p:cBhvr>
+                                      <p:to>
+                                        <p:strVal val="visible"/>
+                                      </p:to>
+                                    </p:set>
+                                    <p:animEffect transition="in" filter="fade">
+                                      <p:cBhvr>
+                                        <p:cTn id="49" dur="500"/>
+                                        <p:tgtEl>
+                                          <p:spTgt spid="6">
+                                            <p:txEl>
+                                              <p:pRg st="16" end="16"/>
+                                            </p:txEl>
+                                          </p:spTgt>
+                                        </p:tgtEl>
+                                      </p:cBhvr>
+                                    </p:animEffect>
+                                  </p:childTnLst>
+                                </p:cTn>
+                              </p:par>
+                            </p:childTnLst>
+                          </p:cTn>
+                        </p:par>
+                      </p:childTnLst>
+                    </p:cTn>
+                  </p:par>
+                  <p:par>
+                    <p:cTn id="50" fill="hold">
+                      <p:stCondLst>
+                        <p:cond delay="indefinite"/>
+                      </p:stCondLst>
+                      <p:childTnLst>
+                        <p:par>
+                          <p:cTn id="51" fill="hold">
+                            <p:stCondLst>
+                              <p:cond delay="0"/>
+                            </p:stCondLst>
+                            <p:childTnLst>
+                              <p:par>
+                                <p:cTn id="52" presetID="10" presetClass="entr" presetSubtype="0" fill="hold" nodeType="clickEffect">
+                                  <p:stCondLst>
+                                    <p:cond delay="0"/>
+                                  </p:stCondLst>
+                                  <p:childTnLst>
+                                    <p:set>
+                                      <p:cBhvr>
+                                        <p:cTn id="53" dur="1" fill="hold">
+                                          <p:stCondLst>
+                                            <p:cond delay="0"/>
+                                          </p:stCondLst>
+                                        </p:cTn>
+                                        <p:tgtEl>
+                                          <p:spTgt spid="6">
+                                            <p:txEl>
+                                              <p:pRg st="15" end="15"/>
+                                            </p:txEl>
+                                          </p:spTgt>
+                                        </p:tgtEl>
+                                        <p:attrNameLst>
+                                          <p:attrName>style.visibility</p:attrName>
+                                        </p:attrNameLst>
+                                      </p:cBhvr>
+                                      <p:to>
+                                        <p:strVal val="visible"/>
+                                      </p:to>
+                                    </p:set>
+                                    <p:animEffect transition="in" filter="fade">
+                                      <p:cBhvr>
+                                        <p:cTn id="54" dur="500"/>
+                                        <p:tgtEl>
+                                          <p:spTgt spid="6">
+                                            <p:txEl>
+                                              <p:pRg st="15" end="15"/>
+                                            </p:txEl>
+                                          </p:spTgt>
+                                        </p:tgtEl>
+                                      </p:cBhvr>
+                                    </p:animEffect>
+                                  </p:childTnLst>
+                                </p:cTn>
+                              </p:par>
+                              <p:par>
+                                <p:cTn id="55" presetID="10" presetClass="entr" presetSubtype="0" fill="hold" nodeType="withEffect">
+                                  <p:stCondLst>
+                                    <p:cond delay="0"/>
+                                  </p:stCondLst>
+                                  <p:childTnLst>
+                                    <p:set>
+                                      <p:cBhvr>
+                                        <p:cTn id="56" dur="1" fill="hold">
+                                          <p:stCondLst>
+                                            <p:cond delay="0"/>
+                                          </p:stCondLst>
+                                        </p:cTn>
+                                        <p:tgtEl>
+                                          <p:spTgt spid="6">
+                                            <p:txEl>
+                                              <p:pRg st="17" end="17"/>
+                                            </p:txEl>
+                                          </p:spTgt>
+                                        </p:tgtEl>
+                                        <p:attrNameLst>
+                                          <p:attrName>style.visibility</p:attrName>
+                                        </p:attrNameLst>
+                                      </p:cBhvr>
+                                      <p:to>
+                                        <p:strVal val="visible"/>
+                                      </p:to>
+                                    </p:set>
+                                    <p:animEffect transition="in" filter="fade">
+                                      <p:cBhvr>
+                                        <p:cTn id="57" dur="500"/>
+                                        <p:tgtEl>
+                                          <p:spTgt spid="6">
+                                            <p:txEl>
+                                              <p:pRg st="17" end="17"/>
+                                            </p:txEl>
+                                          </p:spTgt>
+                                        </p:tgtEl>
+                                      </p:cBhvr>
+                                    </p:animEffect>
+                                  </p:childTnLst>
+                                </p:cTn>
+                              </p:par>
+                            </p:childTnLst>
+                          </p:cTn>
+                        </p:par>
+                      </p:childTnLst>
+                    </p:cTn>
+                  </p:par>
+                  <p:par>
+                    <p:cTn id="58" fill="hold">
+                      <p:stCondLst>
+                        <p:cond delay="indefinite"/>
+                      </p:stCondLst>
+                      <p:childTnLst>
+                        <p:par>
+                          <p:cTn id="59" fill="hold">
+                            <p:stCondLst>
+                              <p:cond delay="0"/>
+                            </p:stCondLst>
+                            <p:childTnLst>
+                              <p:par>
+                                <p:cTn id="60" presetID="10" presetClass="entr" presetSubtype="0" fill="hold" nodeType="clickEffect">
+                                  <p:stCondLst>
+                                    <p:cond delay="0"/>
+                                  </p:stCondLst>
+                                  <p:childTnLst>
+                                    <p:set>
+                                      <p:cBhvr>
+                                        <p:cTn id="61" dur="1" fill="hold">
+                                          <p:stCondLst>
+                                            <p:cond delay="0"/>
+                                          </p:stCondLst>
+                                        </p:cTn>
+                                        <p:tgtEl>
+                                          <p:spTgt spid="9">
+                                            <p:txEl>
+                                              <p:pRg st="1" end="1"/>
+                                            </p:txEl>
+                                          </p:spTgt>
+                                        </p:tgtEl>
+                                        <p:attrNameLst>
+                                          <p:attrName>style.visibility</p:attrName>
+                                        </p:attrNameLst>
+                                      </p:cBhvr>
+                                      <p:to>
+                                        <p:strVal val="visible"/>
+                                      </p:to>
+                                    </p:set>
+                                    <p:animEffect transition="in" filter="fade">
+                                      <p:cBhvr>
+                                        <p:cTn id="62" dur="500"/>
+                                        <p:tgtEl>
+                                          <p:spTgt spid="9">
+                                            <p:txEl>
+                                              <p:pRg st="1" end="1"/>
+                                            </p:txEl>
+                                          </p:spTgt>
+                                        </p:tgtEl>
+                                      </p:cBhvr>
+                                    </p:animEffect>
+                                  </p:childTnLst>
+                                </p:cTn>
+                              </p:par>
+                            </p:childTnLst>
+                          </p:cTn>
+                        </p:par>
+                      </p:childTnLst>
+                    </p:cTn>
+                  </p:par>
+                  <p:par>
+                    <p:cTn id="63" fill="hold">
+                      <p:stCondLst>
+                        <p:cond delay="indefinite"/>
+                      </p:stCondLst>
+                      <p:childTnLst>
+                        <p:par>
+                          <p:cTn id="64" fill="hold">
+                            <p:stCondLst>
+                              <p:cond delay="0"/>
+                            </p:stCondLst>
+                            <p:childTnLst>
+                              <p:par>
+                                <p:cTn id="65" presetID="10" presetClass="entr" presetSubtype="0" fill="hold" nodeType="clickEffect">
+                                  <p:stCondLst>
+                                    <p:cond delay="0"/>
+                                  </p:stCondLst>
+                                  <p:childTnLst>
+                                    <p:set>
+                                      <p:cBhvr>
+                                        <p:cTn id="66" dur="1" fill="hold">
+                                          <p:stCondLst>
+                                            <p:cond delay="0"/>
+                                          </p:stCondLst>
+                                        </p:cTn>
+                                        <p:tgtEl>
+                                          <p:spTgt spid="9">
+                                            <p:txEl>
+                                              <p:pRg st="2" end="2"/>
+                                            </p:txEl>
+                                          </p:spTgt>
+                                        </p:tgtEl>
+                                        <p:attrNameLst>
+                                          <p:attrName>style.visibility</p:attrName>
+                                        </p:attrNameLst>
+                                      </p:cBhvr>
+                                      <p:to>
+                                        <p:strVal val="visible"/>
+                                      </p:to>
+                                    </p:set>
+                                    <p:animEffect transition="in" filter="fade">
+                                      <p:cBhvr>
+                                        <p:cTn id="67" dur="500"/>
+                                        <p:tgtEl>
+                                          <p:spTgt spid="9">
+                                            <p:txEl>
+                                              <p:pRg st="2" end="2"/>
+                                            </p:txEl>
+                                          </p:spTgt>
+                                        </p:tgtEl>
+                                      </p:cBhvr>
+                                    </p:animEffect>
+                                  </p:childTnLst>
+                                </p:cTn>
+                              </p:par>
+                              <p:par>
+                                <p:cTn id="68" presetID="10" presetClass="entr" presetSubtype="0" fill="hold" nodeType="withEffect">
+                                  <p:stCondLst>
+                                    <p:cond delay="0"/>
+                                  </p:stCondLst>
+                                  <p:childTnLst>
+                                    <p:set>
+                                      <p:cBhvr>
+                                        <p:cTn id="69" dur="1" fill="hold">
+                                          <p:stCondLst>
+                                            <p:cond delay="0"/>
+                                          </p:stCondLst>
+                                        </p:cTn>
+                                        <p:tgtEl>
+                                          <p:spTgt spid="9">
+                                            <p:txEl>
+                                              <p:pRg st="3" end="3"/>
+                                            </p:txEl>
+                                          </p:spTgt>
+                                        </p:tgtEl>
+                                        <p:attrNameLst>
+                                          <p:attrName>style.visibility</p:attrName>
+                                        </p:attrNameLst>
+                                      </p:cBhvr>
+                                      <p:to>
+                                        <p:strVal val="visible"/>
+                                      </p:to>
+                                    </p:set>
+                                    <p:animEffect transition="in" filter="fade">
+                                      <p:cBhvr>
+                                        <p:cTn id="70" dur="500"/>
+                                        <p:tgtEl>
+                                          <p:spTgt spid="9">
+                                            <p:txEl>
+                                              <p:pRg st="3" end="3"/>
+                                            </p:txEl>
+                                          </p:spTgt>
+                                        </p:tgtEl>
+                                      </p:cBhvr>
+                                    </p:animEffect>
+                                  </p:childTnLst>
+                                </p:cTn>
+                              </p:par>
+                            </p:childTnLst>
+                          </p:cTn>
+                        </p:par>
+                      </p:childTnLst>
+                    </p:cTn>
+                  </p:par>
+                  <p:par>
+                    <p:cTn id="71" fill="hold">
+                      <p:stCondLst>
+                        <p:cond delay="indefinite"/>
+                      </p:stCondLst>
+                      <p:childTnLst>
+                        <p:par>
+                          <p:cTn id="72" fill="hold">
+                            <p:stCondLst>
+                              <p:cond delay="0"/>
+                            </p:stCondLst>
+                            <p:childTnLst>
+                              <p:par>
+                                <p:cTn id="73" presetID="10" presetClass="entr" presetSubtype="0" fill="hold" nodeType="clickEffect">
+                                  <p:stCondLst>
+                                    <p:cond delay="0"/>
+                                  </p:stCondLst>
+                                  <p:childTnLst>
+                                    <p:set>
+                                      <p:cBhvr>
+                                        <p:cTn id="74" dur="1" fill="hold">
+                                          <p:stCondLst>
+                                            <p:cond delay="0"/>
+                                          </p:stCondLst>
+                                        </p:cTn>
+                                        <p:tgtEl>
+                                          <p:spTgt spid="9">
+                                            <p:txEl>
+                                              <p:pRg st="4" end="4"/>
+                                            </p:txEl>
+                                          </p:spTgt>
+                                        </p:tgtEl>
+                                        <p:attrNameLst>
+                                          <p:attrName>style.visibility</p:attrName>
+                                        </p:attrNameLst>
+                                      </p:cBhvr>
+                                      <p:to>
+                                        <p:strVal val="visible"/>
+                                      </p:to>
+                                    </p:set>
+                                    <p:animEffect transition="in" filter="fade">
+                                      <p:cBhvr>
+                                        <p:cTn id="75" dur="500"/>
+                                        <p:tgtEl>
+                                          <p:spTgt spid="9">
+                                            <p:txEl>
+                                              <p:pRg st="4" end="4"/>
+                                            </p:txEl>
+                                          </p:spTgt>
+                                        </p:tgtEl>
+                                      </p:cBhvr>
+                                    </p:animEffect>
+                                  </p:childTnLst>
+                                </p:cTn>
+                              </p:par>
+                            </p:childTnLst>
+                          </p:cTn>
+                        </p:par>
+                      </p:childTnLst>
+                    </p:cTn>
+                  </p:par>
+                  <p:par>
+                    <p:cTn id="76" fill="hold">
+                      <p:stCondLst>
+                        <p:cond delay="indefinite"/>
+                      </p:stCondLst>
+                      <p:childTnLst>
+                        <p:par>
+                          <p:cTn id="77" fill="hold">
+                            <p:stCondLst>
+                              <p:cond delay="0"/>
+                            </p:stCondLst>
+                            <p:childTnLst>
+                              <p:par>
+                                <p:cTn id="78" presetID="10" presetClass="entr" presetSubtype="0" fill="hold" nodeType="clickEffect">
+                                  <p:stCondLst>
+                                    <p:cond delay="0"/>
+                                  </p:stCondLst>
+                                  <p:childTnLst>
+                                    <p:set>
+                                      <p:cBhvr>
+                                        <p:cTn id="79" dur="1" fill="hold">
+                                          <p:stCondLst>
+                                            <p:cond delay="0"/>
+                                          </p:stCondLst>
+                                        </p:cTn>
+                                        <p:tgtEl>
+                                          <p:spTgt spid="9">
+                                            <p:txEl>
+                                              <p:pRg st="5" end="5"/>
+                                            </p:txEl>
+                                          </p:spTgt>
+                                        </p:tgtEl>
+                                        <p:attrNameLst>
+                                          <p:attrName>style.visibility</p:attrName>
+                                        </p:attrNameLst>
+                                      </p:cBhvr>
+                                      <p:to>
+                                        <p:strVal val="visible"/>
+                                      </p:to>
+                                    </p:set>
+                                    <p:animEffect transition="in" filter="fade">
+                                      <p:cBhvr>
+                                        <p:cTn id="80" dur="500"/>
+                                        <p:tgtEl>
+                                          <p:spTgt spid="9">
+                                            <p:txEl>
+                                              <p:pRg st="5" end="5"/>
+                                            </p:txEl>
+                                          </p:spTgt>
+                                        </p:tgtEl>
+                                      </p:cBhvr>
+                                    </p:animEffect>
+                                  </p:childTnLst>
+                                </p:cTn>
+                              </p:par>
+                            </p:childTnLst>
+                          </p:cTn>
+                        </p:par>
+                      </p:childTnLst>
+                    </p:cTn>
+                  </p:par>
+                  <p:par>
+                    <p:cTn id="81" fill="hold">
+                      <p:stCondLst>
+                        <p:cond delay="indefinite"/>
+                      </p:stCondLst>
+                      <p:childTnLst>
+                        <p:par>
+                          <p:cTn id="82" fill="hold">
+                            <p:stCondLst>
+                              <p:cond delay="0"/>
+                            </p:stCondLst>
+                            <p:childTnLst>
+                              <p:par>
+                                <p:cTn id="83" presetID="10" presetClass="entr" presetSubtype="0" fill="hold" nodeType="clickEffect">
+                                  <p:stCondLst>
+                                    <p:cond delay="0"/>
+                                  </p:stCondLst>
+                                  <p:childTnLst>
+                                    <p:set>
+                                      <p:cBhvr>
+                                        <p:cTn id="84" dur="1" fill="hold">
+                                          <p:stCondLst>
+                                            <p:cond delay="0"/>
+                                          </p:stCondLst>
+                                        </p:cTn>
+                                        <p:tgtEl>
+                                          <p:spTgt spid="9">
+                                            <p:txEl>
+                                              <p:pRg st="6" end="6"/>
+                                            </p:txEl>
+                                          </p:spTgt>
+                                        </p:tgtEl>
+                                        <p:attrNameLst>
+                                          <p:attrName>style.visibility</p:attrName>
+                                        </p:attrNameLst>
+                                      </p:cBhvr>
+                                      <p:to>
+                                        <p:strVal val="visible"/>
+                                      </p:to>
+                                    </p:set>
+                                    <p:animEffect transition="in" filter="fade">
+                                      <p:cBhvr>
+                                        <p:cTn id="85" dur="500"/>
+                                        <p:tgtEl>
+                                          <p:spTgt spid="9">
+                                            <p:txEl>
+                                              <p:pRg st="6" end="6"/>
+                                            </p:txEl>
+                                          </p:spTgt>
+                                        </p:tgtEl>
+                                      </p:cBhvr>
+                                    </p:animEffect>
+                                  </p:childTnLst>
+                                </p:cTn>
+                              </p:par>
+                            </p:childTnLst>
+                          </p:cTn>
+                        </p:par>
+                      </p:childTnLst>
+                    </p:cTn>
+                  </p:par>
+                </p:childTnLst>
+              </p:cTn>
+              <p:prevCondLst>
+                <p:cond evt="onPrev" delay="0">
+                  <p:tgtEl>
+                    <p:sldTgt/>
+                  </p:tgtEl>
+                </p:cond>
+              </p:prevCondLst>
+              <p:nextCondLst>
+                <p:cond evt="onNext" delay="0">
+                  <p:tgtEl>
+                    <p:sldTgt/>
+                  </p:tgtEl>
+                </p:cond>
+              </p:nextCondLst>
+            </p:seq>
+          </p:childTnLst>
+        </p:cTn>
+      </p:par>
+    </p:tnLst>
+  </p:timing>
 </p:sld>
 </file>
 
-<file path=ppt/slides/slide6.xml><?xml version="1.0" encoding="utf-8"?>
+<file path=ppt/slides/slide7.xml><?xml version="1.0" encoding="utf-8"?>
 <p:sld xmlns:a="http://schemas.openxmlformats.org/drawingml/2006/main" xmlns:r="http://schemas.openxmlformats.org/officeDocument/2006/relationships" xmlns:p="http://schemas.openxmlformats.org/presentationml/2006/main">
   <p:cSld>
     <p:spTree>
@@ -38623,7 +43131,7 @@
             </a:pPr>
             <a:r>
               <a:rPr lang="en-US" sz="2800" dirty="0"/>
-              <a:t>What time of feature detection/matching algorithm are employed</a:t>
+              <a:t>What type of feature detection/matching algorithm are employed</a:t>
             </a:r>
             <a:endParaRPr lang="en-CA" sz="2800" dirty="0"/>
           </a:p>
@@ -38723,7 +43231,7 @@
             <a:fld id="{991AB9B0-3E43-D847-B073-60FE8FAFFDB7}" type="slidenum">
               <a:rPr lang="en-US" smtClean="0"/>
               <a:pPr/>
-              <a:t>6</a:t>
+              <a:t>7</a:t>
             </a:fld>
             <a:endParaRPr lang="en-US"/>
           </a:p>
@@ -39279,10 +43787,93 @@
   <p:clrMapOvr>
     <a:masterClrMapping/>
   </p:clrMapOvr>
+  <p:timing>
+    <p:tnLst>
+      <p:par>
+        <p:cTn id="1" dur="indefinite" restart="never" nodeType="tmRoot">
+          <p:childTnLst>
+            <p:seq concurrent="1" nextAc="seek">
+              <p:cTn id="2" dur="indefinite" nodeType="mainSeq">
+                <p:childTnLst>
+                  <p:par>
+                    <p:cTn id="3" fill="hold">
+                      <p:stCondLst>
+                        <p:cond delay="indefinite"/>
+                      </p:stCondLst>
+                      <p:childTnLst>
+                        <p:par>
+                          <p:cTn id="4" fill="hold">
+                            <p:stCondLst>
+                              <p:cond delay="0"/>
+                            </p:stCondLst>
+                            <p:childTnLst>
+                              <p:par>
+                                <p:cTn id="5" presetID="10" presetClass="entr" presetSubtype="0" fill="hold" nodeType="clickEffect">
+                                  <p:stCondLst>
+                                    <p:cond delay="0"/>
+                                  </p:stCondLst>
+                                  <p:childTnLst>
+                                    <p:set>
+                                      <p:cBhvr>
+                                        <p:cTn id="6" dur="1" fill="hold">
+                                          <p:stCondLst>
+                                            <p:cond delay="0"/>
+                                          </p:stCondLst>
+                                        </p:cTn>
+                                        <p:tgtEl>
+                                          <p:spTgt spid="7"/>
+                                        </p:tgtEl>
+                                        <p:attrNameLst>
+                                          <p:attrName>style.visibility</p:attrName>
+                                        </p:attrNameLst>
+                                      </p:cBhvr>
+                                      <p:to>
+                                        <p:strVal val="visible"/>
+                                      </p:to>
+                                    </p:set>
+                                    <p:animEffect transition="in" filter="fade">
+                                      <p:cBhvr>
+                                        <p:cTn id="7" dur="500"/>
+                                        <p:tgtEl>
+                                          <p:spTgt spid="7"/>
+                                        </p:tgtEl>
+                                      </p:cBhvr>
+                                    </p:animEffect>
+                                  </p:childTnLst>
+                                </p:cTn>
+                              </p:par>
+                            </p:childTnLst>
+                          </p:cTn>
+                        </p:par>
+                      </p:childTnLst>
+                    </p:cTn>
+                  </p:par>
+                </p:childTnLst>
+              </p:cTn>
+              <p:prevCondLst>
+                <p:cond evt="onPrev" delay="0">
+                  <p:tgtEl>
+                    <p:sldTgt/>
+                  </p:tgtEl>
+                </p:cond>
+              </p:prevCondLst>
+              <p:nextCondLst>
+                <p:cond evt="onNext" delay="0">
+                  <p:tgtEl>
+                    <p:sldTgt/>
+                  </p:tgtEl>
+                </p:cond>
+              </p:nextCondLst>
+            </p:seq>
+          </p:childTnLst>
+        </p:cTn>
+      </p:par>
+    </p:tnLst>
+  </p:timing>
 </p:sld>
 </file>
 
-<file path=ppt/slides/slide7.xml><?xml version="1.0" encoding="utf-8"?>
+<file path=ppt/slides/slide8.xml><?xml version="1.0" encoding="utf-8"?>
 <p:sld xmlns:a="http://schemas.openxmlformats.org/drawingml/2006/main" xmlns:r="http://schemas.openxmlformats.org/officeDocument/2006/relationships" xmlns:p="http://schemas.openxmlformats.org/presentationml/2006/main">
   <p:cSld>
     <p:spTree>
@@ -39388,7 +43979,7 @@
             <a:fld id="{991AB9B0-3E43-D847-B073-60FE8FAFFDB7}" type="slidenum">
               <a:rPr lang="en-US" smtClean="0"/>
               <a:pPr/>
-              <a:t>7</a:t>
+              <a:t>8</a:t>
             </a:fld>
             <a:endParaRPr lang="en-US"/>
           </a:p>
@@ -39422,11 +44013,8 @@
           <a:p>
             <a:r>
               <a:rPr lang="en-US" sz="2800" i="1" dirty="0"/>
-              <a:t>For a known point, P, we obtain its coordinates on the 2D image plane</a:t>
+              <a:t>For a known point, P, we obtain its coordinates for the projection point on the 2D image plane</a:t>
             </a:r>
-          </a:p>
-          <a:p>
-            <a:endParaRPr lang="en-US" sz="2800" dirty="0"/>
           </a:p>
           <a:p>
             <a:endParaRPr lang="en-US" sz="2800" dirty="0"/>
@@ -39436,10 +44024,9 @@
               <a:buNone/>
             </a:pPr>
             <a:r>
-              <a:rPr lang="en-US" sz="2800" b="1" u="sng"/>
+              <a:rPr lang="en-US" sz="2800" b="1" u="sng" dirty="0"/>
               <a:t>Assumptions</a:t>
             </a:r>
-            <a:endParaRPr lang="en-US" sz="2800" b="1" u="sng" dirty="0"/>
           </a:p>
           <a:p>
             <a:r>
@@ -39643,6 +44230,102 @@
           </a:prstGeom>
         </p:spPr>
       </p:pic>
+      <p:sp>
+        <p:nvSpPr>
+          <p:cNvPr id="7" name="Rectangle 6">
+            <a:extLst>
+              <a:ext uri="{FF2B5EF4-FFF2-40B4-BE49-F238E27FC236}">
+                <a16:creationId xmlns:a16="http://schemas.microsoft.com/office/drawing/2014/main" id="{C452771D-87F0-9443-AA2A-16140B20F4C3}"/>
+              </a:ext>
+            </a:extLst>
+          </p:cNvPr>
+          <p:cNvSpPr/>
+          <p:nvPr/>
+        </p:nvSpPr>
+        <p:spPr>
+          <a:xfrm>
+            <a:off x="13170568" y="6017475"/>
+            <a:ext cx="1507958" cy="1287564"/>
+          </a:xfrm>
+          <a:prstGeom prst="rect">
+            <a:avLst/>
+          </a:prstGeom>
+          <a:noFill/>
+          <a:ln w="38100">
+            <a:solidFill>
+              <a:schemeClr val="accent2"/>
+            </a:solidFill>
+          </a:ln>
+        </p:spPr>
+        <p:style>
+          <a:lnRef idx="2">
+            <a:schemeClr val="accent1">
+              <a:shade val="15000"/>
+            </a:schemeClr>
+          </a:lnRef>
+          <a:fillRef idx="1">
+            <a:schemeClr val="accent1"/>
+          </a:fillRef>
+          <a:effectRef idx="0">
+            <a:schemeClr val="accent1"/>
+          </a:effectRef>
+          <a:fontRef idx="minor">
+            <a:schemeClr val="lt1"/>
+          </a:fontRef>
+        </p:style>
+        <p:txBody>
+          <a:bodyPr rtlCol="0" anchor="ctr"/>
+          <a:lstStyle/>
+          <a:p>
+            <a:pPr algn="ctr"/>
+            <a:endParaRPr lang="en-CA"/>
+          </a:p>
+        </p:txBody>
+      </p:sp>
+      <p:cxnSp>
+        <p:nvCxnSpPr>
+          <p:cNvPr id="10" name="Straight Arrow Connector 9">
+            <a:extLst>
+              <a:ext uri="{FF2B5EF4-FFF2-40B4-BE49-F238E27FC236}">
+                <a16:creationId xmlns:a16="http://schemas.microsoft.com/office/drawing/2014/main" id="{B711C3E1-839F-741C-2CDE-03271A0ACFBC}"/>
+              </a:ext>
+            </a:extLst>
+          </p:cNvPr>
+          <p:cNvCxnSpPr>
+            <a:cxnSpLocks/>
+          </p:cNvCxnSpPr>
+          <p:nvPr/>
+        </p:nvCxnSpPr>
+        <p:spPr>
+          <a:xfrm flipV="1">
+            <a:off x="12184064" y="7432804"/>
+            <a:ext cx="1564020" cy="828880"/>
+          </a:xfrm>
+          <a:prstGeom prst="straightConnector1">
+            <a:avLst/>
+          </a:prstGeom>
+          <a:ln w="57150">
+            <a:solidFill>
+              <a:schemeClr val="accent2"/>
+            </a:solidFill>
+            <a:tailEnd type="triangle"/>
+          </a:ln>
+        </p:spPr>
+        <p:style>
+          <a:lnRef idx="2">
+            <a:schemeClr val="accent2"/>
+          </a:lnRef>
+          <a:fillRef idx="0">
+            <a:schemeClr val="accent2"/>
+          </a:fillRef>
+          <a:effectRef idx="1">
+            <a:schemeClr val="accent2"/>
+          </a:effectRef>
+          <a:fontRef idx="minor">
+            <a:schemeClr val="tx1"/>
+          </a:fontRef>
+        </p:style>
+      </p:cxnSp>
     </p:spTree>
     <p:extLst>
       <p:ext uri="{BB962C8B-B14F-4D97-AF65-F5344CB8AC3E}">
@@ -39653,10 +44336,529 @@
   <p:clrMapOvr>
     <a:masterClrMapping/>
   </p:clrMapOvr>
+  <p:timing>
+    <p:tnLst>
+      <p:par>
+        <p:cTn id="1" dur="indefinite" restart="never" nodeType="tmRoot">
+          <p:childTnLst>
+            <p:seq concurrent="1" nextAc="seek">
+              <p:cTn id="2" dur="indefinite" nodeType="mainSeq">
+                <p:childTnLst>
+                  <p:par>
+                    <p:cTn id="3" fill="hold">
+                      <p:stCondLst>
+                        <p:cond delay="indefinite"/>
+                      </p:stCondLst>
+                      <p:childTnLst>
+                        <p:par>
+                          <p:cTn id="4" fill="hold">
+                            <p:stCondLst>
+                              <p:cond delay="0"/>
+                            </p:stCondLst>
+                            <p:childTnLst>
+                              <p:par>
+                                <p:cTn id="5" presetID="10" presetClass="entr" presetSubtype="0" fill="hold" nodeType="clickEffect">
+                                  <p:stCondLst>
+                                    <p:cond delay="0"/>
+                                  </p:stCondLst>
+                                  <p:childTnLst>
+                                    <p:set>
+                                      <p:cBhvr>
+                                        <p:cTn id="6" dur="1" fill="hold">
+                                          <p:stCondLst>
+                                            <p:cond delay="0"/>
+                                          </p:stCondLst>
+                                        </p:cTn>
+                                        <p:tgtEl>
+                                          <p:spTgt spid="8">
+                                            <p:txEl>
+                                              <p:pRg st="0" end="0"/>
+                                            </p:txEl>
+                                          </p:spTgt>
+                                        </p:tgtEl>
+                                        <p:attrNameLst>
+                                          <p:attrName>style.visibility</p:attrName>
+                                        </p:attrNameLst>
+                                      </p:cBhvr>
+                                      <p:to>
+                                        <p:strVal val="visible"/>
+                                      </p:to>
+                                    </p:set>
+                                    <p:animEffect transition="in" filter="fade">
+                                      <p:cBhvr>
+                                        <p:cTn id="7" dur="500"/>
+                                        <p:tgtEl>
+                                          <p:spTgt spid="8">
+                                            <p:txEl>
+                                              <p:pRg st="0" end="0"/>
+                                            </p:txEl>
+                                          </p:spTgt>
+                                        </p:tgtEl>
+                                      </p:cBhvr>
+                                    </p:animEffect>
+                                  </p:childTnLst>
+                                </p:cTn>
+                              </p:par>
+                            </p:childTnLst>
+                          </p:cTn>
+                        </p:par>
+                      </p:childTnLst>
+                    </p:cTn>
+                  </p:par>
+                  <p:par>
+                    <p:cTn id="8" fill="hold">
+                      <p:stCondLst>
+                        <p:cond delay="indefinite"/>
+                      </p:stCondLst>
+                      <p:childTnLst>
+                        <p:par>
+                          <p:cTn id="9" fill="hold">
+                            <p:stCondLst>
+                              <p:cond delay="0"/>
+                            </p:stCondLst>
+                            <p:childTnLst>
+                              <p:par>
+                                <p:cTn id="10" presetID="10" presetClass="entr" presetSubtype="0" fill="hold" nodeType="clickEffect">
+                                  <p:stCondLst>
+                                    <p:cond delay="0"/>
+                                  </p:stCondLst>
+                                  <p:childTnLst>
+                                    <p:set>
+                                      <p:cBhvr>
+                                        <p:cTn id="11" dur="1" fill="hold">
+                                          <p:stCondLst>
+                                            <p:cond delay="0"/>
+                                          </p:stCondLst>
+                                        </p:cTn>
+                                        <p:tgtEl>
+                                          <p:spTgt spid="17"/>
+                                        </p:tgtEl>
+                                        <p:attrNameLst>
+                                          <p:attrName>style.visibility</p:attrName>
+                                        </p:attrNameLst>
+                                      </p:cBhvr>
+                                      <p:to>
+                                        <p:strVal val="visible"/>
+                                      </p:to>
+                                    </p:set>
+                                    <p:animEffect transition="in" filter="fade">
+                                      <p:cBhvr>
+                                        <p:cTn id="12" dur="500"/>
+                                        <p:tgtEl>
+                                          <p:spTgt spid="17"/>
+                                        </p:tgtEl>
+                                      </p:cBhvr>
+                                    </p:animEffect>
+                                  </p:childTnLst>
+                                </p:cTn>
+                              </p:par>
+                              <p:par>
+                                <p:cTn id="13" presetID="10" presetClass="entr" presetSubtype="0" fill="hold" grpId="0" nodeType="withEffect">
+                                  <p:stCondLst>
+                                    <p:cond delay="0"/>
+                                  </p:stCondLst>
+                                  <p:childTnLst>
+                                    <p:set>
+                                      <p:cBhvr>
+                                        <p:cTn id="14" dur="1" fill="hold">
+                                          <p:stCondLst>
+                                            <p:cond delay="0"/>
+                                          </p:stCondLst>
+                                        </p:cTn>
+                                        <p:tgtEl>
+                                          <p:spTgt spid="15"/>
+                                        </p:tgtEl>
+                                        <p:attrNameLst>
+                                          <p:attrName>style.visibility</p:attrName>
+                                        </p:attrNameLst>
+                                      </p:cBhvr>
+                                      <p:to>
+                                        <p:strVal val="visible"/>
+                                      </p:to>
+                                    </p:set>
+                                    <p:animEffect transition="in" filter="fade">
+                                      <p:cBhvr>
+                                        <p:cTn id="15" dur="500"/>
+                                        <p:tgtEl>
+                                          <p:spTgt spid="15"/>
+                                        </p:tgtEl>
+                                      </p:cBhvr>
+                                    </p:animEffect>
+                                  </p:childTnLst>
+                                </p:cTn>
+                              </p:par>
+                            </p:childTnLst>
+                          </p:cTn>
+                        </p:par>
+                      </p:childTnLst>
+                    </p:cTn>
+                  </p:par>
+                  <p:par>
+                    <p:cTn id="16" fill="hold">
+                      <p:stCondLst>
+                        <p:cond delay="indefinite"/>
+                      </p:stCondLst>
+                      <p:childTnLst>
+                        <p:par>
+                          <p:cTn id="17" fill="hold">
+                            <p:stCondLst>
+                              <p:cond delay="0"/>
+                            </p:stCondLst>
+                            <p:childTnLst>
+                              <p:par>
+                                <p:cTn id="18" presetID="10" presetClass="entr" presetSubtype="0" fill="hold" nodeType="clickEffect">
+                                  <p:stCondLst>
+                                    <p:cond delay="0"/>
+                                  </p:stCondLst>
+                                  <p:childTnLst>
+                                    <p:set>
+                                      <p:cBhvr>
+                                        <p:cTn id="19" dur="1" fill="hold">
+                                          <p:stCondLst>
+                                            <p:cond delay="0"/>
+                                          </p:stCondLst>
+                                        </p:cTn>
+                                        <p:tgtEl>
+                                          <p:spTgt spid="12"/>
+                                        </p:tgtEl>
+                                        <p:attrNameLst>
+                                          <p:attrName>style.visibility</p:attrName>
+                                        </p:attrNameLst>
+                                      </p:cBhvr>
+                                      <p:to>
+                                        <p:strVal val="visible"/>
+                                      </p:to>
+                                    </p:set>
+                                    <p:animEffect transition="in" filter="fade">
+                                      <p:cBhvr>
+                                        <p:cTn id="20" dur="500"/>
+                                        <p:tgtEl>
+                                          <p:spTgt spid="12"/>
+                                        </p:tgtEl>
+                                      </p:cBhvr>
+                                    </p:animEffect>
+                                  </p:childTnLst>
+                                </p:cTn>
+                              </p:par>
+                            </p:childTnLst>
+                          </p:cTn>
+                        </p:par>
+                      </p:childTnLst>
+                    </p:cTn>
+                  </p:par>
+                  <p:par>
+                    <p:cTn id="21" fill="hold">
+                      <p:stCondLst>
+                        <p:cond delay="indefinite"/>
+                      </p:stCondLst>
+                      <p:childTnLst>
+                        <p:par>
+                          <p:cTn id="22" fill="hold">
+                            <p:stCondLst>
+                              <p:cond delay="0"/>
+                            </p:stCondLst>
+                            <p:childTnLst>
+                              <p:par>
+                                <p:cTn id="23" presetID="10" presetClass="entr" presetSubtype="0" fill="hold" nodeType="clickEffect">
+                                  <p:stCondLst>
+                                    <p:cond delay="0"/>
+                                  </p:stCondLst>
+                                  <p:childTnLst>
+                                    <p:set>
+                                      <p:cBhvr>
+                                        <p:cTn id="24" dur="1" fill="hold">
+                                          <p:stCondLst>
+                                            <p:cond delay="0"/>
+                                          </p:stCondLst>
+                                        </p:cTn>
+                                        <p:tgtEl>
+                                          <p:spTgt spid="14"/>
+                                        </p:tgtEl>
+                                        <p:attrNameLst>
+                                          <p:attrName>style.visibility</p:attrName>
+                                        </p:attrNameLst>
+                                      </p:cBhvr>
+                                      <p:to>
+                                        <p:strVal val="visible"/>
+                                      </p:to>
+                                    </p:set>
+                                    <p:animEffect transition="in" filter="fade">
+                                      <p:cBhvr>
+                                        <p:cTn id="25" dur="500"/>
+                                        <p:tgtEl>
+                                          <p:spTgt spid="14"/>
+                                        </p:tgtEl>
+                                      </p:cBhvr>
+                                    </p:animEffect>
+                                  </p:childTnLst>
+                                </p:cTn>
+                              </p:par>
+                            </p:childTnLst>
+                          </p:cTn>
+                        </p:par>
+                      </p:childTnLst>
+                    </p:cTn>
+                  </p:par>
+                  <p:par>
+                    <p:cTn id="26" fill="hold">
+                      <p:stCondLst>
+                        <p:cond delay="indefinite"/>
+                      </p:stCondLst>
+                      <p:childTnLst>
+                        <p:par>
+                          <p:cTn id="27" fill="hold">
+                            <p:stCondLst>
+                              <p:cond delay="0"/>
+                            </p:stCondLst>
+                            <p:childTnLst>
+                              <p:par>
+                                <p:cTn id="28" presetID="10" presetClass="entr" presetSubtype="0" fill="hold" grpId="0" nodeType="clickEffect">
+                                  <p:stCondLst>
+                                    <p:cond delay="0"/>
+                                  </p:stCondLst>
+                                  <p:childTnLst>
+                                    <p:set>
+                                      <p:cBhvr>
+                                        <p:cTn id="29" dur="1" fill="hold">
+                                          <p:stCondLst>
+                                            <p:cond delay="0"/>
+                                          </p:stCondLst>
+                                        </p:cTn>
+                                        <p:tgtEl>
+                                          <p:spTgt spid="7"/>
+                                        </p:tgtEl>
+                                        <p:attrNameLst>
+                                          <p:attrName>style.visibility</p:attrName>
+                                        </p:attrNameLst>
+                                      </p:cBhvr>
+                                      <p:to>
+                                        <p:strVal val="visible"/>
+                                      </p:to>
+                                    </p:set>
+                                    <p:animEffect transition="in" filter="fade">
+                                      <p:cBhvr>
+                                        <p:cTn id="30" dur="500"/>
+                                        <p:tgtEl>
+                                          <p:spTgt spid="7"/>
+                                        </p:tgtEl>
+                                      </p:cBhvr>
+                                    </p:animEffect>
+                                  </p:childTnLst>
+                                </p:cTn>
+                              </p:par>
+                              <p:par>
+                                <p:cTn id="31" presetID="10" presetClass="entr" presetSubtype="0" fill="hold" nodeType="withEffect">
+                                  <p:stCondLst>
+                                    <p:cond delay="0"/>
+                                  </p:stCondLst>
+                                  <p:childTnLst>
+                                    <p:set>
+                                      <p:cBhvr>
+                                        <p:cTn id="32" dur="1" fill="hold">
+                                          <p:stCondLst>
+                                            <p:cond delay="0"/>
+                                          </p:stCondLst>
+                                        </p:cTn>
+                                        <p:tgtEl>
+                                          <p:spTgt spid="10"/>
+                                        </p:tgtEl>
+                                        <p:attrNameLst>
+                                          <p:attrName>style.visibility</p:attrName>
+                                        </p:attrNameLst>
+                                      </p:cBhvr>
+                                      <p:to>
+                                        <p:strVal val="visible"/>
+                                      </p:to>
+                                    </p:set>
+                                    <p:animEffect transition="in" filter="fade">
+                                      <p:cBhvr>
+                                        <p:cTn id="33" dur="500"/>
+                                        <p:tgtEl>
+                                          <p:spTgt spid="10"/>
+                                        </p:tgtEl>
+                                      </p:cBhvr>
+                                    </p:animEffect>
+                                  </p:childTnLst>
+                                </p:cTn>
+                              </p:par>
+                            </p:childTnLst>
+                          </p:cTn>
+                        </p:par>
+                      </p:childTnLst>
+                    </p:cTn>
+                  </p:par>
+                  <p:par>
+                    <p:cTn id="34" fill="hold">
+                      <p:stCondLst>
+                        <p:cond delay="indefinite"/>
+                      </p:stCondLst>
+                      <p:childTnLst>
+                        <p:par>
+                          <p:cTn id="35" fill="hold">
+                            <p:stCondLst>
+                              <p:cond delay="0"/>
+                            </p:stCondLst>
+                            <p:childTnLst>
+                              <p:par>
+                                <p:cTn id="36" presetID="1" presetClass="entr" presetSubtype="0" fill="hold" nodeType="clickEffect">
+                                  <p:stCondLst>
+                                    <p:cond delay="0"/>
+                                  </p:stCondLst>
+                                  <p:childTnLst>
+                                    <p:set>
+                                      <p:cBhvr>
+                                        <p:cTn id="37" dur="1" fill="hold">
+                                          <p:stCondLst>
+                                            <p:cond delay="0"/>
+                                          </p:stCondLst>
+                                        </p:cTn>
+                                        <p:tgtEl>
+                                          <p:spTgt spid="8">
+                                            <p:txEl>
+                                              <p:pRg st="2" end="2"/>
+                                            </p:txEl>
+                                          </p:spTgt>
+                                        </p:tgtEl>
+                                        <p:attrNameLst>
+                                          <p:attrName>style.visibility</p:attrName>
+                                        </p:attrNameLst>
+                                      </p:cBhvr>
+                                      <p:to>
+                                        <p:strVal val="visible"/>
+                                      </p:to>
+                                    </p:set>
+                                  </p:childTnLst>
+                                </p:cTn>
+                              </p:par>
+                              <p:par>
+                                <p:cTn id="38" presetID="1" presetClass="entr" presetSubtype="0" fill="hold" nodeType="withEffect">
+                                  <p:stCondLst>
+                                    <p:cond delay="0"/>
+                                  </p:stCondLst>
+                                  <p:childTnLst>
+                                    <p:set>
+                                      <p:cBhvr>
+                                        <p:cTn id="39" dur="1" fill="hold">
+                                          <p:stCondLst>
+                                            <p:cond delay="0"/>
+                                          </p:stCondLst>
+                                        </p:cTn>
+                                        <p:tgtEl>
+                                          <p:spTgt spid="8">
+                                            <p:txEl>
+                                              <p:pRg st="3" end="3"/>
+                                            </p:txEl>
+                                          </p:spTgt>
+                                        </p:tgtEl>
+                                        <p:attrNameLst>
+                                          <p:attrName>style.visibility</p:attrName>
+                                        </p:attrNameLst>
+                                      </p:cBhvr>
+                                      <p:to>
+                                        <p:strVal val="visible"/>
+                                      </p:to>
+                                    </p:set>
+                                  </p:childTnLst>
+                                </p:cTn>
+                              </p:par>
+                              <p:par>
+                                <p:cTn id="40" presetID="1" presetClass="entr" presetSubtype="0" fill="hold" nodeType="withEffect">
+                                  <p:stCondLst>
+                                    <p:cond delay="0"/>
+                                  </p:stCondLst>
+                                  <p:childTnLst>
+                                    <p:set>
+                                      <p:cBhvr>
+                                        <p:cTn id="41" dur="1" fill="hold">
+                                          <p:stCondLst>
+                                            <p:cond delay="0"/>
+                                          </p:stCondLst>
+                                        </p:cTn>
+                                        <p:tgtEl>
+                                          <p:spTgt spid="8">
+                                            <p:txEl>
+                                              <p:pRg st="4" end="4"/>
+                                            </p:txEl>
+                                          </p:spTgt>
+                                        </p:tgtEl>
+                                        <p:attrNameLst>
+                                          <p:attrName>style.visibility</p:attrName>
+                                        </p:attrNameLst>
+                                      </p:cBhvr>
+                                      <p:to>
+                                        <p:strVal val="visible"/>
+                                      </p:to>
+                                    </p:set>
+                                  </p:childTnLst>
+                                </p:cTn>
+                              </p:par>
+                              <p:par>
+                                <p:cTn id="42" presetID="1" presetClass="entr" presetSubtype="0" fill="hold" nodeType="withEffect">
+                                  <p:stCondLst>
+                                    <p:cond delay="0"/>
+                                  </p:stCondLst>
+                                  <p:childTnLst>
+                                    <p:set>
+                                      <p:cBhvr>
+                                        <p:cTn id="43" dur="1" fill="hold">
+                                          <p:stCondLst>
+                                            <p:cond delay="0"/>
+                                          </p:stCondLst>
+                                        </p:cTn>
+                                        <p:tgtEl>
+                                          <p:spTgt spid="8">
+                                            <p:txEl>
+                                              <p:pRg st="5" end="5"/>
+                                            </p:txEl>
+                                          </p:spTgt>
+                                        </p:tgtEl>
+                                        <p:attrNameLst>
+                                          <p:attrName>style.visibility</p:attrName>
+                                        </p:attrNameLst>
+                                      </p:cBhvr>
+                                      <p:to>
+                                        <p:strVal val="visible"/>
+                                      </p:to>
+                                    </p:set>
+                                  </p:childTnLst>
+                                </p:cTn>
+                              </p:par>
+                            </p:childTnLst>
+                          </p:cTn>
+                        </p:par>
+                      </p:childTnLst>
+                    </p:cTn>
+                  </p:par>
+                </p:childTnLst>
+              </p:cTn>
+              <p:prevCondLst>
+                <p:cond evt="onPrev" delay="0">
+                  <p:tgtEl>
+                    <p:sldTgt/>
+                  </p:tgtEl>
+                </p:cond>
+              </p:prevCondLst>
+              <p:nextCondLst>
+                <p:cond evt="onNext" delay="0">
+                  <p:tgtEl>
+                    <p:sldTgt/>
+                  </p:tgtEl>
+                </p:cond>
+              </p:nextCondLst>
+            </p:seq>
+          </p:childTnLst>
+        </p:cTn>
+      </p:par>
+    </p:tnLst>
+    <p:bldLst>
+      <p:bldP spid="15" grpId="0"/>
+      <p:bldP spid="7" grpId="0" animBg="1"/>
+    </p:bldLst>
+  </p:timing>
 </p:sld>
 </file>
 
-<file path=ppt/slides/slide8.xml><?xml version="1.0" encoding="utf-8"?>
+<file path=ppt/slides/slide9.xml><?xml version="1.0" encoding="utf-8"?>
 <p:sld xmlns:a="http://schemas.openxmlformats.org/drawingml/2006/main" xmlns:r="http://schemas.openxmlformats.org/officeDocument/2006/relationships" xmlns:p="http://schemas.openxmlformats.org/presentationml/2006/main">
   <p:cSld>
     <p:spTree>
@@ -39762,7 +44964,7 @@
             <a:fld id="{991AB9B0-3E43-D847-B073-60FE8FAFFDB7}" type="slidenum">
               <a:rPr lang="en-US" smtClean="0"/>
               <a:pPr/>
-              <a:t>8</a:t>
+              <a:t>9</a:t>
             </a:fld>
             <a:endParaRPr lang="en-US"/>
           </a:p>
@@ -39798,11 +45000,11 @@
               <a:buNone/>
             </a:pPr>
             <a:r>
-              <a:rPr lang="en-US" sz="3200" dirty="0"/>
-              <a:t>For point X in a given image, a summed image </a:t>
+              <a:rPr lang="en-US" sz="3200" i="1" dirty="0"/>
+              <a:t>For point X in each image, a ‘summed image’ </a:t>
             </a:r>
             <a:r>
-              <a:rPr lang="en-US" dirty="0"/>
+              <a:rPr lang="en-US" i="1" dirty="0"/>
               <a:t>contains the summation of the image intensity for all pixels formed by the origin and point X.</a:t>
             </a:r>
           </a:p>
@@ -39851,7 +45053,7 @@
         </p:blipFill>
         <p:spPr>
           <a:xfrm>
-            <a:off x="925677" y="4790291"/>
+            <a:off x="925677" y="4079631"/>
             <a:ext cx="5703723" cy="1511831"/>
           </a:xfrm>
           <a:prstGeom prst="rect">
@@ -39875,14 +45077,13 @@
         </p:nvPicPr>
         <p:blipFill>
           <a:blip r:embed="rId3"/>
-          <a:stretch>
-            <a:fillRect/>
-          </a:stretch>
+          <a:srcRect b="55244"/>
+          <a:stretch/>
         </p:blipFill>
         <p:spPr>
           <a:xfrm>
-            <a:off x="11755024" y="1665426"/>
-            <a:ext cx="3124865" cy="6249730"/>
+            <a:off x="10450514" y="3642107"/>
+            <a:ext cx="3124865" cy="2797151"/>
           </a:xfrm>
           <a:prstGeom prst="rect">
             <a:avLst/>
@@ -39903,7 +45104,7 @@
         </p:nvSpPr>
         <p:spPr>
           <a:xfrm>
-            <a:off x="10450514" y="8475077"/>
+            <a:off x="10450514" y="7304003"/>
             <a:ext cx="6114886" cy="1200329"/>
           </a:xfrm>
           <a:prstGeom prst="rect">
@@ -39957,7 +45158,7 @@
         </p:nvSpPr>
         <p:spPr>
           <a:xfrm>
-            <a:off x="925677" y="6929804"/>
+            <a:off x="925677" y="6143741"/>
             <a:ext cx="6114886" cy="1477328"/>
           </a:xfrm>
           <a:prstGeom prst="rect">
@@ -39997,6 +45198,35 @@
           </a:p>
         </p:txBody>
       </p:sp>
+      <p:pic>
+        <p:nvPicPr>
+          <p:cNvPr id="3" name="Picture 2">
+            <a:extLst>
+              <a:ext uri="{FF2B5EF4-FFF2-40B4-BE49-F238E27FC236}">
+                <a16:creationId xmlns:a16="http://schemas.microsoft.com/office/drawing/2014/main" id="{1108F552-B6AF-82FC-D7B3-785EBEBB6299}"/>
+              </a:ext>
+            </a:extLst>
+          </p:cNvPr>
+          <p:cNvPicPr>
+            <a:picLocks noChangeAspect="1"/>
+          </p:cNvPicPr>
+          <p:nvPr/>
+        </p:nvPicPr>
+        <p:blipFill>
+          <a:blip r:embed="rId3"/>
+          <a:srcRect t="44839"/>
+          <a:stretch/>
+        </p:blipFill>
+        <p:spPr>
+          <a:xfrm>
+            <a:off x="13851836" y="3642107"/>
+            <a:ext cx="3124865" cy="3447430"/>
+          </a:xfrm>
+          <a:prstGeom prst="rect">
+            <a:avLst/>
+          </a:prstGeom>
+        </p:spPr>
+      </p:pic>
     </p:spTree>
     <p:extLst>
       <p:ext uri="{BB962C8B-B14F-4D97-AF65-F5344CB8AC3E}">
@@ -40007,330 +45237,312 @@
   <p:clrMapOvr>
     <a:masterClrMapping/>
   </p:clrMapOvr>
-</p:sld>
-</file>
-
-<file path=ppt/slides/slide9.xml><?xml version="1.0" encoding="utf-8"?>
-<p:sld xmlns:a="http://schemas.openxmlformats.org/drawingml/2006/main" xmlns:r="http://schemas.openxmlformats.org/officeDocument/2006/relationships" xmlns:p="http://schemas.openxmlformats.org/presentationml/2006/main">
-  <p:cSld>
-    <p:spTree>
-      <p:nvGrpSpPr>
-        <p:cNvPr id="1" name="">
-          <a:extLst>
-            <a:ext uri="{FF2B5EF4-FFF2-40B4-BE49-F238E27FC236}">
-              <a16:creationId xmlns:a16="http://schemas.microsoft.com/office/drawing/2014/main" id="{EDFD9FD0-5CB3-293F-0D03-0BD991DC930A}"/>
-            </a:ext>
-          </a:extLst>
-        </p:cNvPr>
-        <p:cNvGrpSpPr/>
-        <p:nvPr/>
-      </p:nvGrpSpPr>
-      <p:grpSpPr>
-        <a:xfrm>
-          <a:off x="0" y="0"/>
-          <a:ext cx="0" cy="0"/>
-          <a:chOff x="0" y="0"/>
-          <a:chExt cx="0" cy="0"/>
-        </a:xfrm>
-      </p:grpSpPr>
-      <p:sp>
-        <p:nvSpPr>
-          <p:cNvPr id="2" name="Title 1">
-            <a:extLst>
-              <a:ext uri="{FF2B5EF4-FFF2-40B4-BE49-F238E27FC236}">
-                <a16:creationId xmlns:a16="http://schemas.microsoft.com/office/drawing/2014/main" id="{6C1A1D92-68AF-C9DF-9116-594715B3EB39}"/>
-              </a:ext>
-            </a:extLst>
-          </p:cNvPr>
-          <p:cNvSpPr>
-            <a:spLocks noGrp="1"/>
-          </p:cNvSpPr>
-          <p:nvPr>
-            <p:ph type="ctrTitle"/>
-          </p:nvPr>
-        </p:nvSpPr>
-        <p:spPr/>
-        <p:txBody>
-          <a:bodyPr/>
-          <a:lstStyle/>
-          <a:p>
-            <a:r>
-              <a:rPr lang="en-US" dirty="0"/>
-              <a:t>Theoretical Models – TM03</a:t>
-            </a:r>
-            <a:endParaRPr lang="en-CA" dirty="0"/>
-          </a:p>
-        </p:txBody>
-      </p:sp>
-      <p:sp>
-        <p:nvSpPr>
-          <p:cNvPr id="4" name="Date Placeholder 3">
-            <a:extLst>
-              <a:ext uri="{FF2B5EF4-FFF2-40B4-BE49-F238E27FC236}">
-                <a16:creationId xmlns:a16="http://schemas.microsoft.com/office/drawing/2014/main" id="{EB281BDC-C6EC-1E63-9C36-E476919B9685}"/>
-              </a:ext>
-            </a:extLst>
-          </p:cNvPr>
-          <p:cNvSpPr>
-            <a:spLocks noGrp="1"/>
-          </p:cNvSpPr>
-          <p:nvPr>
-            <p:ph type="dt" sz="half" idx="2"/>
-          </p:nvPr>
-        </p:nvSpPr>
-        <p:spPr/>
-        <p:txBody>
-          <a:bodyPr/>
-          <a:lstStyle/>
-          <a:p>
-            <a:fld id="{D2792E9C-7E5E-F14F-B049-5BFE22D713B7}" type="datetime4">
-              <a:rPr lang="en-CA" smtClean="0"/>
-              <a:pPr/>
-              <a:t>January 24, 2025</a:t>
-            </a:fld>
-            <a:endParaRPr lang="en-US" dirty="0"/>
-          </a:p>
-        </p:txBody>
-      </p:sp>
-      <p:sp>
-        <p:nvSpPr>
-          <p:cNvPr id="5" name="Slide Number Placeholder 4">
-            <a:extLst>
-              <a:ext uri="{FF2B5EF4-FFF2-40B4-BE49-F238E27FC236}">
-                <a16:creationId xmlns:a16="http://schemas.microsoft.com/office/drawing/2014/main" id="{FED2F44A-1C41-6106-DF3D-C6D5AB5B0AD2}"/>
-              </a:ext>
-            </a:extLst>
-          </p:cNvPr>
-          <p:cNvSpPr>
-            <a:spLocks noGrp="1"/>
-          </p:cNvSpPr>
-          <p:nvPr>
-            <p:ph type="sldNum" sz="quarter" idx="12"/>
-          </p:nvPr>
-        </p:nvSpPr>
-        <p:spPr/>
-        <p:txBody>
-          <a:bodyPr/>
-          <a:lstStyle/>
-          <a:p>
-            <a:fld id="{991AB9B0-3E43-D847-B073-60FE8FAFFDB7}" type="slidenum">
-              <a:rPr lang="en-US" smtClean="0"/>
-              <a:pPr/>
-              <a:t>9</a:t>
-            </a:fld>
-            <a:endParaRPr lang="en-US"/>
-          </a:p>
-        </p:txBody>
-      </p:sp>
-      <p:sp>
-        <p:nvSpPr>
-          <p:cNvPr id="8" name="Text Placeholder 5">
-            <a:extLst>
-              <a:ext uri="{FF2B5EF4-FFF2-40B4-BE49-F238E27FC236}">
-                <a16:creationId xmlns:a16="http://schemas.microsoft.com/office/drawing/2014/main" id="{98850B58-1A3E-A09F-1D47-B880981BD497}"/>
-              </a:ext>
-            </a:extLst>
-          </p:cNvPr>
-          <p:cNvSpPr>
-            <a:spLocks noGrp="1"/>
-          </p:cNvSpPr>
-          <p:nvPr>
-            <p:ph type="body" sz="quarter" idx="13"/>
-          </p:nvPr>
-        </p:nvSpPr>
-        <p:spPr>
-          <a:xfrm>
-            <a:off x="742950" y="1562100"/>
-            <a:ext cx="7620000" cy="7829550"/>
-          </a:xfrm>
-        </p:spPr>
-        <p:txBody>
-          <a:bodyPr/>
-          <a:lstStyle/>
-          <a:p>
-            <a:pPr marL="0" indent="0">
-              <a:buNone/>
-            </a:pPr>
-            <a:r>
-              <a:rPr lang="en-US" sz="3200" dirty="0"/>
-              <a:t>For point X in a given image, a summed image </a:t>
-            </a:r>
-            <a:r>
-              <a:rPr lang="en-US" dirty="0"/>
-              <a:t>contains the summation of the image intensity for all pixels formed by the origin and point X.</a:t>
-            </a:r>
-          </a:p>
-          <a:p>
-            <a:pPr marL="0" indent="0">
-              <a:buNone/>
-            </a:pPr>
-            <a:endParaRPr lang="en-US" sz="2800" dirty="0"/>
-          </a:p>
-          <a:p>
-            <a:endParaRPr lang="en-US" sz="2800" dirty="0"/>
-          </a:p>
-          <a:p>
-            <a:endParaRPr lang="en-US" sz="2800" dirty="0"/>
-          </a:p>
-          <a:p>
-            <a:endParaRPr lang="en-US" sz="2800" dirty="0"/>
-          </a:p>
-          <a:p>
-            <a:endParaRPr lang="en-US" sz="2800" dirty="0"/>
-          </a:p>
-          <a:p>
-            <a:endParaRPr lang="en-US" sz="2800" dirty="0"/>
-          </a:p>
-        </p:txBody>
-      </p:sp>
-      <p:pic>
-        <p:nvPicPr>
-          <p:cNvPr id="7" name="Picture 6">
-            <a:extLst>
-              <a:ext uri="{FF2B5EF4-FFF2-40B4-BE49-F238E27FC236}">
-                <a16:creationId xmlns:a16="http://schemas.microsoft.com/office/drawing/2014/main" id="{2E190C17-02A9-D358-A45F-95DFF819FA91}"/>
-              </a:ext>
-            </a:extLst>
-          </p:cNvPr>
-          <p:cNvPicPr>
-            <a:picLocks noChangeAspect="1"/>
-          </p:cNvPicPr>
-          <p:nvPr/>
-        </p:nvPicPr>
-        <p:blipFill>
-          <a:blip r:embed="rId2"/>
-          <a:stretch>
-            <a:fillRect/>
-          </a:stretch>
-        </p:blipFill>
-        <p:spPr>
-          <a:xfrm>
-            <a:off x="11755024" y="1665426"/>
-            <a:ext cx="3124865" cy="6249730"/>
-          </a:xfrm>
-          <a:prstGeom prst="rect">
-            <a:avLst/>
-          </a:prstGeom>
-        </p:spPr>
-      </p:pic>
-      <p:sp>
-        <p:nvSpPr>
-          <p:cNvPr id="13" name="TextBox 12">
-            <a:extLst>
-              <a:ext uri="{FF2B5EF4-FFF2-40B4-BE49-F238E27FC236}">
-                <a16:creationId xmlns:a16="http://schemas.microsoft.com/office/drawing/2014/main" id="{2FEAE62C-4B21-5F75-6AA0-FEAFE1800953}"/>
-              </a:ext>
-            </a:extLst>
-          </p:cNvPr>
-          <p:cNvSpPr txBox="1"/>
-          <p:nvPr/>
-        </p:nvSpPr>
-        <p:spPr>
-          <a:xfrm>
-            <a:off x="10450514" y="8475077"/>
-            <a:ext cx="6114886" cy="1200329"/>
-          </a:xfrm>
-          <a:prstGeom prst="rect">
-            <a:avLst/>
-          </a:prstGeom>
-          <a:noFill/>
-        </p:spPr>
-        <p:txBody>
-          <a:bodyPr wrap="square">
-            <a:spAutoFit/>
-          </a:bodyPr>
-          <a:lstStyle/>
-          <a:p>
-            <a:r>
-              <a:rPr lang="en-US" dirty="0">
-                <a:solidFill>
-                  <a:schemeClr val="bg1"/>
-                </a:solidFill>
-              </a:rPr>
-              <a:t>Wikipedia Contributors, “Summed-area table,” Wikipedia, Sep. 21, 2019. https://en.wikipedia.org/wiki/Summed-area_table</a:t>
-            </a:r>
-          </a:p>
-          <a:p>
-            <a:r>
-              <a:rPr lang="en-US" dirty="0">
-                <a:solidFill>
-                  <a:schemeClr val="bg1"/>
-                </a:solidFill>
-              </a:rPr>
-              <a:t>‌</a:t>
-            </a:r>
-            <a:endParaRPr lang="en-CA" dirty="0">
-              <a:solidFill>
-                <a:schemeClr val="bg1"/>
-              </a:solidFill>
-            </a:endParaRPr>
-          </a:p>
-        </p:txBody>
-      </p:sp>
-      <p:sp>
-        <p:nvSpPr>
-          <p:cNvPr id="21" name="TextBox 20">
-            <a:extLst>
-              <a:ext uri="{FF2B5EF4-FFF2-40B4-BE49-F238E27FC236}">
-                <a16:creationId xmlns:a16="http://schemas.microsoft.com/office/drawing/2014/main" id="{422ED041-FE41-C84E-ED53-94192476A2E2}"/>
-              </a:ext>
-            </a:extLst>
-          </p:cNvPr>
-          <p:cNvSpPr txBox="1"/>
-          <p:nvPr/>
-        </p:nvSpPr>
-        <p:spPr>
-          <a:xfrm>
-            <a:off x="925677" y="6929804"/>
-            <a:ext cx="6114886" cy="1477328"/>
-          </a:xfrm>
-          <a:prstGeom prst="rect">
-            <a:avLst/>
-          </a:prstGeom>
-          <a:noFill/>
-        </p:spPr>
-        <p:txBody>
-          <a:bodyPr wrap="square">
-            <a:spAutoFit/>
-          </a:bodyPr>
-          <a:lstStyle/>
-          <a:p>
-            <a:r>
-              <a:rPr lang="en-US" dirty="0">
-                <a:solidFill>
-                  <a:schemeClr val="bg1"/>
-                </a:solidFill>
-              </a:rPr>
-              <a:t>D. Tyagi, “Introduction to SURF (Speeded-Up Robust Features),” Medium, Apr. 07, 2020. https://medium.com/@deepanshut041/introduction-to-surf-speeded-up-robust-features-c7396d6e7c4e</a:t>
-            </a:r>
-          </a:p>
-          <a:p>
-            <a:r>
-              <a:rPr lang="en-US" dirty="0">
-                <a:solidFill>
-                  <a:schemeClr val="bg1"/>
-                </a:solidFill>
-              </a:rPr>
-              <a:t>‌‌</a:t>
-            </a:r>
-            <a:endParaRPr lang="en-CA" dirty="0">
-              <a:solidFill>
-                <a:schemeClr val="bg1"/>
-              </a:solidFill>
-            </a:endParaRPr>
-          </a:p>
-        </p:txBody>
-      </p:sp>
-    </p:spTree>
-    <p:extLst>
-      <p:ext uri="{BB962C8B-B14F-4D97-AF65-F5344CB8AC3E}">
-        <p14:creationId xmlns:p14="http://schemas.microsoft.com/office/powerpoint/2010/main" val="3275850847"/>
-      </p:ext>
-    </p:extLst>
-  </p:cSld>
-  <p:clrMapOvr>
-    <a:masterClrMapping/>
-  </p:clrMapOvr>
+  <p:timing>
+    <p:tnLst>
+      <p:par>
+        <p:cTn id="1" dur="indefinite" restart="never" nodeType="tmRoot">
+          <p:childTnLst>
+            <p:seq concurrent="1" nextAc="seek">
+              <p:cTn id="2" dur="indefinite" nodeType="mainSeq">
+                <p:childTnLst>
+                  <p:par>
+                    <p:cTn id="3" fill="hold">
+                      <p:stCondLst>
+                        <p:cond delay="indefinite"/>
+                      </p:stCondLst>
+                      <p:childTnLst>
+                        <p:par>
+                          <p:cTn id="4" fill="hold">
+                            <p:stCondLst>
+                              <p:cond delay="0"/>
+                            </p:stCondLst>
+                            <p:childTnLst>
+                              <p:par>
+                                <p:cTn id="5" presetID="10" presetClass="entr" presetSubtype="0" fill="hold" nodeType="clickEffect">
+                                  <p:stCondLst>
+                                    <p:cond delay="0"/>
+                                  </p:stCondLst>
+                                  <p:childTnLst>
+                                    <p:set>
+                                      <p:cBhvr>
+                                        <p:cTn id="6" dur="1" fill="hold">
+                                          <p:stCondLst>
+                                            <p:cond delay="0"/>
+                                          </p:stCondLst>
+                                        </p:cTn>
+                                        <p:tgtEl>
+                                          <p:spTgt spid="8">
+                                            <p:txEl>
+                                              <p:pRg st="0" end="0"/>
+                                            </p:txEl>
+                                          </p:spTgt>
+                                        </p:tgtEl>
+                                        <p:attrNameLst>
+                                          <p:attrName>style.visibility</p:attrName>
+                                        </p:attrNameLst>
+                                      </p:cBhvr>
+                                      <p:to>
+                                        <p:strVal val="visible"/>
+                                      </p:to>
+                                    </p:set>
+                                    <p:animEffect transition="in" filter="fade">
+                                      <p:cBhvr>
+                                        <p:cTn id="7" dur="500"/>
+                                        <p:tgtEl>
+                                          <p:spTgt spid="8">
+                                            <p:txEl>
+                                              <p:pRg st="0" end="0"/>
+                                            </p:txEl>
+                                          </p:spTgt>
+                                        </p:tgtEl>
+                                      </p:cBhvr>
+                                    </p:animEffect>
+                                  </p:childTnLst>
+                                </p:cTn>
+                              </p:par>
+                            </p:childTnLst>
+                          </p:cTn>
+                        </p:par>
+                      </p:childTnLst>
+                    </p:cTn>
+                  </p:par>
+                  <p:par>
+                    <p:cTn id="8" fill="hold">
+                      <p:stCondLst>
+                        <p:cond delay="indefinite"/>
+                      </p:stCondLst>
+                      <p:childTnLst>
+                        <p:par>
+                          <p:cTn id="9" fill="hold">
+                            <p:stCondLst>
+                              <p:cond delay="0"/>
+                            </p:stCondLst>
+                            <p:childTnLst>
+                              <p:par>
+                                <p:cTn id="10" presetID="10" presetClass="entr" presetSubtype="0" fill="hold" nodeType="clickEffect">
+                                  <p:stCondLst>
+                                    <p:cond delay="0"/>
+                                  </p:stCondLst>
+                                  <p:childTnLst>
+                                    <p:set>
+                                      <p:cBhvr>
+                                        <p:cTn id="11" dur="1" fill="hold">
+                                          <p:stCondLst>
+                                            <p:cond delay="0"/>
+                                          </p:stCondLst>
+                                        </p:cTn>
+                                        <p:tgtEl>
+                                          <p:spTgt spid="6"/>
+                                        </p:tgtEl>
+                                        <p:attrNameLst>
+                                          <p:attrName>style.visibility</p:attrName>
+                                        </p:attrNameLst>
+                                      </p:cBhvr>
+                                      <p:to>
+                                        <p:strVal val="visible"/>
+                                      </p:to>
+                                    </p:set>
+                                    <p:animEffect transition="in" filter="fade">
+                                      <p:cBhvr>
+                                        <p:cTn id="12" dur="500"/>
+                                        <p:tgtEl>
+                                          <p:spTgt spid="6"/>
+                                        </p:tgtEl>
+                                      </p:cBhvr>
+                                    </p:animEffect>
+                                  </p:childTnLst>
+                                </p:cTn>
+                              </p:par>
+                              <p:par>
+                                <p:cTn id="13" presetID="10" presetClass="entr" presetSubtype="0" fill="hold" grpId="0" nodeType="withEffect">
+                                  <p:stCondLst>
+                                    <p:cond delay="0"/>
+                                  </p:stCondLst>
+                                  <p:childTnLst>
+                                    <p:set>
+                                      <p:cBhvr>
+                                        <p:cTn id="14" dur="1" fill="hold">
+                                          <p:stCondLst>
+                                            <p:cond delay="0"/>
+                                          </p:stCondLst>
+                                        </p:cTn>
+                                        <p:tgtEl>
+                                          <p:spTgt spid="21"/>
+                                        </p:tgtEl>
+                                        <p:attrNameLst>
+                                          <p:attrName>style.visibility</p:attrName>
+                                        </p:attrNameLst>
+                                      </p:cBhvr>
+                                      <p:to>
+                                        <p:strVal val="visible"/>
+                                      </p:to>
+                                    </p:set>
+                                    <p:animEffect transition="in" filter="fade">
+                                      <p:cBhvr>
+                                        <p:cTn id="15" dur="500"/>
+                                        <p:tgtEl>
+                                          <p:spTgt spid="21"/>
+                                        </p:tgtEl>
+                                      </p:cBhvr>
+                                    </p:animEffect>
+                                  </p:childTnLst>
+                                </p:cTn>
+                              </p:par>
+                            </p:childTnLst>
+                          </p:cTn>
+                        </p:par>
+                      </p:childTnLst>
+                    </p:cTn>
+                  </p:par>
+                  <p:par>
+                    <p:cTn id="16" fill="hold">
+                      <p:stCondLst>
+                        <p:cond delay="indefinite"/>
+                      </p:stCondLst>
+                      <p:childTnLst>
+                        <p:par>
+                          <p:cTn id="17" fill="hold">
+                            <p:stCondLst>
+                              <p:cond delay="0"/>
+                            </p:stCondLst>
+                            <p:childTnLst>
+                              <p:par>
+                                <p:cTn id="18" presetID="10" presetClass="entr" presetSubtype="0" fill="hold" nodeType="clickEffect">
+                                  <p:stCondLst>
+                                    <p:cond delay="0"/>
+                                  </p:stCondLst>
+                                  <p:childTnLst>
+                                    <p:set>
+                                      <p:cBhvr>
+                                        <p:cTn id="19" dur="1" fill="hold">
+                                          <p:stCondLst>
+                                            <p:cond delay="0"/>
+                                          </p:stCondLst>
+                                        </p:cTn>
+                                        <p:tgtEl>
+                                          <p:spTgt spid="7"/>
+                                        </p:tgtEl>
+                                        <p:attrNameLst>
+                                          <p:attrName>style.visibility</p:attrName>
+                                        </p:attrNameLst>
+                                      </p:cBhvr>
+                                      <p:to>
+                                        <p:strVal val="visible"/>
+                                      </p:to>
+                                    </p:set>
+                                    <p:animEffect transition="in" filter="fade">
+                                      <p:cBhvr>
+                                        <p:cTn id="20" dur="500"/>
+                                        <p:tgtEl>
+                                          <p:spTgt spid="7"/>
+                                        </p:tgtEl>
+                                      </p:cBhvr>
+                                    </p:animEffect>
+                                  </p:childTnLst>
+                                </p:cTn>
+                              </p:par>
+                              <p:par>
+                                <p:cTn id="21" presetID="10" presetClass="entr" presetSubtype="0" fill="hold" nodeType="withEffect">
+                                  <p:stCondLst>
+                                    <p:cond delay="0"/>
+                                  </p:stCondLst>
+                                  <p:childTnLst>
+                                    <p:set>
+                                      <p:cBhvr>
+                                        <p:cTn id="22" dur="1" fill="hold">
+                                          <p:stCondLst>
+                                            <p:cond delay="0"/>
+                                          </p:stCondLst>
+                                        </p:cTn>
+                                        <p:tgtEl>
+                                          <p:spTgt spid="3"/>
+                                        </p:tgtEl>
+                                        <p:attrNameLst>
+                                          <p:attrName>style.visibility</p:attrName>
+                                        </p:attrNameLst>
+                                      </p:cBhvr>
+                                      <p:to>
+                                        <p:strVal val="visible"/>
+                                      </p:to>
+                                    </p:set>
+                                    <p:animEffect transition="in" filter="fade">
+                                      <p:cBhvr>
+                                        <p:cTn id="23" dur="500"/>
+                                        <p:tgtEl>
+                                          <p:spTgt spid="3"/>
+                                        </p:tgtEl>
+                                      </p:cBhvr>
+                                    </p:animEffect>
+                                  </p:childTnLst>
+                                </p:cTn>
+                              </p:par>
+                              <p:par>
+                                <p:cTn id="24" presetID="10" presetClass="entr" presetSubtype="0" fill="hold" grpId="0" nodeType="withEffect">
+                                  <p:stCondLst>
+                                    <p:cond delay="0"/>
+                                  </p:stCondLst>
+                                  <p:childTnLst>
+                                    <p:set>
+                                      <p:cBhvr>
+                                        <p:cTn id="25" dur="1" fill="hold">
+                                          <p:stCondLst>
+                                            <p:cond delay="0"/>
+                                          </p:stCondLst>
+                                        </p:cTn>
+                                        <p:tgtEl>
+                                          <p:spTgt spid="13"/>
+                                        </p:tgtEl>
+                                        <p:attrNameLst>
+                                          <p:attrName>style.visibility</p:attrName>
+                                        </p:attrNameLst>
+                                      </p:cBhvr>
+                                      <p:to>
+                                        <p:strVal val="visible"/>
+                                      </p:to>
+                                    </p:set>
+                                    <p:animEffect transition="in" filter="fade">
+                                      <p:cBhvr>
+                                        <p:cTn id="26" dur="500"/>
+                                        <p:tgtEl>
+                                          <p:spTgt spid="13"/>
+                                        </p:tgtEl>
+                                      </p:cBhvr>
+                                    </p:animEffect>
+                                  </p:childTnLst>
+                                </p:cTn>
+                              </p:par>
+                            </p:childTnLst>
+                          </p:cTn>
+                        </p:par>
+                      </p:childTnLst>
+                    </p:cTn>
+                  </p:par>
+                </p:childTnLst>
+              </p:cTn>
+              <p:prevCondLst>
+                <p:cond evt="onPrev" delay="0">
+                  <p:tgtEl>
+                    <p:sldTgt/>
+                  </p:tgtEl>
+                </p:cond>
+              </p:prevCondLst>
+              <p:nextCondLst>
+                <p:cond evt="onNext" delay="0">
+                  <p:tgtEl>
+                    <p:sldTgt/>
+                  </p:tgtEl>
+                </p:cond>
+              </p:nextCondLst>
+            </p:seq>
+          </p:childTnLst>
+        </p:cTn>
+      </p:par>
+    </p:tnLst>
+    <p:bldLst>
+      <p:bldP spid="13" grpId="0"/>
+      <p:bldP spid="21" grpId="0"/>
+    </p:bldLst>
+  </p:timing>
 </p:sld>
 </file>
 
@@ -41628,15 +46840,6 @@
 </file>
 
 <file path=customXml/item1.xml><?xml version="1.0" encoding="utf-8"?>
-<?mso-contentType ?>
-<FormTemplates xmlns="http://schemas.microsoft.com/sharepoint/v3/contenttype/forms">
-  <Display>DocumentLibraryForm</Display>
-  <Edit>DocumentLibraryForm</Edit>
-  <New>DocumentLibraryForm</New>
-</FormTemplates>
-</file>
-
-<file path=customXml/item2.xml><?xml version="1.0" encoding="utf-8"?>
 <ct:contentTypeSchema xmlns:ct="http://schemas.microsoft.com/office/2006/metadata/contentType" xmlns:ma="http://schemas.microsoft.com/office/2006/metadata/properties/metaAttributes" ct:_="" ma:_="" ma:contentTypeName="Document" ma:contentTypeID="0x01010042A38F74C9162C478D8F165ED878BC5B" ma:contentTypeVersion="15" ma:contentTypeDescription="Create a new document." ma:contentTypeScope="" ma:versionID="e47a23570109c110b7798bafe919556a">
   <xsd:schema xmlns:xsd="http://www.w3.org/2001/XMLSchema" xmlns:xs="http://www.w3.org/2001/XMLSchema" xmlns:p="http://schemas.microsoft.com/office/2006/metadata/properties" xmlns:ns2="88b0a0ff-d3b5-49df-8481-a9e681bdc8a6" xmlns:ns3="56b50f8d-715f-480a-838b-715664365a53" targetNamespace="http://schemas.microsoft.com/office/2006/metadata/properties" ma:root="true" ma:fieldsID="fca2d4002b9751db08dcbe4d29144a3f" ns2:_="" ns3:_="">
     <xsd:import namespace="88b0a0ff-d3b5-49df-8481-a9e681bdc8a6"/>
@@ -41871,7 +47074,7 @@
 </ct:contentTypeSchema>
 </file>
 
-<file path=customXml/item3.xml><?xml version="1.0" encoding="utf-8"?>
+<file path=customXml/item2.xml><?xml version="1.0" encoding="utf-8"?>
 <p:properties xmlns:p="http://schemas.microsoft.com/office/2006/metadata/properties" xmlns:xsi="http://www.w3.org/2001/XMLSchema-instance" xmlns:pc="http://schemas.microsoft.com/office/infopath/2007/PartnerControls">
   <documentManagement>
     <SharedWithUsers xmlns="56b50f8d-715f-480a-838b-715664365a53">
@@ -41944,15 +47147,16 @@
 </p:properties>
 </file>
 
-<file path=customXml/itemProps1.xml><?xml version="1.0" encoding="utf-8"?>
-<ds:datastoreItem xmlns:ds="http://schemas.openxmlformats.org/officeDocument/2006/customXml" ds:itemID="{328C2D47-8966-498E-811F-A1F66EDD0AA6}">
-  <ds:schemaRefs>
-    <ds:schemaRef ds:uri="http://schemas.microsoft.com/sharepoint/v3/contenttype/forms"/>
-  </ds:schemaRefs>
-</ds:datastoreItem>
+<file path=customXml/item3.xml><?xml version="1.0" encoding="utf-8"?>
+<?mso-contentType ?>
+<FormTemplates xmlns="http://schemas.microsoft.com/sharepoint/v3/contenttype/forms">
+  <Display>DocumentLibraryForm</Display>
+  <Edit>DocumentLibraryForm</Edit>
+  <New>DocumentLibraryForm</New>
+</FormTemplates>
 </file>
 
-<file path=customXml/itemProps2.xml><?xml version="1.0" encoding="utf-8"?>
+<file path=customXml/itemProps1.xml><?xml version="1.0" encoding="utf-8"?>
 <ds:datastoreItem xmlns:ds="http://schemas.openxmlformats.org/officeDocument/2006/customXml" ds:itemID="{C57527D8-6F85-456C-AD90-B5FF6D7A1E5E}">
   <ds:schemaRefs>
     <ds:schemaRef ds:uri="http://schemas.microsoft.com/office/2006/metadata/contentType"/>
@@ -41971,7 +47175,7 @@
 </ds:datastoreItem>
 </file>
 
-<file path=customXml/itemProps3.xml><?xml version="1.0" encoding="utf-8"?>
+<file path=customXml/itemProps2.xml><?xml version="1.0" encoding="utf-8"?>
 <ds:datastoreItem xmlns:ds="http://schemas.openxmlformats.org/officeDocument/2006/customXml" ds:itemID="{B61FCE0B-163E-4885-9228-6F21EEAE8497}">
   <ds:schemaRefs>
     <ds:schemaRef ds:uri="d40a990f-0aae-4c25-9c28-eaaf496ed2a5"/>
@@ -41988,4 +47192,12 @@
     <ds:schemaRef ds:uri="88b0a0ff-d3b5-49df-8481-a9e681bdc8a6"/>
   </ds:schemaRefs>
 </ds:datastoreItem>
+</file>
+
+<file path=customXml/itemProps3.xml><?xml version="1.0" encoding="utf-8"?>
+<ds:datastoreItem xmlns:ds="http://schemas.openxmlformats.org/officeDocument/2006/customXml" ds:itemID="{328C2D47-8966-498E-811F-A1F66EDD0AA6}">
+  <ds:schemaRefs>
+    <ds:schemaRef ds:uri="http://schemas.microsoft.com/sharepoint/v3/contenttype/forms"/>
+  </ds:schemaRefs>
+</ds:datastoreItem>
 </file>
--- a/docs/Presentations/SRS_Presentation/Kiran Singh - SRS Presentation - Image Feature Correspondences.pptx
+++ b/docs/Presentations/SRS_Presentation/Kiran Singh - SRS Presentation - Image Feature Correspondences.pptx
@@ -34919,7 +34919,7 @@
           <a:p>
             <a:r>
               <a:rPr lang="en-US" sz="2800" dirty="0"/>
-              <a:t>Adaptation to a defined scale, </a:t>
+              <a:t>Adapt to a defined scale, </a:t>
             </a:r>
             <a:r>
               <a:rPr lang="el-GR" sz="2800" dirty="0"/>
@@ -34927,7 +34927,7 @@
             </a:r>
             <a:r>
               <a:rPr lang="en-US" sz="2800" dirty="0"/>
-              <a:t> with a Gaussian Kernel * </a:t>
+              <a:t>, with a Gaussian Kernel * </a:t>
             </a:r>
           </a:p>
           <a:p>
@@ -35049,6 +35049,80 @@
           </a:prstGeom>
         </p:spPr>
       </p:pic>
+      <p:pic>
+        <p:nvPicPr>
+          <p:cNvPr id="7" name="Picture 6">
+            <a:extLst>
+              <a:ext uri="{FF2B5EF4-FFF2-40B4-BE49-F238E27FC236}">
+                <a16:creationId xmlns:a16="http://schemas.microsoft.com/office/drawing/2014/main" id="{F4F6816A-6D12-B4A0-E8EF-93D21F2B891E}"/>
+              </a:ext>
+            </a:extLst>
+          </p:cNvPr>
+          <p:cNvPicPr>
+            <a:picLocks noChangeAspect="1"/>
+          </p:cNvPicPr>
+          <p:nvPr/>
+        </p:nvPicPr>
+        <p:blipFill>
+          <a:blip r:embed="rId4"/>
+          <a:stretch>
+            <a:fillRect/>
+          </a:stretch>
+        </p:blipFill>
+        <p:spPr>
+          <a:xfrm>
+            <a:off x="13380008" y="3168130"/>
+            <a:ext cx="5020376" cy="6716062"/>
+          </a:xfrm>
+          <a:prstGeom prst="rect">
+            <a:avLst/>
+          </a:prstGeom>
+        </p:spPr>
+      </p:pic>
+      <p:cxnSp>
+        <p:nvCxnSpPr>
+          <p:cNvPr id="9" name="Straight Arrow Connector 8">
+            <a:extLst>
+              <a:ext uri="{FF2B5EF4-FFF2-40B4-BE49-F238E27FC236}">
+                <a16:creationId xmlns:a16="http://schemas.microsoft.com/office/drawing/2014/main" id="{1515BAA5-C1ED-9D61-57C1-46C0BACF0F6D}"/>
+              </a:ext>
+            </a:extLst>
+          </p:cNvPr>
+          <p:cNvCxnSpPr>
+            <a:cxnSpLocks/>
+          </p:cNvCxnSpPr>
+          <p:nvPr/>
+        </p:nvCxnSpPr>
+        <p:spPr>
+          <a:xfrm>
+            <a:off x="7152968" y="8406581"/>
+            <a:ext cx="5705866" cy="0"/>
+          </a:xfrm>
+          <a:prstGeom prst="straightConnector1">
+            <a:avLst/>
+          </a:prstGeom>
+          <a:ln w="57150">
+            <a:solidFill>
+              <a:schemeClr val="accent2"/>
+            </a:solidFill>
+            <a:tailEnd type="triangle"/>
+          </a:ln>
+        </p:spPr>
+        <p:style>
+          <a:lnRef idx="2">
+            <a:schemeClr val="accent2"/>
+          </a:lnRef>
+          <a:fillRef idx="0">
+            <a:schemeClr val="accent2"/>
+          </a:fillRef>
+          <a:effectRef idx="1">
+            <a:schemeClr val="accent2"/>
+          </a:effectRef>
+          <a:fontRef idx="minor">
+            <a:schemeClr val="tx1"/>
+          </a:fontRef>
+        </p:style>
+      </p:cxnSp>
     </p:spTree>
     <p:extLst>
       <p:ext uri="{BB962C8B-B14F-4D97-AF65-F5344CB8AC3E}">
@@ -35391,6 +35465,94 @@
                       </p:childTnLst>
                     </p:cTn>
                   </p:par>
+                  <p:par>
+                    <p:cTn id="31" fill="hold">
+                      <p:stCondLst>
+                        <p:cond delay="indefinite"/>
+                      </p:stCondLst>
+                      <p:childTnLst>
+                        <p:par>
+                          <p:cTn id="32" fill="hold">
+                            <p:stCondLst>
+                              <p:cond delay="0"/>
+                            </p:stCondLst>
+                            <p:childTnLst>
+                              <p:par>
+                                <p:cTn id="33" presetID="10" presetClass="entr" presetSubtype="0" fill="hold" nodeType="clickEffect">
+                                  <p:stCondLst>
+                                    <p:cond delay="0"/>
+                                  </p:stCondLst>
+                                  <p:childTnLst>
+                                    <p:set>
+                                      <p:cBhvr>
+                                        <p:cTn id="34" dur="1" fill="hold">
+                                          <p:stCondLst>
+                                            <p:cond delay="0"/>
+                                          </p:stCondLst>
+                                        </p:cTn>
+                                        <p:tgtEl>
+                                          <p:spTgt spid="9"/>
+                                        </p:tgtEl>
+                                        <p:attrNameLst>
+                                          <p:attrName>style.visibility</p:attrName>
+                                        </p:attrNameLst>
+                                      </p:cBhvr>
+                                      <p:to>
+                                        <p:strVal val="visible"/>
+                                      </p:to>
+                                    </p:set>
+                                    <p:animEffect transition="in" filter="fade">
+                                      <p:cBhvr>
+                                        <p:cTn id="35" dur="500"/>
+                                        <p:tgtEl>
+                                          <p:spTgt spid="9"/>
+                                        </p:tgtEl>
+                                      </p:cBhvr>
+                                    </p:animEffect>
+                                  </p:childTnLst>
+                                </p:cTn>
+                              </p:par>
+                              <p:par>
+                                <p:cTn id="36" presetID="10" presetClass="entr" presetSubtype="0" fill="hold" nodeType="withEffect">
+                                  <p:stCondLst>
+                                    <p:cond delay="0"/>
+                                  </p:stCondLst>
+                                  <p:childTnLst>
+                                    <p:set>
+                                      <p:cBhvr>
+                                        <p:cTn id="37" dur="1" fill="hold">
+                                          <p:stCondLst>
+                                            <p:cond delay="0"/>
+                                          </p:stCondLst>
+                                        </p:cTn>
+                                        <p:tgtEl>
+                                          <p:spTgt spid="7"/>
+                                        </p:tgtEl>
+                                        <p:attrNameLst>
+                                          <p:attrName>style.visibility</p:attrName>
+                                        </p:attrNameLst>
+                                      </p:cBhvr>
+                                      <p:to>
+                                        <p:strVal val="visible"/>
+                                      </p:to>
+                                    </p:set>
+                                    <p:animEffect transition="in" filter="fade">
+                                      <p:cBhvr>
+                                        <p:cTn id="38" dur="500"/>
+                                        <p:tgtEl>
+                                          <p:spTgt spid="7"/>
+                                        </p:tgtEl>
+                                      </p:cBhvr>
+                                    </p:animEffect>
+                                  </p:childTnLst>
+                                </p:cTn>
+                              </p:par>
+                            </p:childTnLst>
+                          </p:cTn>
+                        </p:par>
+                      </p:childTnLst>
+                    </p:cTn>
+                  </p:par>
                 </p:childTnLst>
               </p:cTn>
               <p:prevCondLst>
@@ -35561,7 +35723,7 @@
             </a:r>
             <a:r>
               <a:rPr lang="en-US" dirty="0"/>
-              <a:t>– a flag that classifies a collection of points in image </a:t>
+              <a:t>– a flag that classifies a collection of key points in image </a:t>
             </a:r>
             <a:r>
               <a:rPr lang="en-US" b="1" i="1" dirty="0"/>
@@ -35577,7 +35739,7 @@
                   <a:schemeClr val="accent2"/>
                 </a:solidFill>
               </a:rPr>
-              <a:t>(mathematical definition needs to be refined*)</a:t>
+              <a:t>(mathematical definition needs to be defined*)</a:t>
             </a:r>
             <a:endParaRPr lang="en-US" dirty="0"/>
           </a:p>
@@ -35605,7 +35767,7 @@
                   <a:schemeClr val="accent2"/>
                 </a:solidFill>
               </a:rPr>
-              <a:t>(mathematical definition needs to be refined*)</a:t>
+              <a:t>(mathematical definition needs to be defined*)</a:t>
             </a:r>
             <a:endParaRPr lang="en-US" dirty="0"/>
           </a:p>
@@ -36065,7 +36227,12 @@
             <p:ph type="body" sz="quarter" idx="13"/>
           </p:nvPr>
         </p:nvSpPr>
-        <p:spPr/>
+        <p:spPr>
+          <a:xfrm>
+            <a:off x="742950" y="1562100"/>
+            <a:ext cx="11321231" cy="7829550"/>
+          </a:xfrm>
+        </p:spPr>
         <p:txBody>
           <a:bodyPr/>
           <a:lstStyle/>
@@ -36554,7 +36721,7 @@
                   <a:schemeClr val="bg1"/>
                 </a:solidFill>
               </a:rPr>
-              <a:t>[1] Y. Wang, W. Jiang, K. Huang, S. </a:t>
+              <a:t>Y. Wang, W. Jiang, K. Huang, S. </a:t>
             </a:r>
             <a:r>
               <a:rPr lang="en-CA" dirty="0" err="1">
@@ -41566,7 +41733,7 @@
             <a:pPr lvl="2"/>
             <a:r>
               <a:rPr lang="en-CA" dirty="0"/>
-              <a:t>Imagery vector **</a:t>
+              <a:t>Imagery vector ** (Greyscale vs RBG)</a:t>
             </a:r>
           </a:p>
           <a:p>
@@ -41590,7 +41757,7 @@
             <a:pPr lvl="1"/>
             <a:r>
               <a:rPr lang="en-CA" sz="2400" b="1" dirty="0"/>
-              <a:t>IN4B) </a:t>
+              <a:t>In4B) </a:t>
             </a:r>
             <a:r>
               <a:rPr lang="en-CA" sz="2400" dirty="0"/>
@@ -41607,14 +41774,14 @@
             </a:r>
             <a:r>
               <a:rPr lang="en-CA" sz="2800" dirty="0"/>
-              <a:t>Feature Comparison Comparison**</a:t>
+              <a:t>Feature Comparison Algorithm**</a:t>
             </a:r>
           </a:p>
           <a:p>
             <a:pPr lvl="1"/>
             <a:r>
               <a:rPr lang="en-CA" sz="2400" b="1" dirty="0"/>
-              <a:t>IN5B) </a:t>
+              <a:t>In5B) </a:t>
             </a:r>
             <a:r>
               <a:rPr lang="en-CA" sz="2400" dirty="0"/>
@@ -43252,7 +43419,7 @@
           <p:nvPr>
             <p:extLst>
               <p:ext uri="{D42A27DB-BD31-4B8C-83A1-F6EECF244321}">
-                <p14:modId xmlns:p14="http://schemas.microsoft.com/office/powerpoint/2010/main" val="2959618921"/>
+                <p14:modId xmlns:p14="http://schemas.microsoft.com/office/powerpoint/2010/main" val="2462419949"/>
               </p:ext>
             </p:extLst>
           </p:nvPr>
@@ -43723,7 +43890,19 @@
                       </a:pPr>
                       <a:r>
                         <a:rPr lang="en-US" dirty="0"/>
-                        <a:t>Hessian-Based Interest Points [LC01]</a:t>
+                        <a:t>Hessian-Based Interest Points [</a:t>
+                      </a:r>
+                      <a:r>
+                        <a:rPr lang="en-US" b="1" dirty="0">
+                          <a:solidFill>
+                            <a:srgbClr val="C00000"/>
+                          </a:solidFill>
+                        </a:rPr>
+                        <a:t>LC01</a:t>
+                      </a:r>
+                      <a:r>
+                        <a:rPr lang="en-US" dirty="0"/>
+                        <a:t>]</a:t>
                       </a:r>
                       <a:endParaRPr lang="en-CA" dirty="0"/>
                     </a:p>
@@ -43821,6 +44000,128 @@
                                           </p:stCondLst>
                                         </p:cTn>
                                         <p:tgtEl>
+                                          <p:spTgt spid="9">
+                                            <p:txEl>
+                                              <p:pRg st="1" end="1"/>
+                                            </p:txEl>
+                                          </p:spTgt>
+                                        </p:tgtEl>
+                                        <p:attrNameLst>
+                                          <p:attrName>style.visibility</p:attrName>
+                                        </p:attrNameLst>
+                                      </p:cBhvr>
+                                      <p:to>
+                                        <p:strVal val="visible"/>
+                                      </p:to>
+                                    </p:set>
+                                    <p:animEffect transition="in" filter="fade">
+                                      <p:cBhvr>
+                                        <p:cTn id="7" dur="500"/>
+                                        <p:tgtEl>
+                                          <p:spTgt spid="9">
+                                            <p:txEl>
+                                              <p:pRg st="1" end="1"/>
+                                            </p:txEl>
+                                          </p:spTgt>
+                                        </p:tgtEl>
+                                      </p:cBhvr>
+                                    </p:animEffect>
+                                  </p:childTnLst>
+                                </p:cTn>
+                              </p:par>
+                            </p:childTnLst>
+                          </p:cTn>
+                        </p:par>
+                      </p:childTnLst>
+                    </p:cTn>
+                  </p:par>
+                  <p:par>
+                    <p:cTn id="8" fill="hold">
+                      <p:stCondLst>
+                        <p:cond delay="indefinite"/>
+                      </p:stCondLst>
+                      <p:childTnLst>
+                        <p:par>
+                          <p:cTn id="9" fill="hold">
+                            <p:stCondLst>
+                              <p:cond delay="0"/>
+                            </p:stCondLst>
+                            <p:childTnLst>
+                              <p:par>
+                                <p:cTn id="10" presetID="10" presetClass="entr" presetSubtype="0" fill="hold" nodeType="clickEffect">
+                                  <p:stCondLst>
+                                    <p:cond delay="0"/>
+                                  </p:stCondLst>
+                                  <p:childTnLst>
+                                    <p:set>
+                                      <p:cBhvr>
+                                        <p:cTn id="11" dur="1" fill="hold">
+                                          <p:stCondLst>
+                                            <p:cond delay="0"/>
+                                          </p:stCondLst>
+                                        </p:cTn>
+                                        <p:tgtEl>
+                                          <p:spTgt spid="9">
+                                            <p:txEl>
+                                              <p:pRg st="2" end="2"/>
+                                            </p:txEl>
+                                          </p:spTgt>
+                                        </p:tgtEl>
+                                        <p:attrNameLst>
+                                          <p:attrName>style.visibility</p:attrName>
+                                        </p:attrNameLst>
+                                      </p:cBhvr>
+                                      <p:to>
+                                        <p:strVal val="visible"/>
+                                      </p:to>
+                                    </p:set>
+                                    <p:animEffect transition="in" filter="fade">
+                                      <p:cBhvr>
+                                        <p:cTn id="12" dur="500"/>
+                                        <p:tgtEl>
+                                          <p:spTgt spid="9">
+                                            <p:txEl>
+                                              <p:pRg st="2" end="2"/>
+                                            </p:txEl>
+                                          </p:spTgt>
+                                        </p:tgtEl>
+                                      </p:cBhvr>
+                                    </p:animEffect>
+                                  </p:childTnLst>
+                                </p:cTn>
+                              </p:par>
+                            </p:childTnLst>
+                          </p:cTn>
+                        </p:par>
+                      </p:childTnLst>
+                    </p:cTn>
+                  </p:par>
+                  <p:par>
+                    <p:cTn id="13" fill="hold">
+                      <p:stCondLst>
+                        <p:cond delay="indefinite"/>
+                      </p:stCondLst>
+                      <p:childTnLst>
+                        <p:par>
+                          <p:cTn id="14" fill="hold">
+                            <p:stCondLst>
+                              <p:cond delay="0"/>
+                            </p:stCondLst>
+                            <p:childTnLst>
+                              <p:par>
+                                <p:cTn id="15" presetID="10" presetClass="entr" presetSubtype="0" fill="hold" nodeType="clickEffect">
+                                  <p:stCondLst>
+                                    <p:cond delay="0"/>
+                                  </p:stCondLst>
+                                  <p:childTnLst>
+                                    <p:set>
+                                      <p:cBhvr>
+                                        <p:cTn id="16" dur="1" fill="hold">
+                                          <p:stCondLst>
+                                            <p:cond delay="0"/>
+                                          </p:stCondLst>
+                                        </p:cTn>
+                                        <p:tgtEl>
                                           <p:spTgt spid="7"/>
                                         </p:tgtEl>
                                         <p:attrNameLst>
@@ -43833,7 +44134,7 @@
                                     </p:set>
                                     <p:animEffect transition="in" filter="fade">
                                       <p:cBhvr>
-                                        <p:cTn id="7" dur="500"/>
+                                        <p:cTn id="17" dur="500"/>
                                         <p:tgtEl>
                                           <p:spTgt spid="7"/>
                                         </p:tgtEl>
@@ -45082,8 +45383,8 @@
         </p:blipFill>
         <p:spPr>
           <a:xfrm>
-            <a:off x="10450514" y="3642107"/>
-            <a:ext cx="3124865" cy="2797151"/>
+            <a:off x="8986629" y="3642107"/>
+            <a:ext cx="3851331" cy="3447430"/>
           </a:xfrm>
           <a:prstGeom prst="rect">
             <a:avLst/>
@@ -45104,8 +45405,8 @@
         </p:nvSpPr>
         <p:spPr>
           <a:xfrm>
-            <a:off x="10450514" y="7304003"/>
-            <a:ext cx="6114886" cy="1200329"/>
+            <a:off x="9620691" y="8612297"/>
+            <a:ext cx="8969159" cy="923330"/>
           </a:xfrm>
           <a:prstGeom prst="rect">
             <a:avLst/>
@@ -45219,8 +45520,8 @@
         </p:blipFill>
         <p:spPr>
           <a:xfrm>
-            <a:off x="13851836" y="3642107"/>
-            <a:ext cx="3124865" cy="3447430"/>
+            <a:off x="13896081" y="3642107"/>
+            <a:ext cx="3971099" cy="4381016"/>
           </a:xfrm>
           <a:prstGeom prst="rect">
             <a:avLst/>
@@ -46840,6 +47141,15 @@
 </file>
 
 <file path=customXml/item1.xml><?xml version="1.0" encoding="utf-8"?>
+<?mso-contentType ?>
+<FormTemplates xmlns="http://schemas.microsoft.com/sharepoint/v3/contenttype/forms">
+  <Display>DocumentLibraryForm</Display>
+  <Edit>DocumentLibraryForm</Edit>
+  <New>DocumentLibraryForm</New>
+</FormTemplates>
+</file>
+
+<file path=customXml/item2.xml><?xml version="1.0" encoding="utf-8"?>
 <ct:contentTypeSchema xmlns:ct="http://schemas.microsoft.com/office/2006/metadata/contentType" xmlns:ma="http://schemas.microsoft.com/office/2006/metadata/properties/metaAttributes" ct:_="" ma:_="" ma:contentTypeName="Document" ma:contentTypeID="0x01010042A38F74C9162C478D8F165ED878BC5B" ma:contentTypeVersion="15" ma:contentTypeDescription="Create a new document." ma:contentTypeScope="" ma:versionID="e47a23570109c110b7798bafe919556a">
   <xsd:schema xmlns:xsd="http://www.w3.org/2001/XMLSchema" xmlns:xs="http://www.w3.org/2001/XMLSchema" xmlns:p="http://schemas.microsoft.com/office/2006/metadata/properties" xmlns:ns2="88b0a0ff-d3b5-49df-8481-a9e681bdc8a6" xmlns:ns3="56b50f8d-715f-480a-838b-715664365a53" targetNamespace="http://schemas.microsoft.com/office/2006/metadata/properties" ma:root="true" ma:fieldsID="fca2d4002b9751db08dcbe4d29144a3f" ns2:_="" ns3:_="">
     <xsd:import namespace="88b0a0ff-d3b5-49df-8481-a9e681bdc8a6"/>
@@ -47074,7 +47384,7 @@
 </ct:contentTypeSchema>
 </file>
 
-<file path=customXml/item2.xml><?xml version="1.0" encoding="utf-8"?>
+<file path=customXml/item3.xml><?xml version="1.0" encoding="utf-8"?>
 <p:properties xmlns:p="http://schemas.microsoft.com/office/2006/metadata/properties" xmlns:xsi="http://www.w3.org/2001/XMLSchema-instance" xmlns:pc="http://schemas.microsoft.com/office/infopath/2007/PartnerControls">
   <documentManagement>
     <SharedWithUsers xmlns="56b50f8d-715f-480a-838b-715664365a53">
@@ -47147,16 +47457,15 @@
 </p:properties>
 </file>
 
-<file path=customXml/item3.xml><?xml version="1.0" encoding="utf-8"?>
-<?mso-contentType ?>
-<FormTemplates xmlns="http://schemas.microsoft.com/sharepoint/v3/contenttype/forms">
-  <Display>DocumentLibraryForm</Display>
-  <Edit>DocumentLibraryForm</Edit>
-  <New>DocumentLibraryForm</New>
-</FormTemplates>
+<file path=customXml/itemProps1.xml><?xml version="1.0" encoding="utf-8"?>
+<ds:datastoreItem xmlns:ds="http://schemas.openxmlformats.org/officeDocument/2006/customXml" ds:itemID="{328C2D47-8966-498E-811F-A1F66EDD0AA6}">
+  <ds:schemaRefs>
+    <ds:schemaRef ds:uri="http://schemas.microsoft.com/sharepoint/v3/contenttype/forms"/>
+  </ds:schemaRefs>
+</ds:datastoreItem>
 </file>
 
-<file path=customXml/itemProps1.xml><?xml version="1.0" encoding="utf-8"?>
+<file path=customXml/itemProps2.xml><?xml version="1.0" encoding="utf-8"?>
 <ds:datastoreItem xmlns:ds="http://schemas.openxmlformats.org/officeDocument/2006/customXml" ds:itemID="{C57527D8-6F85-456C-AD90-B5FF6D7A1E5E}">
   <ds:schemaRefs>
     <ds:schemaRef ds:uri="http://schemas.microsoft.com/office/2006/metadata/contentType"/>
@@ -47175,29 +47484,19 @@
 </ds:datastoreItem>
 </file>
 
-<file path=customXml/itemProps2.xml><?xml version="1.0" encoding="utf-8"?>
+<file path=customXml/itemProps3.xml><?xml version="1.0" encoding="utf-8"?>
 <ds:datastoreItem xmlns:ds="http://schemas.openxmlformats.org/officeDocument/2006/customXml" ds:itemID="{B61FCE0B-163E-4885-9228-6F21EEAE8497}">
   <ds:schemaRefs>
-    <ds:schemaRef ds:uri="d40a990f-0aae-4c25-9c28-eaaf496ed2a5"/>
+    <ds:schemaRef ds:uri="http://www.w3.org/XML/1998/namespace"/>
+    <ds:schemaRef ds:uri="http://schemas.microsoft.com/office/2006/metadata/properties"/>
+    <ds:schemaRef ds:uri="http://purl.org/dc/terms/"/>
+    <ds:schemaRef ds:uri="http://purl.org/dc/elements/1.1/"/>
+    <ds:schemaRef ds:uri="88b0a0ff-d3b5-49df-8481-a9e681bdc8a6"/>
     <ds:schemaRef ds:uri="http://schemas.microsoft.com/office/infopath/2007/PartnerControls"/>
-    <ds:schemaRef ds:uri="http://purl.org/dc/terms/"/>
+    <ds:schemaRef ds:uri="http://schemas.microsoft.com/office/2006/documentManagement/types"/>
     <ds:schemaRef ds:uri="http://schemas.openxmlformats.org/package/2006/metadata/core-properties"/>
-    <ds:schemaRef ds:uri="http://schemas.microsoft.com/office/2006/documentManagement/types"/>
-    <ds:schemaRef ds:uri="http://purl.org/dc/elements/1.1/"/>
-    <ds:schemaRef ds:uri="f1f8a7e4-56c1-4563-85ae-320e346f1ca6"/>
-    <ds:schemaRef ds:uri="http://schemas.microsoft.com/office/2006/metadata/properties"/>
-    <ds:schemaRef ds:uri="http://www.w3.org/XML/1998/namespace"/>
+    <ds:schemaRef ds:uri="56b50f8d-715f-480a-838b-715664365a53"/>
     <ds:schemaRef ds:uri="http://purl.org/dc/dcmitype/"/>
-    <ds:schemaRef ds:uri="56b50f8d-715f-480a-838b-715664365a53"/>
-    <ds:schemaRef ds:uri="88b0a0ff-d3b5-49df-8481-a9e681bdc8a6"/>
-  </ds:schemaRefs>
-</ds:datastoreItem>
-</file>
-
-<file path=customXml/itemProps3.xml><?xml version="1.0" encoding="utf-8"?>
-<ds:datastoreItem xmlns:ds="http://schemas.openxmlformats.org/officeDocument/2006/customXml" ds:itemID="{328C2D47-8966-498E-811F-A1F66EDD0AA6}">
-  <ds:schemaRefs>
-    <ds:schemaRef ds:uri="http://schemas.microsoft.com/sharepoint/v3/contenttype/forms"/>
   </ds:schemaRefs>
 </ds:datastoreItem>
 </file>